--- a/OCR Data Analyst.pptx
+++ b/OCR Data Analyst.pptx
@@ -1,48 +1,48 @@
 
 <file path=ppt/presentation.xml><?xml version="1.0" encoding="utf-8"?>
-<p:presentation xmlns:a="http://schemas.openxmlformats.org/drawingml/2006/main" xmlns:r="http://schemas.openxmlformats.org/officeDocument/2006/relationships" xmlns:mc="http://schemas.openxmlformats.org/markup-compatibility/2006" xmlns:mv="urn:schemas-microsoft-com:mac:vml" xmlns:p="http://schemas.openxmlformats.org/presentationml/2006/main" xmlns:c="http://schemas.openxmlformats.org/drawingml/2006/chart" xmlns:dgm="http://schemas.openxmlformats.org/drawingml/2006/diagram" xmlns:o="urn:schemas-microsoft-com:office:office" xmlns:v="urn:schemas-microsoft-com:vml" xmlns:pvml="urn:schemas-microsoft-com:office:powerpoint" xmlns:com="http://schemas.openxmlformats.org/drawingml/2006/compatibility" xmlns:p14="http://schemas.microsoft.com/office/powerpoint/2010/main" xmlns:p15="http://schemas.microsoft.com/office/powerpoint/2012/main" xmlns:ahyp="http://schemas.microsoft.com/office/drawing/2018/hyperlinkcolor" autoCompressPictures="0" embedTrueTypeFonts="1" strictFirstAndLastChars="0" saveSubsetFonts="1">
+<p:presentation xmlns:a="http://schemas.openxmlformats.org/drawingml/2006/main" xmlns:r="http://schemas.openxmlformats.org/officeDocument/2006/relationships" xmlns:p="http://schemas.openxmlformats.org/presentationml/2006/main" strictFirstAndLastChars="0" embedTrueTypeFonts="1" saveSubsetFonts="1" autoCompressPictures="0">
   <p:sldMasterIdLst>
-    <p:sldMasterId id="2147483659" r:id="rId4"/>
+    <p:sldMasterId id="2147483659" r:id="rId1"/>
   </p:sldMasterIdLst>
   <p:notesMasterIdLst>
-    <p:notesMasterId r:id="rId5"/>
+    <p:notesMasterId r:id="rId16"/>
   </p:notesMasterIdLst>
   <p:sldIdLst>
-    <p:sldId id="256" r:id="rId6"/>
-    <p:sldId id="257" r:id="rId7"/>
-    <p:sldId id="258" r:id="rId8"/>
-    <p:sldId id="259" r:id="rId9"/>
-    <p:sldId id="260" r:id="rId10"/>
-    <p:sldId id="261" r:id="rId11"/>
-    <p:sldId id="262" r:id="rId12"/>
-    <p:sldId id="263" r:id="rId13"/>
-    <p:sldId id="264" r:id="rId14"/>
-    <p:sldId id="265" r:id="rId15"/>
-    <p:sldId id="266" r:id="rId16"/>
-    <p:sldId id="267" r:id="rId17"/>
-    <p:sldId id="268" r:id="rId18"/>
-    <p:sldId id="269" r:id="rId19"/>
+    <p:sldId id="256" r:id="rId2"/>
+    <p:sldId id="257" r:id="rId3"/>
+    <p:sldId id="258" r:id="rId4"/>
+    <p:sldId id="259" r:id="rId5"/>
+    <p:sldId id="260" r:id="rId6"/>
+    <p:sldId id="261" r:id="rId7"/>
+    <p:sldId id="262" r:id="rId8"/>
+    <p:sldId id="263" r:id="rId9"/>
+    <p:sldId id="264" r:id="rId10"/>
+    <p:sldId id="265" r:id="rId11"/>
+    <p:sldId id="266" r:id="rId12"/>
+    <p:sldId id="267" r:id="rId13"/>
+    <p:sldId id="268" r:id="rId14"/>
+    <p:sldId id="269" r:id="rId15"/>
   </p:sldIdLst>
-  <p:sldSz cy="5143500" cx="9144000"/>
+  <p:sldSz cx="9144000" cy="5143500" type="screen16x9"/>
   <p:notesSz cx="6858000" cy="9144000"/>
   <p:embeddedFontLst>
     <p:embeddedFont>
-      <p:font typeface="Raleway"/>
-      <p:regular r:id="rId20"/>
-      <p:bold r:id="rId21"/>
-      <p:italic r:id="rId22"/>
-      <p:boldItalic r:id="rId23"/>
+      <p:font typeface="Lato" panose="020F0502020204030203" pitchFamily="34" charset="0"/>
+      <p:regular r:id="rId17"/>
+      <p:bold r:id="rId18"/>
+      <p:italic r:id="rId19"/>
+      <p:boldItalic r:id="rId20"/>
     </p:embeddedFont>
     <p:embeddedFont>
-      <p:font typeface="Lato"/>
-      <p:regular r:id="rId24"/>
-      <p:bold r:id="rId25"/>
-      <p:italic r:id="rId26"/>
-      <p:boldItalic r:id="rId27"/>
+      <p:font typeface="Raleway" panose="020F0502020204030204" pitchFamily="2" charset="0"/>
+      <p:regular r:id="rId21"/>
+      <p:bold r:id="rId22"/>
+      <p:italic r:id="rId23"/>
+      <p:boldItalic r:id="rId24"/>
     </p:embeddedFont>
   </p:embeddedFontLst>
   <p:defaultTextStyle>
-    <a:defPPr lvl="0" marR="0" rtl="0" algn="l">
+    <a:defPPr marR="0" lvl="0" algn="l" rtl="0">
       <a:lnSpc>
         <a:spcPct val="100000"/>
       </a:lnSpc>
@@ -53,7 +53,7 @@
         <a:spcPts val="0"/>
       </a:spcAft>
     </a:defPPr>
-    <a:lvl1pPr lvl="0" marR="0" rtl="0" algn="l">
+    <a:lvl1pPr marR="0" lvl="0" algn="l" rtl="0">
       <a:lnSpc>
         <a:spcPct val="100000"/>
       </a:lnSpc>
@@ -67,7 +67,7 @@
         <a:srgbClr val="000000"/>
       </a:buClr>
       <a:buFont typeface="Arial"/>
-      <a:defRPr b="0" i="0" sz="1400" u="none" cap="none" strike="noStrike">
+      <a:defRPr sz="1400" b="0" i="0" u="none" strike="noStrike" cap="none">
         <a:solidFill>
           <a:srgbClr val="000000"/>
         </a:solidFill>
@@ -77,7 +77,7 @@
         <a:sym typeface="Arial"/>
       </a:defRPr>
     </a:lvl1pPr>
-    <a:lvl2pPr lvl="1" marR="0" rtl="0" algn="l">
+    <a:lvl2pPr marR="0" lvl="1" algn="l" rtl="0">
       <a:lnSpc>
         <a:spcPct val="100000"/>
       </a:lnSpc>
@@ -91,7 +91,7 @@
         <a:srgbClr val="000000"/>
       </a:buClr>
       <a:buFont typeface="Arial"/>
-      <a:defRPr b="0" i="0" sz="1400" u="none" cap="none" strike="noStrike">
+      <a:defRPr sz="1400" b="0" i="0" u="none" strike="noStrike" cap="none">
         <a:solidFill>
           <a:srgbClr val="000000"/>
         </a:solidFill>
@@ -101,7 +101,7 @@
         <a:sym typeface="Arial"/>
       </a:defRPr>
     </a:lvl2pPr>
-    <a:lvl3pPr lvl="2" marR="0" rtl="0" algn="l">
+    <a:lvl3pPr marR="0" lvl="2" algn="l" rtl="0">
       <a:lnSpc>
         <a:spcPct val="100000"/>
       </a:lnSpc>
@@ -115,7 +115,7 @@
         <a:srgbClr val="000000"/>
       </a:buClr>
       <a:buFont typeface="Arial"/>
-      <a:defRPr b="0" i="0" sz="1400" u="none" cap="none" strike="noStrike">
+      <a:defRPr sz="1400" b="0" i="0" u="none" strike="noStrike" cap="none">
         <a:solidFill>
           <a:srgbClr val="000000"/>
         </a:solidFill>
@@ -125,7 +125,7 @@
         <a:sym typeface="Arial"/>
       </a:defRPr>
     </a:lvl3pPr>
-    <a:lvl4pPr lvl="3" marR="0" rtl="0" algn="l">
+    <a:lvl4pPr marR="0" lvl="3" algn="l" rtl="0">
       <a:lnSpc>
         <a:spcPct val="100000"/>
       </a:lnSpc>
@@ -139,7 +139,7 @@
         <a:srgbClr val="000000"/>
       </a:buClr>
       <a:buFont typeface="Arial"/>
-      <a:defRPr b="0" i="0" sz="1400" u="none" cap="none" strike="noStrike">
+      <a:defRPr sz="1400" b="0" i="0" u="none" strike="noStrike" cap="none">
         <a:solidFill>
           <a:srgbClr val="000000"/>
         </a:solidFill>
@@ -149,7 +149,7 @@
         <a:sym typeface="Arial"/>
       </a:defRPr>
     </a:lvl4pPr>
-    <a:lvl5pPr lvl="4" marR="0" rtl="0" algn="l">
+    <a:lvl5pPr marR="0" lvl="4" algn="l" rtl="0">
       <a:lnSpc>
         <a:spcPct val="100000"/>
       </a:lnSpc>
@@ -163,7 +163,7 @@
         <a:srgbClr val="000000"/>
       </a:buClr>
       <a:buFont typeface="Arial"/>
-      <a:defRPr b="0" i="0" sz="1400" u="none" cap="none" strike="noStrike">
+      <a:defRPr sz="1400" b="0" i="0" u="none" strike="noStrike" cap="none">
         <a:solidFill>
           <a:srgbClr val="000000"/>
         </a:solidFill>
@@ -173,7 +173,7 @@
         <a:sym typeface="Arial"/>
       </a:defRPr>
     </a:lvl5pPr>
-    <a:lvl6pPr lvl="5" marR="0" rtl="0" algn="l">
+    <a:lvl6pPr marR="0" lvl="5" algn="l" rtl="0">
       <a:lnSpc>
         <a:spcPct val="100000"/>
       </a:lnSpc>
@@ -187,7 +187,7 @@
         <a:srgbClr val="000000"/>
       </a:buClr>
       <a:buFont typeface="Arial"/>
-      <a:defRPr b="0" i="0" sz="1400" u="none" cap="none" strike="noStrike">
+      <a:defRPr sz="1400" b="0" i="0" u="none" strike="noStrike" cap="none">
         <a:solidFill>
           <a:srgbClr val="000000"/>
         </a:solidFill>
@@ -197,7 +197,7 @@
         <a:sym typeface="Arial"/>
       </a:defRPr>
     </a:lvl6pPr>
-    <a:lvl7pPr lvl="6" marR="0" rtl="0" algn="l">
+    <a:lvl7pPr marR="0" lvl="6" algn="l" rtl="0">
       <a:lnSpc>
         <a:spcPct val="100000"/>
       </a:lnSpc>
@@ -211,7 +211,7 @@
         <a:srgbClr val="000000"/>
       </a:buClr>
       <a:buFont typeface="Arial"/>
-      <a:defRPr b="0" i="0" sz="1400" u="none" cap="none" strike="noStrike">
+      <a:defRPr sz="1400" b="0" i="0" u="none" strike="noStrike" cap="none">
         <a:solidFill>
           <a:srgbClr val="000000"/>
         </a:solidFill>
@@ -221,7 +221,7 @@
         <a:sym typeface="Arial"/>
       </a:defRPr>
     </a:lvl7pPr>
-    <a:lvl8pPr lvl="7" marR="0" rtl="0" algn="l">
+    <a:lvl8pPr marR="0" lvl="7" algn="l" rtl="0">
       <a:lnSpc>
         <a:spcPct val="100000"/>
       </a:lnSpc>
@@ -235,7 +235,7 @@
         <a:srgbClr val="000000"/>
       </a:buClr>
       <a:buFont typeface="Arial"/>
-      <a:defRPr b="0" i="0" sz="1400" u="none" cap="none" strike="noStrike">
+      <a:defRPr sz="1400" b="0" i="0" u="none" strike="noStrike" cap="none">
         <a:solidFill>
           <a:srgbClr val="000000"/>
         </a:solidFill>
@@ -245,7 +245,7 @@
         <a:sym typeface="Arial"/>
       </a:defRPr>
     </a:lvl8pPr>
-    <a:lvl9pPr lvl="8" marR="0" rtl="0" algn="l">
+    <a:lvl9pPr marR="0" lvl="8" algn="l" rtl="0">
       <a:lnSpc>
         <a:spcPct val="100000"/>
       </a:lnSpc>
@@ -259,7 +259,7 @@
         <a:srgbClr val="000000"/>
       </a:buClr>
       <a:buFont typeface="Arial"/>
-      <a:defRPr b="0" i="0" sz="1400" u="none" cap="none" strike="noStrike">
+      <a:defRPr sz="1400" b="0" i="0" u="none" strike="noStrike" cap="none">
         <a:solidFill>
           <a:srgbClr val="000000"/>
         </a:solidFill>
@@ -272,7 +272,7 @@
   </p:defaultTextStyle>
   <p:extLst>
     <p:ext uri="{EFAFB233-063F-42B5-8137-9DF3F51BA10A}">
-      <p15:sldGuideLst>
+      <p15:sldGuideLst xmlns:p15="http://schemas.microsoft.com/office/powerpoint/2012/main">
         <p15:guide id="1" orient="horz" pos="1620">
           <p15:clr>
             <a:srgbClr val="747775"/>
@@ -290,11 +290,16 @@
 </file>
 
 <file path=ppt/notesMasters/notesMaster1.xml><?xml version="1.0" encoding="utf-8"?>
-<p:notesMaster xmlns:a="http://schemas.openxmlformats.org/drawingml/2006/main" xmlns:r="http://schemas.openxmlformats.org/officeDocument/2006/relationships" xmlns:mc="http://schemas.openxmlformats.org/markup-compatibility/2006" xmlns:mv="urn:schemas-microsoft-com:mac:vml" xmlns:p="http://schemas.openxmlformats.org/presentationml/2006/main" xmlns:c="http://schemas.openxmlformats.org/drawingml/2006/chart" xmlns:dgm="http://schemas.openxmlformats.org/drawingml/2006/diagram" xmlns:o="urn:schemas-microsoft-com:office:office" xmlns:v="urn:schemas-microsoft-com:vml" xmlns:pvml="urn:schemas-microsoft-com:office:powerpoint" xmlns:com="http://schemas.openxmlformats.org/drawingml/2006/compatibility" xmlns:p14="http://schemas.microsoft.com/office/powerpoint/2010/main" xmlns:p15="http://schemas.microsoft.com/office/powerpoint/2012/main" xmlns:ahyp="http://schemas.microsoft.com/office/drawing/2018/hyperlinkcolor">
+<p:notesMaster xmlns:a="http://schemas.openxmlformats.org/drawingml/2006/main" xmlns:r="http://schemas.openxmlformats.org/officeDocument/2006/relationships" xmlns:p="http://schemas.openxmlformats.org/presentationml/2006/main">
   <p:cSld>
+    <p:bg>
+      <p:bgRef idx="1001">
+        <a:schemeClr val="bg1"/>
+      </p:bgRef>
+    </p:bg>
     <p:spTree>
       <p:nvGrpSpPr>
-        <p:cNvPr id="2" name="Shape 2"/>
+        <p:cNvPr id="1" name="Shape 2"/>
         <p:cNvGrpSpPr/>
         <p:nvPr/>
       </p:nvGrpSpPr>
@@ -309,9 +314,11 @@
       <p:sp>
         <p:nvSpPr>
           <p:cNvPr id="3" name="Google Shape;3;n"/>
-          <p:cNvSpPr/>
+          <p:cNvSpPr>
+            <a:spLocks noGrp="1" noRot="1" noChangeAspect="1"/>
+          </p:cNvSpPr>
           <p:nvPr>
-            <p:ph idx="2" type="sldImg"/>
+            <p:ph type="sldImg" idx="2"/>
           </p:nvPr>
         </p:nvSpPr>
         <p:spPr>
@@ -320,9 +327,13 @@
             <a:ext cx="6096075" cy="3429000"/>
           </a:xfrm>
           <a:custGeom>
-            <a:rect b="b" l="l" r="r" t="t"/>
+            <a:avLst/>
+            <a:gdLst/>
+            <a:ahLst/>
+            <a:cxnLst/>
+            <a:rect l="l" t="t" r="r" b="b"/>
             <a:pathLst>
-              <a:path extrusionOk="0" h="120000" w="120000">
+              <a:path w="120000" h="120000" extrusionOk="0">
                 <a:moveTo>
                   <a:pt x="0" y="0"/>
                 </a:moveTo>
@@ -340,23 +351,25 @@
             </a:pathLst>
           </a:custGeom>
           <a:noFill/>
-          <a:ln cap="flat" cmpd="sng" w="9525">
+          <a:ln w="9525" cap="flat" cmpd="sng">
             <a:solidFill>
               <a:srgbClr val="000000"/>
             </a:solidFill>
             <a:prstDash val="solid"/>
             <a:round/>
-            <a:headEnd len="sm" w="sm" type="none"/>
-            <a:tailEnd len="sm" w="sm" type="none"/>
+            <a:headEnd type="none" w="sm" len="sm"/>
+            <a:tailEnd type="none" w="sm" len="sm"/>
           </a:ln>
         </p:spPr>
       </p:sp>
       <p:sp>
         <p:nvSpPr>
           <p:cNvPr id="4" name="Google Shape;4;n"/>
-          <p:cNvSpPr txBox="1"/>
+          <p:cNvSpPr txBox="1">
+            <a:spLocks noGrp="1"/>
+          </p:cNvSpPr>
           <p:nvPr>
-            <p:ph idx="1" type="body"/>
+            <p:ph type="body" idx="1"/>
           </p:nvPr>
         </p:nvSpPr>
         <p:spPr>
@@ -373,11 +386,11 @@
           </a:ln>
         </p:spPr>
         <p:txBody>
-          <a:bodyPr anchorCtr="0" anchor="t" bIns="91425" lIns="91425" spcFirstLastPara="1" rIns="91425" wrap="square" tIns="91425">
+          <a:bodyPr spcFirstLastPara="1" wrap="square" lIns="91425" tIns="91425" rIns="91425" bIns="91425" anchor="t" anchorCtr="0">
             <a:noAutofit/>
           </a:bodyPr>
           <a:lstStyle>
-            <a:lvl1pPr indent="-317500" lvl="0" marL="457200">
+            <a:lvl1pPr marL="457200" lvl="0" indent="-317500">
               <a:spcBef>
                 <a:spcPts val="0"/>
               </a:spcBef>
@@ -388,7 +401,7 @@
               <a:buChar char="●"/>
               <a:defRPr sz="1100"/>
             </a:lvl1pPr>
-            <a:lvl2pPr indent="-317500" lvl="1" marL="914400">
+            <a:lvl2pPr marL="914400" lvl="1" indent="-317500">
               <a:spcBef>
                 <a:spcPts val="0"/>
               </a:spcBef>
@@ -399,7 +412,7 @@
               <a:buChar char="○"/>
               <a:defRPr sz="1100"/>
             </a:lvl2pPr>
-            <a:lvl3pPr indent="-317500" lvl="2" marL="1371600">
+            <a:lvl3pPr marL="1371600" lvl="2" indent="-317500">
               <a:spcBef>
                 <a:spcPts val="0"/>
               </a:spcBef>
@@ -410,7 +423,7 @@
               <a:buChar char="■"/>
               <a:defRPr sz="1100"/>
             </a:lvl3pPr>
-            <a:lvl4pPr indent="-317500" lvl="3" marL="1828800">
+            <a:lvl4pPr marL="1828800" lvl="3" indent="-317500">
               <a:spcBef>
                 <a:spcPts val="0"/>
               </a:spcBef>
@@ -421,7 +434,7 @@
               <a:buChar char="●"/>
               <a:defRPr sz="1100"/>
             </a:lvl4pPr>
-            <a:lvl5pPr indent="-317500" lvl="4" marL="2286000">
+            <a:lvl5pPr marL="2286000" lvl="4" indent="-317500">
               <a:spcBef>
                 <a:spcPts val="0"/>
               </a:spcBef>
@@ -432,7 +445,7 @@
               <a:buChar char="○"/>
               <a:defRPr sz="1100"/>
             </a:lvl5pPr>
-            <a:lvl6pPr indent="-317500" lvl="5" marL="2743200">
+            <a:lvl6pPr marL="2743200" lvl="5" indent="-317500">
               <a:spcBef>
                 <a:spcPts val="0"/>
               </a:spcBef>
@@ -443,7 +456,7 @@
               <a:buChar char="■"/>
               <a:defRPr sz="1100"/>
             </a:lvl6pPr>
-            <a:lvl7pPr indent="-317500" lvl="6" marL="3200400">
+            <a:lvl7pPr marL="3200400" lvl="6" indent="-317500">
               <a:spcBef>
                 <a:spcPts val="0"/>
               </a:spcBef>
@@ -454,7 +467,7 @@
               <a:buChar char="●"/>
               <a:defRPr sz="1100"/>
             </a:lvl7pPr>
-            <a:lvl8pPr indent="-317500" lvl="7" marL="3657600">
+            <a:lvl8pPr marL="3657600" lvl="7" indent="-317500">
               <a:spcBef>
                 <a:spcPts val="0"/>
               </a:spcBef>
@@ -465,7 +478,7 @@
               <a:buChar char="○"/>
               <a:defRPr sz="1100"/>
             </a:lvl8pPr>
-            <a:lvl9pPr indent="-317500" lvl="8" marL="4114800">
+            <a:lvl9pPr marL="4114800" lvl="8" indent="-317500">
               <a:spcBef>
                 <a:spcPts val="0"/>
               </a:spcBef>
@@ -477,14 +490,16 @@
               <a:defRPr sz="1100"/>
             </a:lvl9pPr>
           </a:lstStyle>
-          <a:p/>
+          <a:p>
+            <a:endParaRPr/>
+          </a:p>
         </p:txBody>
       </p:sp>
     </p:spTree>
   </p:cSld>
-  <p:clrMap accent1="accent1" accent2="accent2" accent3="accent3" accent4="accent4" accent5="accent5" accent6="accent6" bg1="lt1" bg2="dk2" tx1="dk1" tx2="lt2" folHlink="folHlink" hlink="hlink"/>
+  <p:clrMap bg1="lt1" tx1="dk1" bg2="dk2" tx2="lt2" accent1="accent1" accent2="accent2" accent3="accent3" accent4="accent4" accent5="accent5" accent6="accent6" hlink="hlink" folHlink="folHlink"/>
   <p:notesStyle>
-    <a:defPPr lvl="0" marR="0" rtl="0" algn="l">
+    <a:defPPr marR="0" lvl="0" algn="l" rtl="0">
       <a:lnSpc>
         <a:spcPct val="100000"/>
       </a:lnSpc>
@@ -495,7 +510,7 @@
         <a:spcPts val="0"/>
       </a:spcAft>
     </a:defPPr>
-    <a:lvl1pPr lvl="0" marR="0" rtl="0" algn="l">
+    <a:lvl1pPr marR="0" lvl="0" algn="l" rtl="0">
       <a:lnSpc>
         <a:spcPct val="100000"/>
       </a:lnSpc>
@@ -509,7 +524,7 @@
         <a:srgbClr val="000000"/>
       </a:buClr>
       <a:buFont typeface="Arial"/>
-      <a:defRPr b="0" i="0" sz="1400" u="none" cap="none" strike="noStrike">
+      <a:defRPr sz="1400" b="0" i="0" u="none" strike="noStrike" cap="none">
         <a:solidFill>
           <a:srgbClr val="000000"/>
         </a:solidFill>
@@ -519,7 +534,7 @@
         <a:sym typeface="Arial"/>
       </a:defRPr>
     </a:lvl1pPr>
-    <a:lvl2pPr lvl="1" marR="0" rtl="0" algn="l">
+    <a:lvl2pPr marR="0" lvl="1" algn="l" rtl="0">
       <a:lnSpc>
         <a:spcPct val="100000"/>
       </a:lnSpc>
@@ -533,7 +548,7 @@
         <a:srgbClr val="000000"/>
       </a:buClr>
       <a:buFont typeface="Arial"/>
-      <a:defRPr b="0" i="0" sz="1400" u="none" cap="none" strike="noStrike">
+      <a:defRPr sz="1400" b="0" i="0" u="none" strike="noStrike" cap="none">
         <a:solidFill>
           <a:srgbClr val="000000"/>
         </a:solidFill>
@@ -543,7 +558,7 @@
         <a:sym typeface="Arial"/>
       </a:defRPr>
     </a:lvl2pPr>
-    <a:lvl3pPr lvl="2" marR="0" rtl="0" algn="l">
+    <a:lvl3pPr marR="0" lvl="2" algn="l" rtl="0">
       <a:lnSpc>
         <a:spcPct val="100000"/>
       </a:lnSpc>
@@ -557,7 +572,7 @@
         <a:srgbClr val="000000"/>
       </a:buClr>
       <a:buFont typeface="Arial"/>
-      <a:defRPr b="0" i="0" sz="1400" u="none" cap="none" strike="noStrike">
+      <a:defRPr sz="1400" b="0" i="0" u="none" strike="noStrike" cap="none">
         <a:solidFill>
           <a:srgbClr val="000000"/>
         </a:solidFill>
@@ -567,7 +582,7 @@
         <a:sym typeface="Arial"/>
       </a:defRPr>
     </a:lvl3pPr>
-    <a:lvl4pPr lvl="3" marR="0" rtl="0" algn="l">
+    <a:lvl4pPr marR="0" lvl="3" algn="l" rtl="0">
       <a:lnSpc>
         <a:spcPct val="100000"/>
       </a:lnSpc>
@@ -581,7 +596,7 @@
         <a:srgbClr val="000000"/>
       </a:buClr>
       <a:buFont typeface="Arial"/>
-      <a:defRPr b="0" i="0" sz="1400" u="none" cap="none" strike="noStrike">
+      <a:defRPr sz="1400" b="0" i="0" u="none" strike="noStrike" cap="none">
         <a:solidFill>
           <a:srgbClr val="000000"/>
         </a:solidFill>
@@ -591,7 +606,7 @@
         <a:sym typeface="Arial"/>
       </a:defRPr>
     </a:lvl4pPr>
-    <a:lvl5pPr lvl="4" marR="0" rtl="0" algn="l">
+    <a:lvl5pPr marR="0" lvl="4" algn="l" rtl="0">
       <a:lnSpc>
         <a:spcPct val="100000"/>
       </a:lnSpc>
@@ -605,7 +620,7 @@
         <a:srgbClr val="000000"/>
       </a:buClr>
       <a:buFont typeface="Arial"/>
-      <a:defRPr b="0" i="0" sz="1400" u="none" cap="none" strike="noStrike">
+      <a:defRPr sz="1400" b="0" i="0" u="none" strike="noStrike" cap="none">
         <a:solidFill>
           <a:srgbClr val="000000"/>
         </a:solidFill>
@@ -615,7 +630,7 @@
         <a:sym typeface="Arial"/>
       </a:defRPr>
     </a:lvl5pPr>
-    <a:lvl6pPr lvl="5" marR="0" rtl="0" algn="l">
+    <a:lvl6pPr marR="0" lvl="5" algn="l" rtl="0">
       <a:lnSpc>
         <a:spcPct val="100000"/>
       </a:lnSpc>
@@ -629,7 +644,7 @@
         <a:srgbClr val="000000"/>
       </a:buClr>
       <a:buFont typeface="Arial"/>
-      <a:defRPr b="0" i="0" sz="1400" u="none" cap="none" strike="noStrike">
+      <a:defRPr sz="1400" b="0" i="0" u="none" strike="noStrike" cap="none">
         <a:solidFill>
           <a:srgbClr val="000000"/>
         </a:solidFill>
@@ -639,7 +654,7 @@
         <a:sym typeface="Arial"/>
       </a:defRPr>
     </a:lvl6pPr>
-    <a:lvl7pPr lvl="6" marR="0" rtl="0" algn="l">
+    <a:lvl7pPr marR="0" lvl="6" algn="l" rtl="0">
       <a:lnSpc>
         <a:spcPct val="100000"/>
       </a:lnSpc>
@@ -653,7 +668,7 @@
         <a:srgbClr val="000000"/>
       </a:buClr>
       <a:buFont typeface="Arial"/>
-      <a:defRPr b="0" i="0" sz="1400" u="none" cap="none" strike="noStrike">
+      <a:defRPr sz="1400" b="0" i="0" u="none" strike="noStrike" cap="none">
         <a:solidFill>
           <a:srgbClr val="000000"/>
         </a:solidFill>
@@ -663,7 +678,7 @@
         <a:sym typeface="Arial"/>
       </a:defRPr>
     </a:lvl7pPr>
-    <a:lvl8pPr lvl="7" marR="0" rtl="0" algn="l">
+    <a:lvl8pPr marR="0" lvl="7" algn="l" rtl="0">
       <a:lnSpc>
         <a:spcPct val="100000"/>
       </a:lnSpc>
@@ -677,7 +692,7 @@
         <a:srgbClr val="000000"/>
       </a:buClr>
       <a:buFont typeface="Arial"/>
-      <a:defRPr b="0" i="0" sz="1400" u="none" cap="none" strike="noStrike">
+      <a:defRPr sz="1400" b="0" i="0" u="none" strike="noStrike" cap="none">
         <a:solidFill>
           <a:srgbClr val="000000"/>
         </a:solidFill>
@@ -687,7 +702,7 @@
         <a:sym typeface="Arial"/>
       </a:defRPr>
     </a:lvl8pPr>
-    <a:lvl9pPr lvl="8" marR="0" rtl="0" algn="l">
+    <a:lvl9pPr marR="0" lvl="8" algn="l" rtl="0">
       <a:lnSpc>
         <a:spcPct val="100000"/>
       </a:lnSpc>
@@ -701,7 +716,7 @@
         <a:srgbClr val="000000"/>
       </a:buClr>
       <a:buFont typeface="Arial"/>
-      <a:defRPr b="0" i="0" sz="1400" u="none" cap="none" strike="noStrike">
+      <a:defRPr sz="1400" b="0" i="0" u="none" strike="noStrike" cap="none">
         <a:solidFill>
           <a:srgbClr val="000000"/>
         </a:solidFill>
@@ -716,11 +731,11 @@
 </file>
 
 <file path=ppt/notesSlides/notesSlide1.xml><?xml version="1.0" encoding="utf-8"?>
-<p:notes xmlns:a="http://schemas.openxmlformats.org/drawingml/2006/main" xmlns:r="http://schemas.openxmlformats.org/officeDocument/2006/relationships" xmlns:mc="http://schemas.openxmlformats.org/markup-compatibility/2006" xmlns:mv="urn:schemas-microsoft-com:mac:vml" xmlns:p="http://schemas.openxmlformats.org/presentationml/2006/main" xmlns:c="http://schemas.openxmlformats.org/drawingml/2006/chart" xmlns:dgm="http://schemas.openxmlformats.org/drawingml/2006/diagram" xmlns:o="urn:schemas-microsoft-com:office:office" xmlns:v="urn:schemas-microsoft-com:vml" xmlns:pvml="urn:schemas-microsoft-com:office:powerpoint" xmlns:com="http://schemas.openxmlformats.org/drawingml/2006/compatibility" xmlns:p14="http://schemas.microsoft.com/office/powerpoint/2010/main" xmlns:p15="http://schemas.microsoft.com/office/powerpoint/2012/main" xmlns:ahyp="http://schemas.microsoft.com/office/drawing/2018/hyperlinkcolor" showMasterPhAnim="0" showMasterSp="0">
+<p:notes xmlns:a="http://schemas.openxmlformats.org/drawingml/2006/main" xmlns:r="http://schemas.openxmlformats.org/officeDocument/2006/relationships" xmlns:p="http://schemas.openxmlformats.org/presentationml/2006/main" showMasterSp="0" showMasterPhAnim="0">
   <p:cSld>
     <p:spTree>
       <p:nvGrpSpPr>
-        <p:cNvPr id="68" name="Shape 68"/>
+        <p:cNvPr id="1" name="Shape 68"/>
         <p:cNvGrpSpPr/>
         <p:nvPr/>
       </p:nvGrpSpPr>
@@ -735,9 +750,11 @@
       <p:sp>
         <p:nvSpPr>
           <p:cNvPr id="69" name="Google Shape;69;gc6fa3c898_0_0:notes"/>
-          <p:cNvSpPr/>
+          <p:cNvSpPr>
+            <a:spLocks noGrp="1" noRot="1" noChangeAspect="1"/>
+          </p:cNvSpPr>
           <p:nvPr>
-            <p:ph idx="2" type="sldImg"/>
+            <p:ph type="sldImg" idx="2"/>
           </p:nvPr>
         </p:nvSpPr>
         <p:spPr>
@@ -746,9 +763,13 @@
             <a:ext cx="6096300" cy="3429000"/>
           </a:xfrm>
           <a:custGeom>
-            <a:rect b="b" l="l" r="r" t="t"/>
+            <a:avLst/>
+            <a:gdLst/>
+            <a:ahLst/>
+            <a:cxnLst/>
+            <a:rect l="l" t="t" r="r" b="b"/>
             <a:pathLst>
-              <a:path extrusionOk="0" h="120000" w="120000">
+              <a:path w="120000" h="120000" extrusionOk="0">
                 <a:moveTo>
                   <a:pt x="0" y="0"/>
                 </a:moveTo>
@@ -770,9 +791,11 @@
       <p:sp>
         <p:nvSpPr>
           <p:cNvPr id="70" name="Google Shape;70;gc6fa3c898_0_0:notes"/>
-          <p:cNvSpPr txBox="1"/>
+          <p:cNvSpPr txBox="1">
+            <a:spLocks noGrp="1"/>
+          </p:cNvSpPr>
           <p:nvPr>
-            <p:ph idx="1" type="body"/>
+            <p:ph type="body" idx="1"/>
           </p:nvPr>
         </p:nvSpPr>
         <p:spPr>
@@ -785,12 +808,12 @@
           </a:prstGeom>
         </p:spPr>
         <p:txBody>
-          <a:bodyPr anchorCtr="0" anchor="t" bIns="91425" lIns="91425" spcFirstLastPara="1" rIns="91425" wrap="square" tIns="91425">
+          <a:bodyPr spcFirstLastPara="1" wrap="square" lIns="91425" tIns="91425" rIns="91425" bIns="91425" anchor="t" anchorCtr="0">
             <a:noAutofit/>
           </a:bodyPr>
           <a:lstStyle/>
           <a:p>
-            <a:pPr indent="0" lvl="0" marL="0" rtl="0" algn="l">
+            <a:pPr marL="0" lvl="0" indent="0" algn="l" rtl="0">
               <a:spcBef>
                 <a:spcPts val="0"/>
               </a:spcBef>
@@ -799,9 +822,6 @@
               </a:spcAft>
               <a:buNone/>
             </a:pPr>
-            <a:r>
-              <a:t/>
-            </a:r>
             <a:endParaRPr/>
           </a:p>
         </p:txBody>
@@ -815,11 +835,11 @@
 </file>
 
 <file path=ppt/notesSlides/notesSlide10.xml><?xml version="1.0" encoding="utf-8"?>
-<p:notes xmlns:a="http://schemas.openxmlformats.org/drawingml/2006/main" xmlns:r="http://schemas.openxmlformats.org/officeDocument/2006/relationships" xmlns:mc="http://schemas.openxmlformats.org/markup-compatibility/2006" xmlns:mv="urn:schemas-microsoft-com:mac:vml" xmlns:p="http://schemas.openxmlformats.org/presentationml/2006/main" xmlns:c="http://schemas.openxmlformats.org/drawingml/2006/chart" xmlns:dgm="http://schemas.openxmlformats.org/drawingml/2006/diagram" xmlns:o="urn:schemas-microsoft-com:office:office" xmlns:v="urn:schemas-microsoft-com:vml" xmlns:pvml="urn:schemas-microsoft-com:office:powerpoint" xmlns:com="http://schemas.openxmlformats.org/drawingml/2006/compatibility" xmlns:p14="http://schemas.microsoft.com/office/powerpoint/2010/main" xmlns:p15="http://schemas.microsoft.com/office/powerpoint/2012/main" xmlns:ahyp="http://schemas.microsoft.com/office/drawing/2018/hyperlinkcolor" showMasterPhAnim="0" showMasterSp="0">
+<p:notes xmlns:a="http://schemas.openxmlformats.org/drawingml/2006/main" xmlns:r="http://schemas.openxmlformats.org/officeDocument/2006/relationships" xmlns:p="http://schemas.openxmlformats.org/presentationml/2006/main" showMasterSp="0" showMasterPhAnim="0">
   <p:cSld>
     <p:spTree>
       <p:nvGrpSpPr>
-        <p:cNvPr id="136" name="Shape 136"/>
+        <p:cNvPr id="1" name="Shape 136"/>
         <p:cNvGrpSpPr/>
         <p:nvPr/>
       </p:nvGrpSpPr>
@@ -834,9 +854,11 @@
       <p:sp>
         <p:nvSpPr>
           <p:cNvPr id="137" name="Google Shape;137;gc6fa3c898_0_65:notes"/>
-          <p:cNvSpPr/>
+          <p:cNvSpPr>
+            <a:spLocks noGrp="1" noRot="1" noChangeAspect="1"/>
+          </p:cNvSpPr>
           <p:nvPr>
-            <p:ph idx="2" type="sldImg"/>
+            <p:ph type="sldImg" idx="2"/>
           </p:nvPr>
         </p:nvSpPr>
         <p:spPr>
@@ -845,9 +867,13 @@
             <a:ext cx="6096300" cy="3429000"/>
           </a:xfrm>
           <a:custGeom>
-            <a:rect b="b" l="l" r="r" t="t"/>
+            <a:avLst/>
+            <a:gdLst/>
+            <a:ahLst/>
+            <a:cxnLst/>
+            <a:rect l="l" t="t" r="r" b="b"/>
             <a:pathLst>
-              <a:path extrusionOk="0" h="120000" w="120000">
+              <a:path w="120000" h="120000" extrusionOk="0">
                 <a:moveTo>
                   <a:pt x="0" y="0"/>
                 </a:moveTo>
@@ -869,9 +895,11 @@
       <p:sp>
         <p:nvSpPr>
           <p:cNvPr id="138" name="Google Shape;138;gc6fa3c898_0_65:notes"/>
-          <p:cNvSpPr txBox="1"/>
+          <p:cNvSpPr txBox="1">
+            <a:spLocks noGrp="1"/>
+          </p:cNvSpPr>
           <p:nvPr>
-            <p:ph idx="1" type="body"/>
+            <p:ph type="body" idx="1"/>
           </p:nvPr>
         </p:nvSpPr>
         <p:spPr>
@@ -884,12 +912,12 @@
           </a:prstGeom>
         </p:spPr>
         <p:txBody>
-          <a:bodyPr anchorCtr="0" anchor="t" bIns="91425" lIns="91425" spcFirstLastPara="1" rIns="91425" wrap="square" tIns="91425">
+          <a:bodyPr spcFirstLastPara="1" wrap="square" lIns="91425" tIns="91425" rIns="91425" bIns="91425" anchor="t" anchorCtr="0">
             <a:noAutofit/>
           </a:bodyPr>
           <a:lstStyle/>
           <a:p>
-            <a:pPr indent="0" lvl="0" marL="0" rtl="0" algn="l">
+            <a:pPr marL="0" lvl="0" indent="0" algn="l" rtl="0">
               <a:spcBef>
                 <a:spcPts val="0"/>
               </a:spcBef>
@@ -898,9 +926,6 @@
               </a:spcAft>
               <a:buNone/>
             </a:pPr>
-            <a:r>
-              <a:t/>
-            </a:r>
             <a:endParaRPr/>
           </a:p>
         </p:txBody>
@@ -914,11 +939,11 @@
 </file>
 
 <file path=ppt/notesSlides/notesSlide11.xml><?xml version="1.0" encoding="utf-8"?>
-<p:notes xmlns:a="http://schemas.openxmlformats.org/drawingml/2006/main" xmlns:r="http://schemas.openxmlformats.org/officeDocument/2006/relationships" xmlns:mc="http://schemas.openxmlformats.org/markup-compatibility/2006" xmlns:mv="urn:schemas-microsoft-com:mac:vml" xmlns:p="http://schemas.openxmlformats.org/presentationml/2006/main" xmlns:c="http://schemas.openxmlformats.org/drawingml/2006/chart" xmlns:dgm="http://schemas.openxmlformats.org/drawingml/2006/diagram" xmlns:o="urn:schemas-microsoft-com:office:office" xmlns:v="urn:schemas-microsoft-com:vml" xmlns:pvml="urn:schemas-microsoft-com:office:powerpoint" xmlns:com="http://schemas.openxmlformats.org/drawingml/2006/compatibility" xmlns:p14="http://schemas.microsoft.com/office/powerpoint/2010/main" xmlns:p15="http://schemas.microsoft.com/office/powerpoint/2012/main" xmlns:ahyp="http://schemas.microsoft.com/office/drawing/2018/hyperlinkcolor" showMasterPhAnim="0" showMasterSp="0">
+<p:notes xmlns:a="http://schemas.openxmlformats.org/drawingml/2006/main" xmlns:r="http://schemas.openxmlformats.org/officeDocument/2006/relationships" xmlns:p="http://schemas.openxmlformats.org/presentationml/2006/main" showMasterSp="0" showMasterPhAnim="0">
   <p:cSld>
     <p:spTree>
       <p:nvGrpSpPr>
-        <p:cNvPr id="142" name="Shape 142"/>
+        <p:cNvPr id="1" name="Shape 142"/>
         <p:cNvGrpSpPr/>
         <p:nvPr/>
       </p:nvGrpSpPr>
@@ -933,9 +958,11 @@
       <p:sp>
         <p:nvSpPr>
           <p:cNvPr id="143" name="Google Shape;143;g32f8e9b3048_0_142:notes"/>
-          <p:cNvSpPr/>
+          <p:cNvSpPr>
+            <a:spLocks noGrp="1" noRot="1" noChangeAspect="1"/>
+          </p:cNvSpPr>
           <p:nvPr>
-            <p:ph idx="2" type="sldImg"/>
+            <p:ph type="sldImg" idx="2"/>
           </p:nvPr>
         </p:nvSpPr>
         <p:spPr>
@@ -944,9 +971,13 @@
             <a:ext cx="6096300" cy="3429000"/>
           </a:xfrm>
           <a:custGeom>
-            <a:rect b="b" l="l" r="r" t="t"/>
+            <a:avLst/>
+            <a:gdLst/>
+            <a:ahLst/>
+            <a:cxnLst/>
+            <a:rect l="l" t="t" r="r" b="b"/>
             <a:pathLst>
-              <a:path extrusionOk="0" h="120000" w="120000">
+              <a:path w="120000" h="120000" extrusionOk="0">
                 <a:moveTo>
                   <a:pt x="0" y="0"/>
                 </a:moveTo>
@@ -968,9 +999,11 @@
       <p:sp>
         <p:nvSpPr>
           <p:cNvPr id="144" name="Google Shape;144;g32f8e9b3048_0_142:notes"/>
-          <p:cNvSpPr txBox="1"/>
+          <p:cNvSpPr txBox="1">
+            <a:spLocks noGrp="1"/>
+          </p:cNvSpPr>
           <p:nvPr>
-            <p:ph idx="1" type="body"/>
+            <p:ph type="body" idx="1"/>
           </p:nvPr>
         </p:nvSpPr>
         <p:spPr>
@@ -983,12 +1016,12 @@
           </a:prstGeom>
         </p:spPr>
         <p:txBody>
-          <a:bodyPr anchorCtr="0" anchor="t" bIns="91425" lIns="91425" spcFirstLastPara="1" rIns="91425" wrap="square" tIns="91425">
+          <a:bodyPr spcFirstLastPara="1" wrap="square" lIns="91425" tIns="91425" rIns="91425" bIns="91425" anchor="t" anchorCtr="0">
             <a:noAutofit/>
           </a:bodyPr>
           <a:lstStyle/>
           <a:p>
-            <a:pPr indent="0" lvl="0" marL="0" rtl="0" algn="l">
+            <a:pPr marL="0" lvl="0" indent="0" algn="l" rtl="0">
               <a:spcBef>
                 <a:spcPts val="0"/>
               </a:spcBef>
@@ -997,9 +1030,6 @@
               </a:spcAft>
               <a:buNone/>
             </a:pPr>
-            <a:r>
-              <a:t/>
-            </a:r>
             <a:endParaRPr/>
           </a:p>
         </p:txBody>
@@ -1013,11 +1043,11 @@
 </file>
 
 <file path=ppt/notesSlides/notesSlide12.xml><?xml version="1.0" encoding="utf-8"?>
-<p:notes xmlns:a="http://schemas.openxmlformats.org/drawingml/2006/main" xmlns:r="http://schemas.openxmlformats.org/officeDocument/2006/relationships" xmlns:mc="http://schemas.openxmlformats.org/markup-compatibility/2006" xmlns:mv="urn:schemas-microsoft-com:mac:vml" xmlns:p="http://schemas.openxmlformats.org/presentationml/2006/main" xmlns:c="http://schemas.openxmlformats.org/drawingml/2006/chart" xmlns:dgm="http://schemas.openxmlformats.org/drawingml/2006/diagram" xmlns:o="urn:schemas-microsoft-com:office:office" xmlns:v="urn:schemas-microsoft-com:vml" xmlns:pvml="urn:schemas-microsoft-com:office:powerpoint" xmlns:com="http://schemas.openxmlformats.org/drawingml/2006/compatibility" xmlns:p14="http://schemas.microsoft.com/office/powerpoint/2010/main" xmlns:p15="http://schemas.microsoft.com/office/powerpoint/2012/main" xmlns:ahyp="http://schemas.microsoft.com/office/drawing/2018/hyperlinkcolor" showMasterPhAnim="0" showMasterSp="0">
+<p:notes xmlns:a="http://schemas.openxmlformats.org/drawingml/2006/main" xmlns:r="http://schemas.openxmlformats.org/officeDocument/2006/relationships" xmlns:p="http://schemas.openxmlformats.org/presentationml/2006/main" showMasterSp="0" showMasterPhAnim="0">
   <p:cSld>
     <p:spTree>
       <p:nvGrpSpPr>
-        <p:cNvPr id="148" name="Shape 148"/>
+        <p:cNvPr id="1" name="Shape 148"/>
         <p:cNvGrpSpPr/>
         <p:nvPr/>
       </p:nvGrpSpPr>
@@ -1032,20 +1062,26 @@
       <p:sp>
         <p:nvSpPr>
           <p:cNvPr id="149" name="Google Shape;149;g32f8e9b3048_0_114:notes"/>
-          <p:cNvSpPr/>
+          <p:cNvSpPr>
+            <a:spLocks noGrp="1" noRot="1" noChangeAspect="1"/>
+          </p:cNvSpPr>
           <p:nvPr>
-            <p:ph idx="2" type="sldImg"/>
+            <p:ph type="sldImg" idx="2"/>
           </p:nvPr>
         </p:nvSpPr>
         <p:spPr>
           <a:xfrm>
-            <a:off x="381188" y="685800"/>
-            <a:ext cx="6096300" cy="3429000"/>
+            <a:off x="381000" y="685800"/>
+            <a:ext cx="6096000" cy="3429000"/>
           </a:xfrm>
           <a:custGeom>
-            <a:rect b="b" l="l" r="r" t="t"/>
+            <a:avLst/>
+            <a:gdLst/>
+            <a:ahLst/>
+            <a:cxnLst/>
+            <a:rect l="l" t="t" r="r" b="b"/>
             <a:pathLst>
-              <a:path extrusionOk="0" h="120000" w="120000">
+              <a:path w="120000" h="120000" extrusionOk="0">
                 <a:moveTo>
                   <a:pt x="0" y="0"/>
                 </a:moveTo>
@@ -1067,9 +1103,11 @@
       <p:sp>
         <p:nvSpPr>
           <p:cNvPr id="150" name="Google Shape;150;g32f8e9b3048_0_114:notes"/>
-          <p:cNvSpPr txBox="1"/>
+          <p:cNvSpPr txBox="1">
+            <a:spLocks noGrp="1"/>
+          </p:cNvSpPr>
           <p:nvPr>
-            <p:ph idx="1" type="body"/>
+            <p:ph type="body" idx="1"/>
           </p:nvPr>
         </p:nvSpPr>
         <p:spPr>
@@ -1082,12 +1120,12 @@
           </a:prstGeom>
         </p:spPr>
         <p:txBody>
-          <a:bodyPr anchorCtr="0" anchor="t" bIns="91425" lIns="91425" spcFirstLastPara="1" rIns="91425" wrap="square" tIns="91425">
+          <a:bodyPr spcFirstLastPara="1" wrap="square" lIns="91425" tIns="91425" rIns="91425" bIns="91425" anchor="t" anchorCtr="0">
             <a:noAutofit/>
           </a:bodyPr>
           <a:lstStyle/>
           <a:p>
-            <a:pPr indent="0" lvl="0" marL="0" rtl="0" algn="l">
+            <a:pPr marL="0" lvl="0" indent="0" algn="l" rtl="0">
               <a:spcBef>
                 <a:spcPts val="0"/>
               </a:spcBef>
@@ -1096,9 +1134,6 @@
               </a:spcAft>
               <a:buNone/>
             </a:pPr>
-            <a:r>
-              <a:t/>
-            </a:r>
             <a:endParaRPr/>
           </a:p>
         </p:txBody>
@@ -1112,11 +1147,11 @@
 </file>
 
 <file path=ppt/notesSlides/notesSlide13.xml><?xml version="1.0" encoding="utf-8"?>
-<p:notes xmlns:a="http://schemas.openxmlformats.org/drawingml/2006/main" xmlns:r="http://schemas.openxmlformats.org/officeDocument/2006/relationships" xmlns:mc="http://schemas.openxmlformats.org/markup-compatibility/2006" xmlns:mv="urn:schemas-microsoft-com:mac:vml" xmlns:p="http://schemas.openxmlformats.org/presentationml/2006/main" xmlns:c="http://schemas.openxmlformats.org/drawingml/2006/chart" xmlns:dgm="http://schemas.openxmlformats.org/drawingml/2006/diagram" xmlns:o="urn:schemas-microsoft-com:office:office" xmlns:v="urn:schemas-microsoft-com:vml" xmlns:pvml="urn:schemas-microsoft-com:office:powerpoint" xmlns:com="http://schemas.openxmlformats.org/drawingml/2006/compatibility" xmlns:p14="http://schemas.microsoft.com/office/powerpoint/2010/main" xmlns:p15="http://schemas.microsoft.com/office/powerpoint/2012/main" xmlns:ahyp="http://schemas.microsoft.com/office/drawing/2018/hyperlinkcolor" showMasterPhAnim="0" showMasterSp="0">
+<p:notes xmlns:a="http://schemas.openxmlformats.org/drawingml/2006/main" xmlns:r="http://schemas.openxmlformats.org/officeDocument/2006/relationships" xmlns:p="http://schemas.openxmlformats.org/presentationml/2006/main" showMasterSp="0" showMasterPhAnim="0">
   <p:cSld>
     <p:spTree>
       <p:nvGrpSpPr>
-        <p:cNvPr id="154" name="Shape 154"/>
+        <p:cNvPr id="1" name="Shape 154"/>
         <p:cNvGrpSpPr/>
         <p:nvPr/>
       </p:nvGrpSpPr>
@@ -1131,9 +1166,11 @@
       <p:sp>
         <p:nvSpPr>
           <p:cNvPr id="155" name="Google Shape;155;g32f8e9b3048_0_119:notes"/>
-          <p:cNvSpPr/>
+          <p:cNvSpPr>
+            <a:spLocks noGrp="1" noRot="1" noChangeAspect="1"/>
+          </p:cNvSpPr>
           <p:nvPr>
-            <p:ph idx="2" type="sldImg"/>
+            <p:ph type="sldImg" idx="2"/>
           </p:nvPr>
         </p:nvSpPr>
         <p:spPr>
@@ -1142,9 +1179,13 @@
             <a:ext cx="6096300" cy="3429000"/>
           </a:xfrm>
           <a:custGeom>
-            <a:rect b="b" l="l" r="r" t="t"/>
+            <a:avLst/>
+            <a:gdLst/>
+            <a:ahLst/>
+            <a:cxnLst/>
+            <a:rect l="l" t="t" r="r" b="b"/>
             <a:pathLst>
-              <a:path extrusionOk="0" h="120000" w="120000">
+              <a:path w="120000" h="120000" extrusionOk="0">
                 <a:moveTo>
                   <a:pt x="0" y="0"/>
                 </a:moveTo>
@@ -1166,9 +1207,11 @@
       <p:sp>
         <p:nvSpPr>
           <p:cNvPr id="156" name="Google Shape;156;g32f8e9b3048_0_119:notes"/>
-          <p:cNvSpPr txBox="1"/>
+          <p:cNvSpPr txBox="1">
+            <a:spLocks noGrp="1"/>
+          </p:cNvSpPr>
           <p:nvPr>
-            <p:ph idx="1" type="body"/>
+            <p:ph type="body" idx="1"/>
           </p:nvPr>
         </p:nvSpPr>
         <p:spPr>
@@ -1181,12 +1224,12 @@
           </a:prstGeom>
         </p:spPr>
         <p:txBody>
-          <a:bodyPr anchorCtr="0" anchor="t" bIns="91425" lIns="91425" spcFirstLastPara="1" rIns="91425" wrap="square" tIns="91425">
+          <a:bodyPr spcFirstLastPara="1" wrap="square" lIns="91425" tIns="91425" rIns="91425" bIns="91425" anchor="t" anchorCtr="0">
             <a:noAutofit/>
           </a:bodyPr>
           <a:lstStyle/>
           <a:p>
-            <a:pPr indent="0" lvl="0" marL="0" rtl="0" algn="l">
+            <a:pPr marL="0" lvl="0" indent="0" algn="l" rtl="0">
               <a:spcBef>
                 <a:spcPts val="0"/>
               </a:spcBef>
@@ -1195,9 +1238,6 @@
               </a:spcAft>
               <a:buNone/>
             </a:pPr>
-            <a:r>
-              <a:t/>
-            </a:r>
             <a:endParaRPr/>
           </a:p>
         </p:txBody>
@@ -1211,11 +1251,11 @@
 </file>
 
 <file path=ppt/notesSlides/notesSlide14.xml><?xml version="1.0" encoding="utf-8"?>
-<p:notes xmlns:a="http://schemas.openxmlformats.org/drawingml/2006/main" xmlns:r="http://schemas.openxmlformats.org/officeDocument/2006/relationships" xmlns:mc="http://schemas.openxmlformats.org/markup-compatibility/2006" xmlns:mv="urn:schemas-microsoft-com:mac:vml" xmlns:p="http://schemas.openxmlformats.org/presentationml/2006/main" xmlns:c="http://schemas.openxmlformats.org/drawingml/2006/chart" xmlns:dgm="http://schemas.openxmlformats.org/drawingml/2006/diagram" xmlns:o="urn:schemas-microsoft-com:office:office" xmlns:v="urn:schemas-microsoft-com:vml" xmlns:pvml="urn:schemas-microsoft-com:office:powerpoint" xmlns:com="http://schemas.openxmlformats.org/drawingml/2006/compatibility" xmlns:p14="http://schemas.microsoft.com/office/powerpoint/2010/main" xmlns:p15="http://schemas.microsoft.com/office/powerpoint/2012/main" xmlns:ahyp="http://schemas.microsoft.com/office/drawing/2018/hyperlinkcolor" showMasterPhAnim="0" showMasterSp="0">
+<p:notes xmlns:a="http://schemas.openxmlformats.org/drawingml/2006/main" xmlns:r="http://schemas.openxmlformats.org/officeDocument/2006/relationships" xmlns:p="http://schemas.openxmlformats.org/presentationml/2006/main" showMasterSp="0" showMasterPhAnim="0">
   <p:cSld>
     <p:spTree>
       <p:nvGrpSpPr>
-        <p:cNvPr id="160" name="Shape 160"/>
+        <p:cNvPr id="1" name="Shape 160"/>
         <p:cNvGrpSpPr/>
         <p:nvPr/>
       </p:nvGrpSpPr>
@@ -1230,9 +1270,11 @@
       <p:sp>
         <p:nvSpPr>
           <p:cNvPr id="161" name="Google Shape;161;g32f8e9b3048_0_129:notes"/>
-          <p:cNvSpPr/>
+          <p:cNvSpPr>
+            <a:spLocks noGrp="1" noRot="1" noChangeAspect="1"/>
+          </p:cNvSpPr>
           <p:nvPr>
-            <p:ph idx="2" type="sldImg"/>
+            <p:ph type="sldImg" idx="2"/>
           </p:nvPr>
         </p:nvSpPr>
         <p:spPr>
@@ -1241,9 +1283,13 @@
             <a:ext cx="6096000" cy="3429000"/>
           </a:xfrm>
           <a:custGeom>
-            <a:rect b="b" l="l" r="r" t="t"/>
+            <a:avLst/>
+            <a:gdLst/>
+            <a:ahLst/>
+            <a:cxnLst/>
+            <a:rect l="l" t="t" r="r" b="b"/>
             <a:pathLst>
-              <a:path extrusionOk="0" h="120000" w="120000">
+              <a:path w="120000" h="120000" extrusionOk="0">
                 <a:moveTo>
                   <a:pt x="0" y="0"/>
                 </a:moveTo>
@@ -1265,9 +1311,11 @@
       <p:sp>
         <p:nvSpPr>
           <p:cNvPr id="162" name="Google Shape;162;g32f8e9b3048_0_129:notes"/>
-          <p:cNvSpPr txBox="1"/>
+          <p:cNvSpPr txBox="1">
+            <a:spLocks noGrp="1"/>
+          </p:cNvSpPr>
           <p:nvPr>
-            <p:ph idx="1" type="body"/>
+            <p:ph type="body" idx="1"/>
           </p:nvPr>
         </p:nvSpPr>
         <p:spPr>
@@ -1280,12 +1328,12 @@
           </a:prstGeom>
         </p:spPr>
         <p:txBody>
-          <a:bodyPr anchorCtr="0" anchor="t" bIns="91425" lIns="91425" spcFirstLastPara="1" rIns="91425" wrap="square" tIns="91425">
+          <a:bodyPr spcFirstLastPara="1" wrap="square" lIns="91425" tIns="91425" rIns="91425" bIns="91425" anchor="t" anchorCtr="0">
             <a:noAutofit/>
           </a:bodyPr>
           <a:lstStyle/>
           <a:p>
-            <a:pPr indent="0" lvl="0" marL="0" rtl="0" algn="l">
+            <a:pPr marL="0" lvl="0" indent="0" algn="l" rtl="0">
               <a:spcBef>
                 <a:spcPts val="0"/>
               </a:spcBef>
@@ -1294,9 +1342,6 @@
               </a:spcAft>
               <a:buNone/>
             </a:pPr>
-            <a:r>
-              <a:t/>
-            </a:r>
             <a:endParaRPr/>
           </a:p>
         </p:txBody>
@@ -1310,11 +1355,11 @@
 </file>
 
 <file path=ppt/notesSlides/notesSlide2.xml><?xml version="1.0" encoding="utf-8"?>
-<p:notes xmlns:a="http://schemas.openxmlformats.org/drawingml/2006/main" xmlns:r="http://schemas.openxmlformats.org/officeDocument/2006/relationships" xmlns:mc="http://schemas.openxmlformats.org/markup-compatibility/2006" xmlns:mv="urn:schemas-microsoft-com:mac:vml" xmlns:p="http://schemas.openxmlformats.org/presentationml/2006/main" xmlns:c="http://schemas.openxmlformats.org/drawingml/2006/chart" xmlns:dgm="http://schemas.openxmlformats.org/drawingml/2006/diagram" xmlns:o="urn:schemas-microsoft-com:office:office" xmlns:v="urn:schemas-microsoft-com:vml" xmlns:pvml="urn:schemas-microsoft-com:office:powerpoint" xmlns:com="http://schemas.openxmlformats.org/drawingml/2006/compatibility" xmlns:p14="http://schemas.microsoft.com/office/powerpoint/2010/main" xmlns:p15="http://schemas.microsoft.com/office/powerpoint/2012/main" xmlns:ahyp="http://schemas.microsoft.com/office/drawing/2018/hyperlinkcolor" showMasterPhAnim="0" showMasterSp="0">
+<p:notes xmlns:a="http://schemas.openxmlformats.org/drawingml/2006/main" xmlns:r="http://schemas.openxmlformats.org/officeDocument/2006/relationships" xmlns:p="http://schemas.openxmlformats.org/presentationml/2006/main" showMasterSp="0" showMasterPhAnim="0">
   <p:cSld>
     <p:spTree>
       <p:nvGrpSpPr>
-        <p:cNvPr id="74" name="Shape 74"/>
+        <p:cNvPr id="1" name="Shape 74"/>
         <p:cNvGrpSpPr/>
         <p:nvPr/>
       </p:nvGrpSpPr>
@@ -1329,20 +1374,26 @@
       <p:sp>
         <p:nvSpPr>
           <p:cNvPr id="75" name="Google Shape;75;g32f8e9b3048_0_5:notes"/>
-          <p:cNvSpPr/>
+          <p:cNvSpPr>
+            <a:spLocks noGrp="1" noRot="1" noChangeAspect="1"/>
+          </p:cNvSpPr>
           <p:nvPr>
-            <p:ph idx="2" type="sldImg"/>
+            <p:ph type="sldImg" idx="2"/>
           </p:nvPr>
         </p:nvSpPr>
         <p:spPr>
           <a:xfrm>
-            <a:off x="381300" y="685800"/>
+            <a:off x="381000" y="685800"/>
             <a:ext cx="6096000" cy="3429000"/>
           </a:xfrm>
           <a:custGeom>
-            <a:rect b="b" l="l" r="r" t="t"/>
+            <a:avLst/>
+            <a:gdLst/>
+            <a:ahLst/>
+            <a:cxnLst/>
+            <a:rect l="l" t="t" r="r" b="b"/>
             <a:pathLst>
-              <a:path extrusionOk="0" h="120000" w="120000">
+              <a:path w="120000" h="120000" extrusionOk="0">
                 <a:moveTo>
                   <a:pt x="0" y="0"/>
                 </a:moveTo>
@@ -1364,9 +1415,11 @@
       <p:sp>
         <p:nvSpPr>
           <p:cNvPr id="76" name="Google Shape;76;g32f8e9b3048_0_5:notes"/>
-          <p:cNvSpPr txBox="1"/>
+          <p:cNvSpPr txBox="1">
+            <a:spLocks noGrp="1"/>
+          </p:cNvSpPr>
           <p:nvPr>
-            <p:ph idx="1" type="body"/>
+            <p:ph type="body" idx="1"/>
           </p:nvPr>
         </p:nvSpPr>
         <p:spPr>
@@ -1379,12 +1432,12 @@
           </a:prstGeom>
         </p:spPr>
         <p:txBody>
-          <a:bodyPr anchorCtr="0" anchor="t" bIns="91425" lIns="91425" spcFirstLastPara="1" rIns="91425" wrap="square" tIns="91425">
+          <a:bodyPr spcFirstLastPara="1" wrap="square" lIns="91425" tIns="91425" rIns="91425" bIns="91425" anchor="t" anchorCtr="0">
             <a:noAutofit/>
           </a:bodyPr>
           <a:lstStyle/>
           <a:p>
-            <a:pPr indent="0" lvl="0" marL="0" rtl="0" algn="l">
+            <a:pPr marL="0" lvl="0" indent="0" algn="l" rtl="0">
               <a:spcBef>
                 <a:spcPts val="0"/>
               </a:spcBef>
@@ -1394,9 +1447,19 @@
               <a:buNone/>
             </a:pPr>
             <a:r>
-              <a:t/>
+              <a:rPr lang="en" u="sng" dirty="0">
+                <a:solidFill>
+                  <a:schemeClr val="hlink"/>
+                </a:solidFill>
+                <a:hlinkClick r:id="rId3"/>
+              </a:rPr>
+              <a:t>https://github.com/aerler101-1/OCR-Dashboard/tree/main</a:t>
             </a:r>
-            <a:endParaRPr/>
+            <a:r>
+              <a:rPr lang="en" dirty="0"/>
+              <a:t>, talk about version control and  purpose of git, tools used python, streamlit for dashboard, jupyter notebook for transparency</a:t>
+            </a:r>
+            <a:endParaRPr dirty="0"/>
           </a:p>
         </p:txBody>
       </p:sp>
@@ -1409,11 +1472,11 @@
 </file>
 
 <file path=ppt/notesSlides/notesSlide3.xml><?xml version="1.0" encoding="utf-8"?>
-<p:notes xmlns:a="http://schemas.openxmlformats.org/drawingml/2006/main" xmlns:r="http://schemas.openxmlformats.org/officeDocument/2006/relationships" xmlns:mc="http://schemas.openxmlformats.org/markup-compatibility/2006" xmlns:mv="urn:schemas-microsoft-com:mac:vml" xmlns:p="http://schemas.openxmlformats.org/presentationml/2006/main" xmlns:c="http://schemas.openxmlformats.org/drawingml/2006/chart" xmlns:dgm="http://schemas.openxmlformats.org/drawingml/2006/diagram" xmlns:o="urn:schemas-microsoft-com:office:office" xmlns:v="urn:schemas-microsoft-com:vml" xmlns:pvml="urn:schemas-microsoft-com:office:powerpoint" xmlns:com="http://schemas.openxmlformats.org/drawingml/2006/compatibility" xmlns:p14="http://schemas.microsoft.com/office/powerpoint/2010/main" xmlns:p15="http://schemas.microsoft.com/office/powerpoint/2012/main" xmlns:ahyp="http://schemas.microsoft.com/office/drawing/2018/hyperlinkcolor" showMasterPhAnim="0" showMasterSp="0">
+<p:notes xmlns:a="http://schemas.openxmlformats.org/drawingml/2006/main" xmlns:r="http://schemas.openxmlformats.org/officeDocument/2006/relationships" xmlns:p="http://schemas.openxmlformats.org/presentationml/2006/main" showMasterSp="0" showMasterPhAnim="0">
   <p:cSld>
     <p:spTree>
       <p:nvGrpSpPr>
-        <p:cNvPr id="81" name="Shape 81"/>
+        <p:cNvPr id="1" name="Shape 81"/>
         <p:cNvGrpSpPr/>
         <p:nvPr/>
       </p:nvGrpSpPr>
@@ -1428,20 +1491,26 @@
       <p:sp>
         <p:nvSpPr>
           <p:cNvPr id="82" name="Google Shape;82;gc6fa3c898_0_5:notes"/>
-          <p:cNvSpPr/>
+          <p:cNvSpPr>
+            <a:spLocks noGrp="1" noRot="1" noChangeAspect="1"/>
+          </p:cNvSpPr>
           <p:nvPr>
-            <p:ph idx="2" type="sldImg"/>
+            <p:ph type="sldImg" idx="2"/>
           </p:nvPr>
         </p:nvSpPr>
         <p:spPr>
           <a:xfrm>
-            <a:off x="381188" y="685800"/>
-            <a:ext cx="6096300" cy="3429000"/>
+            <a:off x="381000" y="685800"/>
+            <a:ext cx="6096000" cy="3429000"/>
           </a:xfrm>
           <a:custGeom>
-            <a:rect b="b" l="l" r="r" t="t"/>
+            <a:avLst/>
+            <a:gdLst/>
+            <a:ahLst/>
+            <a:cxnLst/>
+            <a:rect l="l" t="t" r="r" b="b"/>
             <a:pathLst>
-              <a:path extrusionOk="0" h="120000" w="120000">
+              <a:path w="120000" h="120000" extrusionOk="0">
                 <a:moveTo>
                   <a:pt x="0" y="0"/>
                 </a:moveTo>
@@ -1463,9 +1532,11 @@
       <p:sp>
         <p:nvSpPr>
           <p:cNvPr id="83" name="Google Shape;83;gc6fa3c898_0_5:notes"/>
-          <p:cNvSpPr txBox="1"/>
+          <p:cNvSpPr txBox="1">
+            <a:spLocks noGrp="1"/>
+          </p:cNvSpPr>
           <p:nvPr>
-            <p:ph idx="1" type="body"/>
+            <p:ph type="body" idx="1"/>
           </p:nvPr>
         </p:nvSpPr>
         <p:spPr>
@@ -1478,12 +1549,12 @@
           </a:prstGeom>
         </p:spPr>
         <p:txBody>
-          <a:bodyPr anchorCtr="0" anchor="t" bIns="91425" lIns="91425" spcFirstLastPara="1" rIns="91425" wrap="square" tIns="91425">
+          <a:bodyPr spcFirstLastPara="1" wrap="square" lIns="91425" tIns="91425" rIns="91425" bIns="91425" anchor="t" anchorCtr="0">
             <a:noAutofit/>
           </a:bodyPr>
           <a:lstStyle/>
           <a:p>
-            <a:pPr indent="0" lvl="0" marL="0" rtl="0" algn="l">
+            <a:pPr marL="0" lvl="0" indent="0" algn="l" rtl="0">
               <a:spcBef>
                 <a:spcPts val="0"/>
               </a:spcBef>
@@ -1493,9 +1564,10 @@
               <a:buNone/>
             </a:pPr>
             <a:r>
-              <a:t/>
+              <a:rPr lang="en-US" dirty="0"/>
+              <a:t>Focused on a small bandwidth for a deeper dive</a:t>
             </a:r>
-            <a:endParaRPr/>
+            <a:endParaRPr dirty="0"/>
           </a:p>
         </p:txBody>
       </p:sp>
@@ -1508,11 +1580,11 @@
 </file>
 
 <file path=ppt/notesSlides/notesSlide4.xml><?xml version="1.0" encoding="utf-8"?>
-<p:notes xmlns:a="http://schemas.openxmlformats.org/drawingml/2006/main" xmlns:r="http://schemas.openxmlformats.org/officeDocument/2006/relationships" xmlns:mc="http://schemas.openxmlformats.org/markup-compatibility/2006" xmlns:mv="urn:schemas-microsoft-com:mac:vml" xmlns:p="http://schemas.openxmlformats.org/presentationml/2006/main" xmlns:c="http://schemas.openxmlformats.org/drawingml/2006/chart" xmlns:dgm="http://schemas.openxmlformats.org/drawingml/2006/diagram" xmlns:o="urn:schemas-microsoft-com:office:office" xmlns:v="urn:schemas-microsoft-com:vml" xmlns:pvml="urn:schemas-microsoft-com:office:powerpoint" xmlns:com="http://schemas.openxmlformats.org/drawingml/2006/compatibility" xmlns:p14="http://schemas.microsoft.com/office/powerpoint/2010/main" xmlns:p15="http://schemas.microsoft.com/office/powerpoint/2012/main" xmlns:ahyp="http://schemas.microsoft.com/office/drawing/2018/hyperlinkcolor" showMasterPhAnim="0" showMasterSp="0">
+<p:notes xmlns:a="http://schemas.openxmlformats.org/drawingml/2006/main" xmlns:r="http://schemas.openxmlformats.org/officeDocument/2006/relationships" xmlns:p="http://schemas.openxmlformats.org/presentationml/2006/main" showMasterSp="0" showMasterPhAnim="0">
   <p:cSld>
     <p:spTree>
       <p:nvGrpSpPr>
-        <p:cNvPr id="87" name="Shape 87"/>
+        <p:cNvPr id="1" name="Shape 87"/>
         <p:cNvGrpSpPr/>
         <p:nvPr/>
       </p:nvGrpSpPr>
@@ -1527,9 +1599,11 @@
       <p:sp>
         <p:nvSpPr>
           <p:cNvPr id="88" name="Google Shape;88;gc6fa3c898_0_10:notes"/>
-          <p:cNvSpPr/>
+          <p:cNvSpPr>
+            <a:spLocks noGrp="1" noRot="1" noChangeAspect="1"/>
+          </p:cNvSpPr>
           <p:nvPr>
-            <p:ph idx="2" type="sldImg"/>
+            <p:ph type="sldImg" idx="2"/>
           </p:nvPr>
         </p:nvSpPr>
         <p:spPr>
@@ -1538,9 +1612,13 @@
             <a:ext cx="6096300" cy="3429000"/>
           </a:xfrm>
           <a:custGeom>
-            <a:rect b="b" l="l" r="r" t="t"/>
+            <a:avLst/>
+            <a:gdLst/>
+            <a:ahLst/>
+            <a:cxnLst/>
+            <a:rect l="l" t="t" r="r" b="b"/>
             <a:pathLst>
-              <a:path extrusionOk="0" h="120000" w="120000">
+              <a:path w="120000" h="120000" extrusionOk="0">
                 <a:moveTo>
                   <a:pt x="0" y="0"/>
                 </a:moveTo>
@@ -1562,9 +1640,11 @@
       <p:sp>
         <p:nvSpPr>
           <p:cNvPr id="89" name="Google Shape;89;gc6fa3c898_0_10:notes"/>
-          <p:cNvSpPr txBox="1"/>
+          <p:cNvSpPr txBox="1">
+            <a:spLocks noGrp="1"/>
+          </p:cNvSpPr>
           <p:nvPr>
-            <p:ph idx="1" type="body"/>
+            <p:ph type="body" idx="1"/>
           </p:nvPr>
         </p:nvSpPr>
         <p:spPr>
@@ -1577,12 +1657,12 @@
           </a:prstGeom>
         </p:spPr>
         <p:txBody>
-          <a:bodyPr anchorCtr="0" anchor="t" bIns="91425" lIns="91425" spcFirstLastPara="1" rIns="91425" wrap="square" tIns="91425">
+          <a:bodyPr spcFirstLastPara="1" wrap="square" lIns="91425" tIns="91425" rIns="91425" bIns="91425" anchor="t" anchorCtr="0">
             <a:noAutofit/>
           </a:bodyPr>
           <a:lstStyle/>
           <a:p>
-            <a:pPr indent="0" lvl="0" marL="0" rtl="0" algn="l">
+            <a:pPr marL="0" lvl="0" indent="0" algn="l" rtl="0">
               <a:spcBef>
                 <a:spcPts val="0"/>
               </a:spcBef>
@@ -1591,9 +1671,6 @@
               </a:spcAft>
               <a:buNone/>
             </a:pPr>
-            <a:r>
-              <a:t/>
-            </a:r>
             <a:endParaRPr/>
           </a:p>
         </p:txBody>
@@ -1607,11 +1684,11 @@
 </file>
 
 <file path=ppt/notesSlides/notesSlide5.xml><?xml version="1.0" encoding="utf-8"?>
-<p:notes xmlns:a="http://schemas.openxmlformats.org/drawingml/2006/main" xmlns:r="http://schemas.openxmlformats.org/officeDocument/2006/relationships" xmlns:mc="http://schemas.openxmlformats.org/markup-compatibility/2006" xmlns:mv="urn:schemas-microsoft-com:mac:vml" xmlns:p="http://schemas.openxmlformats.org/presentationml/2006/main" xmlns:c="http://schemas.openxmlformats.org/drawingml/2006/chart" xmlns:dgm="http://schemas.openxmlformats.org/drawingml/2006/diagram" xmlns:o="urn:schemas-microsoft-com:office:office" xmlns:v="urn:schemas-microsoft-com:vml" xmlns:pvml="urn:schemas-microsoft-com:office:powerpoint" xmlns:com="http://schemas.openxmlformats.org/drawingml/2006/compatibility" xmlns:p14="http://schemas.microsoft.com/office/powerpoint/2010/main" xmlns:p15="http://schemas.microsoft.com/office/powerpoint/2012/main" xmlns:ahyp="http://schemas.microsoft.com/office/drawing/2018/hyperlinkcolor" showMasterPhAnim="0" showMasterSp="0">
+<p:notes xmlns:a="http://schemas.openxmlformats.org/drawingml/2006/main" xmlns:r="http://schemas.openxmlformats.org/officeDocument/2006/relationships" xmlns:p="http://schemas.openxmlformats.org/presentationml/2006/main" showMasterSp="0" showMasterPhAnim="0">
   <p:cSld>
     <p:spTree>
       <p:nvGrpSpPr>
-        <p:cNvPr id="95" name="Shape 95"/>
+        <p:cNvPr id="1" name="Shape 95"/>
         <p:cNvGrpSpPr/>
         <p:nvPr/>
       </p:nvGrpSpPr>
@@ -1626,9 +1703,11 @@
       <p:sp>
         <p:nvSpPr>
           <p:cNvPr id="96" name="Google Shape;96;g32f8e9b3048_0_42:notes"/>
-          <p:cNvSpPr/>
+          <p:cNvSpPr>
+            <a:spLocks noGrp="1" noRot="1" noChangeAspect="1"/>
+          </p:cNvSpPr>
           <p:nvPr>
-            <p:ph idx="2" type="sldImg"/>
+            <p:ph type="sldImg" idx="2"/>
           </p:nvPr>
         </p:nvSpPr>
         <p:spPr>
@@ -1637,9 +1716,13 @@
             <a:ext cx="6096300" cy="3429000"/>
           </a:xfrm>
           <a:custGeom>
-            <a:rect b="b" l="l" r="r" t="t"/>
+            <a:avLst/>
+            <a:gdLst/>
+            <a:ahLst/>
+            <a:cxnLst/>
+            <a:rect l="l" t="t" r="r" b="b"/>
             <a:pathLst>
-              <a:path extrusionOk="0" h="120000" w="120000">
+              <a:path w="120000" h="120000" extrusionOk="0">
                 <a:moveTo>
                   <a:pt x="0" y="0"/>
                 </a:moveTo>
@@ -1661,9 +1744,11 @@
       <p:sp>
         <p:nvSpPr>
           <p:cNvPr id="97" name="Google Shape;97;g32f8e9b3048_0_42:notes"/>
-          <p:cNvSpPr txBox="1"/>
+          <p:cNvSpPr txBox="1">
+            <a:spLocks noGrp="1"/>
+          </p:cNvSpPr>
           <p:nvPr>
-            <p:ph idx="1" type="body"/>
+            <p:ph type="body" idx="1"/>
           </p:nvPr>
         </p:nvSpPr>
         <p:spPr>
@@ -1676,12 +1761,12 @@
           </a:prstGeom>
         </p:spPr>
         <p:txBody>
-          <a:bodyPr anchorCtr="0" anchor="t" bIns="91425" lIns="91425" spcFirstLastPara="1" rIns="91425" wrap="square" tIns="91425">
+          <a:bodyPr spcFirstLastPara="1" wrap="square" lIns="91425" tIns="91425" rIns="91425" bIns="91425" anchor="t" anchorCtr="0">
             <a:noAutofit/>
           </a:bodyPr>
           <a:lstStyle/>
           <a:p>
-            <a:pPr indent="0" lvl="0" marL="0" rtl="0" algn="l">
+            <a:pPr marL="0" lvl="0" indent="0" algn="l" rtl="0">
               <a:spcBef>
                 <a:spcPts val="0"/>
               </a:spcBef>
@@ -1690,9 +1775,6 @@
               </a:spcAft>
               <a:buNone/>
             </a:pPr>
-            <a:r>
-              <a:t/>
-            </a:r>
             <a:endParaRPr/>
           </a:p>
         </p:txBody>
@@ -1706,11 +1788,11 @@
 </file>
 
 <file path=ppt/notesSlides/notesSlide6.xml><?xml version="1.0" encoding="utf-8"?>
-<p:notes xmlns:a="http://schemas.openxmlformats.org/drawingml/2006/main" xmlns:r="http://schemas.openxmlformats.org/officeDocument/2006/relationships" xmlns:mc="http://schemas.openxmlformats.org/markup-compatibility/2006" xmlns:mv="urn:schemas-microsoft-com:mac:vml" xmlns:p="http://schemas.openxmlformats.org/presentationml/2006/main" xmlns:c="http://schemas.openxmlformats.org/drawingml/2006/chart" xmlns:dgm="http://schemas.openxmlformats.org/drawingml/2006/diagram" xmlns:o="urn:schemas-microsoft-com:office:office" xmlns:v="urn:schemas-microsoft-com:vml" xmlns:pvml="urn:schemas-microsoft-com:office:powerpoint" xmlns:com="http://schemas.openxmlformats.org/drawingml/2006/compatibility" xmlns:p14="http://schemas.microsoft.com/office/powerpoint/2010/main" xmlns:p15="http://schemas.microsoft.com/office/powerpoint/2012/main" xmlns:ahyp="http://schemas.microsoft.com/office/drawing/2018/hyperlinkcolor" showMasterPhAnim="0" showMasterSp="0">
+<p:notes xmlns:a="http://schemas.openxmlformats.org/drawingml/2006/main" xmlns:r="http://schemas.openxmlformats.org/officeDocument/2006/relationships" xmlns:p="http://schemas.openxmlformats.org/presentationml/2006/main" showMasterSp="0" showMasterPhAnim="0">
   <p:cSld>
     <p:spTree>
       <p:nvGrpSpPr>
-        <p:cNvPr id="103" name="Shape 103"/>
+        <p:cNvPr id="1" name="Shape 103"/>
         <p:cNvGrpSpPr/>
         <p:nvPr/>
       </p:nvGrpSpPr>
@@ -1725,9 +1807,11 @@
       <p:sp>
         <p:nvSpPr>
           <p:cNvPr id="104" name="Google Shape;104;g33078ddec0d_0_0:notes"/>
-          <p:cNvSpPr/>
+          <p:cNvSpPr>
+            <a:spLocks noGrp="1" noRot="1" noChangeAspect="1"/>
+          </p:cNvSpPr>
           <p:nvPr>
-            <p:ph idx="2" type="sldImg"/>
+            <p:ph type="sldImg" idx="2"/>
           </p:nvPr>
         </p:nvSpPr>
         <p:spPr>
@@ -1736,9 +1820,13 @@
             <a:ext cx="6096300" cy="3429000"/>
           </a:xfrm>
           <a:custGeom>
-            <a:rect b="b" l="l" r="r" t="t"/>
+            <a:avLst/>
+            <a:gdLst/>
+            <a:ahLst/>
+            <a:cxnLst/>
+            <a:rect l="l" t="t" r="r" b="b"/>
             <a:pathLst>
-              <a:path extrusionOk="0" h="120000" w="120000">
+              <a:path w="120000" h="120000" extrusionOk="0">
                 <a:moveTo>
                   <a:pt x="0" y="0"/>
                 </a:moveTo>
@@ -1760,9 +1848,11 @@
       <p:sp>
         <p:nvSpPr>
           <p:cNvPr id="105" name="Google Shape;105;g33078ddec0d_0_0:notes"/>
-          <p:cNvSpPr txBox="1"/>
+          <p:cNvSpPr txBox="1">
+            <a:spLocks noGrp="1"/>
+          </p:cNvSpPr>
           <p:nvPr>
-            <p:ph idx="1" type="body"/>
+            <p:ph type="body" idx="1"/>
           </p:nvPr>
         </p:nvSpPr>
         <p:spPr>
@@ -1775,12 +1865,12 @@
           </a:prstGeom>
         </p:spPr>
         <p:txBody>
-          <a:bodyPr anchorCtr="0" anchor="t" bIns="91425" lIns="91425" spcFirstLastPara="1" rIns="91425" wrap="square" tIns="91425">
+          <a:bodyPr spcFirstLastPara="1" wrap="square" lIns="91425" tIns="91425" rIns="91425" bIns="91425" anchor="t" anchorCtr="0">
             <a:noAutofit/>
           </a:bodyPr>
           <a:lstStyle/>
           <a:p>
-            <a:pPr indent="0" lvl="0" marL="0" rtl="0" algn="l">
+            <a:pPr marL="0" lvl="0" indent="0" algn="l" rtl="0">
               <a:spcBef>
                 <a:spcPts val="0"/>
               </a:spcBef>
@@ -1789,9 +1879,6 @@
               </a:spcAft>
               <a:buNone/>
             </a:pPr>
-            <a:r>
-              <a:t/>
-            </a:r>
             <a:endParaRPr/>
           </a:p>
         </p:txBody>
@@ -1805,11 +1892,11 @@
 </file>
 
 <file path=ppt/notesSlides/notesSlide7.xml><?xml version="1.0" encoding="utf-8"?>
-<p:notes xmlns:a="http://schemas.openxmlformats.org/drawingml/2006/main" xmlns:r="http://schemas.openxmlformats.org/officeDocument/2006/relationships" xmlns:mc="http://schemas.openxmlformats.org/markup-compatibility/2006" xmlns:mv="urn:schemas-microsoft-com:mac:vml" xmlns:p="http://schemas.openxmlformats.org/presentationml/2006/main" xmlns:c="http://schemas.openxmlformats.org/drawingml/2006/chart" xmlns:dgm="http://schemas.openxmlformats.org/drawingml/2006/diagram" xmlns:o="urn:schemas-microsoft-com:office:office" xmlns:v="urn:schemas-microsoft-com:vml" xmlns:pvml="urn:schemas-microsoft-com:office:powerpoint" xmlns:com="http://schemas.openxmlformats.org/drawingml/2006/compatibility" xmlns:p14="http://schemas.microsoft.com/office/powerpoint/2010/main" xmlns:p15="http://schemas.microsoft.com/office/powerpoint/2012/main" xmlns:ahyp="http://schemas.microsoft.com/office/drawing/2018/hyperlinkcolor" showMasterPhAnim="0" showMasterSp="0">
+<p:notes xmlns:a="http://schemas.openxmlformats.org/drawingml/2006/main" xmlns:r="http://schemas.openxmlformats.org/officeDocument/2006/relationships" xmlns:p="http://schemas.openxmlformats.org/presentationml/2006/main" showMasterSp="0" showMasterPhAnim="0">
   <p:cSld>
     <p:spTree>
       <p:nvGrpSpPr>
-        <p:cNvPr id="112" name="Shape 112"/>
+        <p:cNvPr id="1" name="Shape 112"/>
         <p:cNvGrpSpPr/>
         <p:nvPr/>
       </p:nvGrpSpPr>
@@ -1824,9 +1911,11 @@
       <p:sp>
         <p:nvSpPr>
           <p:cNvPr id="113" name="Google Shape;113;gc6fa3c898_0_16:notes"/>
-          <p:cNvSpPr/>
+          <p:cNvSpPr>
+            <a:spLocks noGrp="1" noRot="1" noChangeAspect="1"/>
+          </p:cNvSpPr>
           <p:nvPr>
-            <p:ph idx="2" type="sldImg"/>
+            <p:ph type="sldImg" idx="2"/>
           </p:nvPr>
         </p:nvSpPr>
         <p:spPr>
@@ -1835,9 +1924,13 @@
             <a:ext cx="6096300" cy="3429000"/>
           </a:xfrm>
           <a:custGeom>
-            <a:rect b="b" l="l" r="r" t="t"/>
+            <a:avLst/>
+            <a:gdLst/>
+            <a:ahLst/>
+            <a:cxnLst/>
+            <a:rect l="l" t="t" r="r" b="b"/>
             <a:pathLst>
-              <a:path extrusionOk="0" h="120000" w="120000">
+              <a:path w="120000" h="120000" extrusionOk="0">
                 <a:moveTo>
                   <a:pt x="0" y="0"/>
                 </a:moveTo>
@@ -1859,9 +1952,11 @@
       <p:sp>
         <p:nvSpPr>
           <p:cNvPr id="114" name="Google Shape;114;gc6fa3c898_0_16:notes"/>
-          <p:cNvSpPr txBox="1"/>
+          <p:cNvSpPr txBox="1">
+            <a:spLocks noGrp="1"/>
+          </p:cNvSpPr>
           <p:nvPr>
-            <p:ph idx="1" type="body"/>
+            <p:ph type="body" idx="1"/>
           </p:nvPr>
         </p:nvSpPr>
         <p:spPr>
@@ -1874,12 +1969,12 @@
           </a:prstGeom>
         </p:spPr>
         <p:txBody>
-          <a:bodyPr anchorCtr="0" anchor="t" bIns="91425" lIns="91425" spcFirstLastPara="1" rIns="91425" wrap="square" tIns="91425">
+          <a:bodyPr spcFirstLastPara="1" wrap="square" lIns="91425" tIns="91425" rIns="91425" bIns="91425" anchor="t" anchorCtr="0">
             <a:noAutofit/>
           </a:bodyPr>
           <a:lstStyle/>
           <a:p>
-            <a:pPr indent="0" lvl="0" marL="0" rtl="0" algn="l">
+            <a:pPr marL="0" lvl="0" indent="0" algn="l" rtl="0">
               <a:spcBef>
                 <a:spcPts val="0"/>
               </a:spcBef>
@@ -1888,9 +1983,6 @@
               </a:spcAft>
               <a:buNone/>
             </a:pPr>
-            <a:r>
-              <a:t/>
-            </a:r>
             <a:endParaRPr/>
           </a:p>
         </p:txBody>
@@ -1904,11 +1996,11 @@
 </file>
 
 <file path=ppt/notesSlides/notesSlide8.xml><?xml version="1.0" encoding="utf-8"?>
-<p:notes xmlns:a="http://schemas.openxmlformats.org/drawingml/2006/main" xmlns:r="http://schemas.openxmlformats.org/officeDocument/2006/relationships" xmlns:mc="http://schemas.openxmlformats.org/markup-compatibility/2006" xmlns:mv="urn:schemas-microsoft-com:mac:vml" xmlns:p="http://schemas.openxmlformats.org/presentationml/2006/main" xmlns:c="http://schemas.openxmlformats.org/drawingml/2006/chart" xmlns:dgm="http://schemas.openxmlformats.org/drawingml/2006/diagram" xmlns:o="urn:schemas-microsoft-com:office:office" xmlns:v="urn:schemas-microsoft-com:vml" xmlns:pvml="urn:schemas-microsoft-com:office:powerpoint" xmlns:com="http://schemas.openxmlformats.org/drawingml/2006/compatibility" xmlns:p14="http://schemas.microsoft.com/office/powerpoint/2010/main" xmlns:p15="http://schemas.microsoft.com/office/powerpoint/2012/main" xmlns:ahyp="http://schemas.microsoft.com/office/drawing/2018/hyperlinkcolor" showMasterPhAnim="0" showMasterSp="0">
+<p:notes xmlns:a="http://schemas.openxmlformats.org/drawingml/2006/main" xmlns:r="http://schemas.openxmlformats.org/officeDocument/2006/relationships" xmlns:p="http://schemas.openxmlformats.org/presentationml/2006/main" showMasterSp="0" showMasterPhAnim="0">
   <p:cSld>
     <p:spTree>
       <p:nvGrpSpPr>
-        <p:cNvPr id="120" name="Shape 120"/>
+        <p:cNvPr id="1" name="Shape 120"/>
         <p:cNvGrpSpPr/>
         <p:nvPr/>
       </p:nvGrpSpPr>
@@ -1923,9 +2015,11 @@
       <p:sp>
         <p:nvSpPr>
           <p:cNvPr id="121" name="Google Shape;121;g32f8e9b3048_0_99:notes"/>
-          <p:cNvSpPr/>
+          <p:cNvSpPr>
+            <a:spLocks noGrp="1" noRot="1" noChangeAspect="1"/>
+          </p:cNvSpPr>
           <p:nvPr>
-            <p:ph idx="2" type="sldImg"/>
+            <p:ph type="sldImg" idx="2"/>
           </p:nvPr>
         </p:nvSpPr>
         <p:spPr>
@@ -1934,9 +2028,13 @@
             <a:ext cx="6096300" cy="3429000"/>
           </a:xfrm>
           <a:custGeom>
-            <a:rect b="b" l="l" r="r" t="t"/>
+            <a:avLst/>
+            <a:gdLst/>
+            <a:ahLst/>
+            <a:cxnLst/>
+            <a:rect l="l" t="t" r="r" b="b"/>
             <a:pathLst>
-              <a:path extrusionOk="0" h="120000" w="120000">
+              <a:path w="120000" h="120000" extrusionOk="0">
                 <a:moveTo>
                   <a:pt x="0" y="0"/>
                 </a:moveTo>
@@ -1958,9 +2056,11 @@
       <p:sp>
         <p:nvSpPr>
           <p:cNvPr id="122" name="Google Shape;122;g32f8e9b3048_0_99:notes"/>
-          <p:cNvSpPr txBox="1"/>
+          <p:cNvSpPr txBox="1">
+            <a:spLocks noGrp="1"/>
+          </p:cNvSpPr>
           <p:nvPr>
-            <p:ph idx="1" type="body"/>
+            <p:ph type="body" idx="1"/>
           </p:nvPr>
         </p:nvSpPr>
         <p:spPr>
@@ -1973,12 +2073,12 @@
           </a:prstGeom>
         </p:spPr>
         <p:txBody>
-          <a:bodyPr anchorCtr="0" anchor="t" bIns="91425" lIns="91425" spcFirstLastPara="1" rIns="91425" wrap="square" tIns="91425">
+          <a:bodyPr spcFirstLastPara="1" wrap="square" lIns="91425" tIns="91425" rIns="91425" bIns="91425" anchor="t" anchorCtr="0">
             <a:noAutofit/>
           </a:bodyPr>
           <a:lstStyle/>
           <a:p>
-            <a:pPr indent="0" lvl="0" marL="0" rtl="0" algn="l">
+            <a:pPr marL="0" lvl="0" indent="0" algn="l" rtl="0">
               <a:spcBef>
                 <a:spcPts val="0"/>
               </a:spcBef>
@@ -1987,9 +2087,6 @@
               </a:spcAft>
               <a:buNone/>
             </a:pPr>
-            <a:r>
-              <a:t/>
-            </a:r>
             <a:endParaRPr/>
           </a:p>
         </p:txBody>
@@ -2003,11 +2100,11 @@
 </file>
 
 <file path=ppt/notesSlides/notesSlide9.xml><?xml version="1.0" encoding="utf-8"?>
-<p:notes xmlns:a="http://schemas.openxmlformats.org/drawingml/2006/main" xmlns:r="http://schemas.openxmlformats.org/officeDocument/2006/relationships" xmlns:mc="http://schemas.openxmlformats.org/markup-compatibility/2006" xmlns:mv="urn:schemas-microsoft-com:mac:vml" xmlns:p="http://schemas.openxmlformats.org/presentationml/2006/main" xmlns:c="http://schemas.openxmlformats.org/drawingml/2006/chart" xmlns:dgm="http://schemas.openxmlformats.org/drawingml/2006/diagram" xmlns:o="urn:schemas-microsoft-com:office:office" xmlns:v="urn:schemas-microsoft-com:vml" xmlns:pvml="urn:schemas-microsoft-com:office:powerpoint" xmlns:com="http://schemas.openxmlformats.org/drawingml/2006/compatibility" xmlns:p14="http://schemas.microsoft.com/office/powerpoint/2010/main" xmlns:p15="http://schemas.microsoft.com/office/powerpoint/2012/main" xmlns:ahyp="http://schemas.microsoft.com/office/drawing/2018/hyperlinkcolor" showMasterPhAnim="0" showMasterSp="0">
+<p:notes xmlns:a="http://schemas.openxmlformats.org/drawingml/2006/main" xmlns:r="http://schemas.openxmlformats.org/officeDocument/2006/relationships" xmlns:p="http://schemas.openxmlformats.org/presentationml/2006/main" showMasterSp="0" showMasterPhAnim="0">
   <p:cSld>
     <p:spTree>
       <p:nvGrpSpPr>
-        <p:cNvPr id="128" name="Shape 128"/>
+        <p:cNvPr id="1" name="Shape 128"/>
         <p:cNvGrpSpPr/>
         <p:nvPr/>
       </p:nvGrpSpPr>
@@ -2022,9 +2119,11 @@
       <p:sp>
         <p:nvSpPr>
           <p:cNvPr id="129" name="Google Shape;129;g32f8e9b3048_0_29:notes"/>
-          <p:cNvSpPr/>
+          <p:cNvSpPr>
+            <a:spLocks noGrp="1" noRot="1" noChangeAspect="1"/>
+          </p:cNvSpPr>
           <p:nvPr>
-            <p:ph idx="2" type="sldImg"/>
+            <p:ph type="sldImg" idx="2"/>
           </p:nvPr>
         </p:nvSpPr>
         <p:spPr>
@@ -2033,9 +2132,13 @@
             <a:ext cx="6096000" cy="3429000"/>
           </a:xfrm>
           <a:custGeom>
-            <a:rect b="b" l="l" r="r" t="t"/>
+            <a:avLst/>
+            <a:gdLst/>
+            <a:ahLst/>
+            <a:cxnLst/>
+            <a:rect l="l" t="t" r="r" b="b"/>
             <a:pathLst>
-              <a:path extrusionOk="0" h="120000" w="120000">
+              <a:path w="120000" h="120000" extrusionOk="0">
                 <a:moveTo>
                   <a:pt x="0" y="0"/>
                 </a:moveTo>
@@ -2057,9 +2160,11 @@
       <p:sp>
         <p:nvSpPr>
           <p:cNvPr id="130" name="Google Shape;130;g32f8e9b3048_0_29:notes"/>
-          <p:cNvSpPr txBox="1"/>
+          <p:cNvSpPr txBox="1">
+            <a:spLocks noGrp="1"/>
+          </p:cNvSpPr>
           <p:nvPr>
-            <p:ph idx="1" type="body"/>
+            <p:ph type="body" idx="1"/>
           </p:nvPr>
         </p:nvSpPr>
         <p:spPr>
@@ -2072,12 +2177,12 @@
           </a:prstGeom>
         </p:spPr>
         <p:txBody>
-          <a:bodyPr anchorCtr="0" anchor="t" bIns="91425" lIns="91425" spcFirstLastPara="1" rIns="91425" wrap="square" tIns="91425">
+          <a:bodyPr spcFirstLastPara="1" wrap="square" lIns="91425" tIns="91425" rIns="91425" bIns="91425" anchor="t" anchorCtr="0">
             <a:noAutofit/>
           </a:bodyPr>
           <a:lstStyle/>
           <a:p>
-            <a:pPr indent="0" lvl="0" marL="0" rtl="0" algn="l">
+            <a:pPr marL="0" lvl="0" indent="0" algn="l" rtl="0">
               <a:spcBef>
                 <a:spcPts val="0"/>
               </a:spcBef>
@@ -2086,9 +2191,6 @@
               </a:spcAft>
               <a:buNone/>
             </a:pPr>
-            <a:r>
-              <a:t/>
-            </a:r>
             <a:endParaRPr/>
           </a:p>
         </p:txBody>
@@ -2102,18 +2204,19 @@
 </file>
 
 <file path=ppt/slideLayouts/slideLayout1.xml><?xml version="1.0" encoding="utf-8"?>
-<p:sldLayout xmlns:a="http://schemas.openxmlformats.org/drawingml/2006/main" xmlns:r="http://schemas.openxmlformats.org/officeDocument/2006/relationships" xmlns:mc="http://schemas.openxmlformats.org/markup-compatibility/2006" xmlns:mv="urn:schemas-microsoft-com:mac:vml" xmlns:p="http://schemas.openxmlformats.org/presentationml/2006/main" xmlns:c="http://schemas.openxmlformats.org/drawingml/2006/chart" xmlns:dgm="http://schemas.openxmlformats.org/drawingml/2006/diagram" xmlns:o="urn:schemas-microsoft-com:office:office" xmlns:v="urn:schemas-microsoft-com:vml" xmlns:pvml="urn:schemas-microsoft-com:office:powerpoint" xmlns:com="http://schemas.openxmlformats.org/drawingml/2006/compatibility" xmlns:p14="http://schemas.microsoft.com/office/powerpoint/2010/main" xmlns:p15="http://schemas.microsoft.com/office/powerpoint/2012/main" xmlns:ahyp="http://schemas.microsoft.com/office/drawing/2018/hyperlinkcolor" matchingName="Title slide" type="title">
+<p:sldLayout xmlns:a="http://schemas.openxmlformats.org/drawingml/2006/main" xmlns:r="http://schemas.openxmlformats.org/officeDocument/2006/relationships" xmlns:p="http://schemas.openxmlformats.org/presentationml/2006/main" matchingName="Title slide" type="title">
   <p:cSld name="TITLE">
     <p:bg>
       <p:bgPr>
         <a:solidFill>
           <a:schemeClr val="dk1"/>
         </a:solidFill>
+        <a:effectLst/>
       </p:bgPr>
     </p:bg>
     <p:spTree>
       <p:nvGrpSpPr>
-        <p:cNvPr id="9" name="Shape 9"/>
+        <p:cNvPr id="1" name="Shape 9"/>
         <p:cNvGrpSpPr/>
         <p:nvPr/>
       </p:nvGrpSpPr>
@@ -2140,14 +2243,14 @@
             <a:avLst/>
           </a:prstGeom>
           <a:noFill/>
-          <a:ln cap="flat" cmpd="sng" w="38100">
+          <a:ln w="38100" cap="flat" cmpd="sng">
             <a:solidFill>
               <a:schemeClr val="lt1"/>
             </a:solidFill>
             <a:prstDash val="solid"/>
             <a:round/>
-            <a:headEnd len="sm" w="sm" type="none"/>
-            <a:tailEnd len="sm" w="sm" type="none"/>
+            <a:headEnd type="none" w="sm" len="sm"/>
+            <a:tailEnd type="none" w="sm" len="sm"/>
           </a:ln>
         </p:spPr>
       </p:cxnSp>
@@ -2166,14 +2269,14 @@
             <a:avLst/>
           </a:prstGeom>
           <a:noFill/>
-          <a:ln cap="flat" cmpd="sng" w="19050">
+          <a:ln w="19050" cap="flat" cmpd="sng">
             <a:solidFill>
               <a:schemeClr val="lt1"/>
             </a:solidFill>
             <a:prstDash val="solid"/>
             <a:round/>
-            <a:headEnd len="sm" w="sm" type="none"/>
-            <a:tailEnd len="sm" w="sm" type="none"/>
+            <a:headEnd type="none" w="sm" len="sm"/>
+            <a:tailEnd type="none" w="sm" len="sm"/>
           </a:ln>
         </p:spPr>
       </p:cxnSp>
@@ -2192,21 +2295,23 @@
             <a:avLst/>
           </a:prstGeom>
           <a:noFill/>
-          <a:ln cap="flat" cmpd="sng" w="19050">
+          <a:ln w="19050" cap="flat" cmpd="sng">
             <a:solidFill>
               <a:schemeClr val="lt1"/>
             </a:solidFill>
             <a:prstDash val="solid"/>
             <a:round/>
-            <a:headEnd len="sm" w="sm" type="none"/>
-            <a:tailEnd len="sm" w="sm" type="none"/>
+            <a:headEnd type="none" w="sm" len="sm"/>
+            <a:tailEnd type="none" w="sm" len="sm"/>
           </a:ln>
         </p:spPr>
       </p:cxnSp>
       <p:sp>
         <p:nvSpPr>
           <p:cNvPr id="13" name="Google Shape;13;p2"/>
-          <p:cNvSpPr txBox="1"/>
+          <p:cNvSpPr txBox="1">
+            <a:spLocks noGrp="1"/>
+          </p:cNvSpPr>
           <p:nvPr>
             <p:ph type="ctrTitle"/>
           </p:nvPr>
@@ -2221,7 +2326,7 @@
           </a:prstGeom>
         </p:spPr>
         <p:txBody>
-          <a:bodyPr anchorCtr="0" anchor="t" bIns="91425" lIns="91425" spcFirstLastPara="1" rIns="91425" wrap="square" tIns="91425">
+          <a:bodyPr spcFirstLastPara="1" wrap="square" lIns="91425" tIns="91425" rIns="91425" bIns="91425" anchor="t" anchorCtr="0">
             <a:noAutofit/>
           </a:bodyPr>
           <a:lstStyle>
@@ -2388,15 +2493,19 @@
               </a:defRPr>
             </a:lvl9pPr>
           </a:lstStyle>
-          <a:p/>
+          <a:p>
+            <a:endParaRPr/>
+          </a:p>
         </p:txBody>
       </p:sp>
       <p:sp>
         <p:nvSpPr>
           <p:cNvPr id="14" name="Google Shape;14;p2"/>
-          <p:cNvSpPr txBox="1"/>
+          <p:cNvSpPr txBox="1">
+            <a:spLocks noGrp="1"/>
+          </p:cNvSpPr>
           <p:nvPr>
-            <p:ph idx="1" type="subTitle"/>
+            <p:ph type="subTitle" idx="1"/>
           </p:nvPr>
         </p:nvSpPr>
         <p:spPr>
@@ -2409,7 +2518,7 @@
           </a:prstGeom>
         </p:spPr>
         <p:txBody>
-          <a:bodyPr anchorCtr="0" anchor="b" bIns="91425" lIns="91425" spcFirstLastPara="1" rIns="91425" wrap="square" tIns="91425">
+          <a:bodyPr spcFirstLastPara="1" wrap="square" lIns="91425" tIns="91425" rIns="91425" bIns="91425" anchor="b" anchorCtr="0">
             <a:noAutofit/>
           </a:bodyPr>
           <a:lstStyle>
@@ -2603,15 +2712,19 @@
               </a:defRPr>
             </a:lvl9pPr>
           </a:lstStyle>
-          <a:p/>
+          <a:p>
+            <a:endParaRPr/>
+          </a:p>
         </p:txBody>
       </p:sp>
       <p:sp>
         <p:nvSpPr>
           <p:cNvPr id="15" name="Google Shape;15;p2"/>
-          <p:cNvSpPr txBox="1"/>
+          <p:cNvSpPr txBox="1">
+            <a:spLocks noGrp="1"/>
+          </p:cNvSpPr>
           <p:nvPr>
-            <p:ph idx="12" type="sldNum"/>
+            <p:ph type="sldNum" idx="12"/>
           </p:nvPr>
         </p:nvSpPr>
         <p:spPr>
@@ -2624,7 +2737,7 @@
           </a:prstGeom>
         </p:spPr>
         <p:txBody>
-          <a:bodyPr anchorCtr="0" anchor="ctr" bIns="91425" lIns="91425" spcFirstLastPara="1" rIns="91425" wrap="square" tIns="91425">
+          <a:bodyPr spcFirstLastPara="1" wrap="square" lIns="91425" tIns="91425" rIns="91425" bIns="91425" anchor="ctr" anchorCtr="0">
             <a:noAutofit/>
           </a:bodyPr>
           <a:lstStyle>
@@ -2702,7 +2815,7 @@
             </a:lvl9pPr>
           </a:lstStyle>
           <a:p>
-            <a:pPr indent="0" lvl="0" marL="0" rtl="0" algn="r">
+            <a:pPr marL="0" lvl="0" indent="0" algn="r" rtl="0">
               <a:spcBef>
                 <a:spcPts val="0"/>
               </a:spcBef>
@@ -2728,11 +2841,11 @@
 </file>
 
 <file path=ppt/slideLayouts/slideLayout10.xml><?xml version="1.0" encoding="utf-8"?>
-<p:sldLayout xmlns:a="http://schemas.openxmlformats.org/drawingml/2006/main" xmlns:r="http://schemas.openxmlformats.org/officeDocument/2006/relationships" xmlns:mc="http://schemas.openxmlformats.org/markup-compatibility/2006" xmlns:mv="urn:schemas-microsoft-com:mac:vml" xmlns:p="http://schemas.openxmlformats.org/presentationml/2006/main" xmlns:c="http://schemas.openxmlformats.org/drawingml/2006/chart" xmlns:dgm="http://schemas.openxmlformats.org/drawingml/2006/diagram" xmlns:o="urn:schemas-microsoft-com:office:office" xmlns:v="urn:schemas-microsoft-com:vml" xmlns:pvml="urn:schemas-microsoft-com:office:powerpoint" xmlns:com="http://schemas.openxmlformats.org/drawingml/2006/compatibility" xmlns:p14="http://schemas.microsoft.com/office/powerpoint/2010/main" xmlns:p15="http://schemas.microsoft.com/office/powerpoint/2012/main" xmlns:ahyp="http://schemas.microsoft.com/office/drawing/2018/hyperlinkcolor" matchingName="Big number">
+<p:sldLayout xmlns:a="http://schemas.openxmlformats.org/drawingml/2006/main" xmlns:r="http://schemas.openxmlformats.org/officeDocument/2006/relationships" xmlns:p="http://schemas.openxmlformats.org/presentationml/2006/main" matchingName="Big number">
   <p:cSld name="BIG_NUMBER">
     <p:spTree>
       <p:nvGrpSpPr>
-        <p:cNvPr id="60" name="Shape 60"/>
+        <p:cNvPr id="1" name="Shape 60"/>
         <p:cNvGrpSpPr/>
         <p:nvPr/>
       </p:nvGrpSpPr>
@@ -2759,14 +2872,14 @@
             <a:avLst/>
           </a:prstGeom>
           <a:noFill/>
-          <a:ln cap="flat" cmpd="sng" w="19050">
+          <a:ln w="19050" cap="flat" cmpd="sng">
             <a:solidFill>
               <a:schemeClr val="dk2"/>
             </a:solidFill>
             <a:prstDash val="solid"/>
             <a:round/>
-            <a:headEnd len="sm" w="sm" type="none"/>
-            <a:tailEnd len="sm" w="sm" type="none"/>
+            <a:headEnd type="none" w="sm" len="sm"/>
+            <a:tailEnd type="none" w="sm" len="sm"/>
           </a:ln>
         </p:spPr>
       </p:cxnSp>
@@ -2785,23 +2898,25 @@
             <a:avLst/>
           </a:prstGeom>
           <a:noFill/>
-          <a:ln cap="flat" cmpd="sng" w="38100">
+          <a:ln w="38100" cap="flat" cmpd="sng">
             <a:solidFill>
               <a:schemeClr val="dk2"/>
             </a:solidFill>
             <a:prstDash val="solid"/>
             <a:round/>
-            <a:headEnd len="sm" w="sm" type="none"/>
-            <a:tailEnd len="sm" w="sm" type="none"/>
+            <a:headEnd type="none" w="sm" len="sm"/>
+            <a:tailEnd type="none" w="sm" len="sm"/>
           </a:ln>
         </p:spPr>
       </p:cxnSp>
       <p:sp>
         <p:nvSpPr>
           <p:cNvPr id="63" name="Google Shape;63;p11"/>
-          <p:cNvSpPr txBox="1"/>
+          <p:cNvSpPr txBox="1">
+            <a:spLocks noGrp="1"/>
+          </p:cNvSpPr>
           <p:nvPr>
-            <p:ph hasCustomPrompt="1" type="title"/>
+            <p:ph type="title" hasCustomPrompt="1"/>
           </p:nvPr>
         </p:nvSpPr>
         <p:spPr>
@@ -2814,7 +2929,7 @@
           </a:prstGeom>
         </p:spPr>
         <p:txBody>
-          <a:bodyPr anchorCtr="0" anchor="ctr" bIns="91425" lIns="91425" spcFirstLastPara="1" rIns="91425" wrap="square" tIns="91425">
+          <a:bodyPr spcFirstLastPara="1" wrap="square" lIns="91425" tIns="91425" rIns="91425" bIns="91425" anchor="ctr" anchorCtr="0">
             <a:noAutofit/>
           </a:bodyPr>
           <a:lstStyle>
@@ -3036,9 +3151,11 @@
       <p:sp>
         <p:nvSpPr>
           <p:cNvPr id="64" name="Google Shape;64;p11"/>
-          <p:cNvSpPr txBox="1"/>
+          <p:cNvSpPr txBox="1">
+            <a:spLocks noGrp="1"/>
+          </p:cNvSpPr>
           <p:nvPr>
-            <p:ph idx="1" type="body"/>
+            <p:ph type="body" idx="1"/>
           </p:nvPr>
         </p:nvSpPr>
         <p:spPr>
@@ -3051,11 +3168,11 @@
           </a:prstGeom>
         </p:spPr>
         <p:txBody>
-          <a:bodyPr anchorCtr="0" anchor="t" bIns="91425" lIns="91425" spcFirstLastPara="1" rIns="91425" wrap="square" tIns="91425">
+          <a:bodyPr spcFirstLastPara="1" wrap="square" lIns="91425" tIns="91425" rIns="91425" bIns="91425" anchor="t" anchorCtr="0">
             <a:noAutofit/>
           </a:bodyPr>
           <a:lstStyle>
-            <a:lvl1pPr indent="-342900" lvl="0" marL="457200" algn="ctr">
+            <a:lvl1pPr marL="457200" lvl="0" indent="-342900" algn="ctr">
               <a:spcBef>
                 <a:spcPts val="0"/>
               </a:spcBef>
@@ -3066,7 +3183,7 @@
               <a:buChar char="●"/>
               <a:defRPr/>
             </a:lvl1pPr>
-            <a:lvl2pPr indent="-317500" lvl="1" marL="914400" algn="ctr">
+            <a:lvl2pPr marL="914400" lvl="1" indent="-317500" algn="ctr">
               <a:spcBef>
                 <a:spcPts val="1600"/>
               </a:spcBef>
@@ -3077,7 +3194,7 @@
               <a:buChar char="○"/>
               <a:defRPr/>
             </a:lvl2pPr>
-            <a:lvl3pPr indent="-317500" lvl="2" marL="1371600" algn="ctr">
+            <a:lvl3pPr marL="1371600" lvl="2" indent="-317500" algn="ctr">
               <a:spcBef>
                 <a:spcPts val="1600"/>
               </a:spcBef>
@@ -3088,7 +3205,7 @@
               <a:buChar char="■"/>
               <a:defRPr/>
             </a:lvl3pPr>
-            <a:lvl4pPr indent="-317500" lvl="3" marL="1828800" algn="ctr">
+            <a:lvl4pPr marL="1828800" lvl="3" indent="-317500" algn="ctr">
               <a:spcBef>
                 <a:spcPts val="1600"/>
               </a:spcBef>
@@ -3099,7 +3216,7 @@
               <a:buChar char="●"/>
               <a:defRPr/>
             </a:lvl4pPr>
-            <a:lvl5pPr indent="-317500" lvl="4" marL="2286000" algn="ctr">
+            <a:lvl5pPr marL="2286000" lvl="4" indent="-317500" algn="ctr">
               <a:spcBef>
                 <a:spcPts val="1600"/>
               </a:spcBef>
@@ -3110,7 +3227,7 @@
               <a:buChar char="○"/>
               <a:defRPr/>
             </a:lvl5pPr>
-            <a:lvl6pPr indent="-317500" lvl="5" marL="2743200" algn="ctr">
+            <a:lvl6pPr marL="2743200" lvl="5" indent="-317500" algn="ctr">
               <a:spcBef>
                 <a:spcPts val="1600"/>
               </a:spcBef>
@@ -3121,7 +3238,7 @@
               <a:buChar char="■"/>
               <a:defRPr/>
             </a:lvl6pPr>
-            <a:lvl7pPr indent="-317500" lvl="6" marL="3200400" algn="ctr">
+            <a:lvl7pPr marL="3200400" lvl="6" indent="-317500" algn="ctr">
               <a:spcBef>
                 <a:spcPts val="1600"/>
               </a:spcBef>
@@ -3132,7 +3249,7 @@
               <a:buChar char="●"/>
               <a:defRPr/>
             </a:lvl7pPr>
-            <a:lvl8pPr indent="-317500" lvl="7" marL="3657600" algn="ctr">
+            <a:lvl8pPr marL="3657600" lvl="7" indent="-317500" algn="ctr">
               <a:spcBef>
                 <a:spcPts val="1600"/>
               </a:spcBef>
@@ -3143,7 +3260,7 @@
               <a:buChar char="○"/>
               <a:defRPr/>
             </a:lvl8pPr>
-            <a:lvl9pPr indent="-317500" lvl="8" marL="4114800" algn="ctr">
+            <a:lvl9pPr marL="4114800" lvl="8" indent="-317500" algn="ctr">
               <a:spcBef>
                 <a:spcPts val="1600"/>
               </a:spcBef>
@@ -3155,15 +3272,19 @@
               <a:defRPr/>
             </a:lvl9pPr>
           </a:lstStyle>
-          <a:p/>
+          <a:p>
+            <a:endParaRPr/>
+          </a:p>
         </p:txBody>
       </p:sp>
       <p:sp>
         <p:nvSpPr>
           <p:cNvPr id="65" name="Google Shape;65;p11"/>
-          <p:cNvSpPr txBox="1"/>
+          <p:cNvSpPr txBox="1">
+            <a:spLocks noGrp="1"/>
+          </p:cNvSpPr>
           <p:nvPr>
-            <p:ph idx="12" type="sldNum"/>
+            <p:ph type="sldNum" idx="12"/>
           </p:nvPr>
         </p:nvSpPr>
         <p:spPr>
@@ -3176,7 +3297,7 @@
           </a:prstGeom>
         </p:spPr>
         <p:txBody>
-          <a:bodyPr anchorCtr="0" anchor="ctr" bIns="91425" lIns="91425" spcFirstLastPara="1" rIns="91425" wrap="square" tIns="91425">
+          <a:bodyPr spcFirstLastPara="1" wrap="square" lIns="91425" tIns="91425" rIns="91425" bIns="91425" anchor="ctr" anchorCtr="0">
             <a:noAutofit/>
           </a:bodyPr>
           <a:lstStyle>
@@ -3218,7 +3339,7 @@
             </a:lvl9pPr>
           </a:lstStyle>
           <a:p>
-            <a:pPr indent="0" lvl="0" marL="0" rtl="0" algn="r">
+            <a:pPr marL="0" lvl="0" indent="0" algn="r" rtl="0">
               <a:spcBef>
                 <a:spcPts val="0"/>
               </a:spcBef>
@@ -3244,11 +3365,11 @@
 </file>
 
 <file path=ppt/slideLayouts/slideLayout11.xml><?xml version="1.0" encoding="utf-8"?>
-<p:sldLayout xmlns:a="http://schemas.openxmlformats.org/drawingml/2006/main" xmlns:r="http://schemas.openxmlformats.org/officeDocument/2006/relationships" xmlns:mc="http://schemas.openxmlformats.org/markup-compatibility/2006" xmlns:mv="urn:schemas-microsoft-com:mac:vml" xmlns:p="http://schemas.openxmlformats.org/presentationml/2006/main" xmlns:c="http://schemas.openxmlformats.org/drawingml/2006/chart" xmlns:dgm="http://schemas.openxmlformats.org/drawingml/2006/diagram" xmlns:o="urn:schemas-microsoft-com:office:office" xmlns:v="urn:schemas-microsoft-com:vml" xmlns:pvml="urn:schemas-microsoft-com:office:powerpoint" xmlns:com="http://schemas.openxmlformats.org/drawingml/2006/compatibility" xmlns:p14="http://schemas.microsoft.com/office/powerpoint/2010/main" xmlns:p15="http://schemas.microsoft.com/office/powerpoint/2012/main" xmlns:ahyp="http://schemas.microsoft.com/office/drawing/2018/hyperlinkcolor" matchingName="Blank" type="blank">
+<p:sldLayout xmlns:a="http://schemas.openxmlformats.org/drawingml/2006/main" xmlns:r="http://schemas.openxmlformats.org/officeDocument/2006/relationships" xmlns:p="http://schemas.openxmlformats.org/presentationml/2006/main" matchingName="Blank" type="blank">
   <p:cSld name="BLANK">
     <p:spTree>
       <p:nvGrpSpPr>
-        <p:cNvPr id="66" name="Shape 66"/>
+        <p:cNvPr id="1" name="Shape 66"/>
         <p:cNvGrpSpPr/>
         <p:nvPr/>
       </p:nvGrpSpPr>
@@ -3263,9 +3384,11 @@
       <p:sp>
         <p:nvSpPr>
           <p:cNvPr id="67" name="Google Shape;67;p12"/>
-          <p:cNvSpPr txBox="1"/>
+          <p:cNvSpPr txBox="1">
+            <a:spLocks noGrp="1"/>
+          </p:cNvSpPr>
           <p:nvPr>
-            <p:ph idx="12" type="sldNum"/>
+            <p:ph type="sldNum" idx="12"/>
           </p:nvPr>
         </p:nvSpPr>
         <p:spPr>
@@ -3278,7 +3401,7 @@
           </a:prstGeom>
         </p:spPr>
         <p:txBody>
-          <a:bodyPr anchorCtr="0" anchor="ctr" bIns="91425" lIns="91425" spcFirstLastPara="1" rIns="91425" wrap="square" tIns="91425">
+          <a:bodyPr spcFirstLastPara="1" wrap="square" lIns="91425" tIns="91425" rIns="91425" bIns="91425" anchor="ctr" anchorCtr="0">
             <a:noAutofit/>
           </a:bodyPr>
           <a:lstStyle>
@@ -3320,7 +3443,7 @@
             </a:lvl9pPr>
           </a:lstStyle>
           <a:p>
-            <a:pPr indent="0" lvl="0" marL="0" rtl="0" algn="r">
+            <a:pPr marL="0" lvl="0" indent="0" algn="r" rtl="0">
               <a:spcBef>
                 <a:spcPts val="0"/>
               </a:spcBef>
@@ -3346,18 +3469,19 @@
 </file>
 
 <file path=ppt/slideLayouts/slideLayout2.xml><?xml version="1.0" encoding="utf-8"?>
-<p:sldLayout xmlns:a="http://schemas.openxmlformats.org/drawingml/2006/main" xmlns:r="http://schemas.openxmlformats.org/officeDocument/2006/relationships" xmlns:mc="http://schemas.openxmlformats.org/markup-compatibility/2006" xmlns:mv="urn:schemas-microsoft-com:mac:vml" xmlns:p="http://schemas.openxmlformats.org/presentationml/2006/main" xmlns:c="http://schemas.openxmlformats.org/drawingml/2006/chart" xmlns:dgm="http://schemas.openxmlformats.org/drawingml/2006/diagram" xmlns:o="urn:schemas-microsoft-com:office:office" xmlns:v="urn:schemas-microsoft-com:vml" xmlns:pvml="urn:schemas-microsoft-com:office:powerpoint" xmlns:com="http://schemas.openxmlformats.org/drawingml/2006/compatibility" xmlns:p14="http://schemas.microsoft.com/office/powerpoint/2010/main" xmlns:p15="http://schemas.microsoft.com/office/powerpoint/2012/main" xmlns:ahyp="http://schemas.microsoft.com/office/drawing/2018/hyperlinkcolor" matchingName="Section header" type="secHead">
+<p:sldLayout xmlns:a="http://schemas.openxmlformats.org/drawingml/2006/main" xmlns:r="http://schemas.openxmlformats.org/officeDocument/2006/relationships" xmlns:p="http://schemas.openxmlformats.org/presentationml/2006/main" matchingName="Section header" type="secHead">
   <p:cSld name="SECTION_HEADER">
     <p:bg>
       <p:bgPr>
         <a:solidFill>
           <a:schemeClr val="dk1"/>
         </a:solidFill>
+        <a:effectLst/>
       </p:bgPr>
     </p:bg>
     <p:spTree>
       <p:nvGrpSpPr>
-        <p:cNvPr id="16" name="Shape 16"/>
+        <p:cNvPr id="1" name="Shape 16"/>
         <p:cNvGrpSpPr/>
         <p:nvPr/>
       </p:nvGrpSpPr>
@@ -3384,14 +3508,14 @@
             <a:avLst/>
           </a:prstGeom>
           <a:noFill/>
-          <a:ln cap="flat" cmpd="sng" w="38100">
+          <a:ln w="38100" cap="flat" cmpd="sng">
             <a:solidFill>
               <a:schemeClr val="lt1"/>
             </a:solidFill>
             <a:prstDash val="solid"/>
             <a:round/>
-            <a:headEnd len="sm" w="sm" type="none"/>
-            <a:tailEnd len="sm" w="sm" type="none"/>
+            <a:headEnd type="none" w="sm" len="sm"/>
+            <a:tailEnd type="none" w="sm" len="sm"/>
           </a:ln>
         </p:spPr>
       </p:cxnSp>
@@ -3410,21 +3534,23 @@
             <a:avLst/>
           </a:prstGeom>
           <a:noFill/>
-          <a:ln cap="flat" cmpd="sng" w="19050">
+          <a:ln w="19050" cap="flat" cmpd="sng">
             <a:solidFill>
               <a:schemeClr val="lt1"/>
             </a:solidFill>
             <a:prstDash val="solid"/>
             <a:round/>
-            <a:headEnd len="sm" w="sm" type="none"/>
-            <a:tailEnd len="sm" w="sm" type="none"/>
+            <a:headEnd type="none" w="sm" len="sm"/>
+            <a:tailEnd type="none" w="sm" len="sm"/>
           </a:ln>
         </p:spPr>
       </p:cxnSp>
       <p:sp>
         <p:nvSpPr>
           <p:cNvPr id="19" name="Google Shape;19;p3"/>
-          <p:cNvSpPr txBox="1"/>
+          <p:cNvSpPr txBox="1">
+            <a:spLocks noGrp="1"/>
+          </p:cNvSpPr>
           <p:nvPr>
             <p:ph type="title"/>
           </p:nvPr>
@@ -3439,7 +3565,7 @@
           </a:prstGeom>
         </p:spPr>
         <p:txBody>
-          <a:bodyPr anchorCtr="0" anchor="ctr" bIns="91425" lIns="91425" spcFirstLastPara="1" rIns="91425" wrap="square" tIns="91425">
+          <a:bodyPr spcFirstLastPara="1" wrap="square" lIns="91425" tIns="91425" rIns="91425" bIns="91425" anchor="ctr" anchorCtr="0">
             <a:noAutofit/>
           </a:bodyPr>
           <a:lstStyle>
@@ -3606,15 +3732,19 @@
               </a:defRPr>
             </a:lvl9pPr>
           </a:lstStyle>
-          <a:p/>
+          <a:p>
+            <a:endParaRPr/>
+          </a:p>
         </p:txBody>
       </p:sp>
       <p:sp>
         <p:nvSpPr>
           <p:cNvPr id="20" name="Google Shape;20;p3"/>
-          <p:cNvSpPr txBox="1"/>
+          <p:cNvSpPr txBox="1">
+            <a:spLocks noGrp="1"/>
+          </p:cNvSpPr>
           <p:nvPr>
-            <p:ph idx="12" type="sldNum"/>
+            <p:ph type="sldNum" idx="12"/>
           </p:nvPr>
         </p:nvSpPr>
         <p:spPr>
@@ -3627,7 +3757,7 @@
           </a:prstGeom>
         </p:spPr>
         <p:txBody>
-          <a:bodyPr anchorCtr="0" anchor="ctr" bIns="91425" lIns="91425" spcFirstLastPara="1" rIns="91425" wrap="square" tIns="91425">
+          <a:bodyPr spcFirstLastPara="1" wrap="square" lIns="91425" tIns="91425" rIns="91425" bIns="91425" anchor="ctr" anchorCtr="0">
             <a:noAutofit/>
           </a:bodyPr>
           <a:lstStyle>
@@ -3705,7 +3835,7 @@
             </a:lvl9pPr>
           </a:lstStyle>
           <a:p>
-            <a:pPr indent="0" lvl="0" marL="0" rtl="0" algn="r">
+            <a:pPr marL="0" lvl="0" indent="0" algn="r" rtl="0">
               <a:spcBef>
                 <a:spcPts val="0"/>
               </a:spcBef>
@@ -3731,11 +3861,11 @@
 </file>
 
 <file path=ppt/slideLayouts/slideLayout3.xml><?xml version="1.0" encoding="utf-8"?>
-<p:sldLayout xmlns:a="http://schemas.openxmlformats.org/drawingml/2006/main" xmlns:r="http://schemas.openxmlformats.org/officeDocument/2006/relationships" xmlns:mc="http://schemas.openxmlformats.org/markup-compatibility/2006" xmlns:mv="urn:schemas-microsoft-com:mac:vml" xmlns:p="http://schemas.openxmlformats.org/presentationml/2006/main" xmlns:c="http://schemas.openxmlformats.org/drawingml/2006/chart" xmlns:dgm="http://schemas.openxmlformats.org/drawingml/2006/diagram" xmlns:o="urn:schemas-microsoft-com:office:office" xmlns:v="urn:schemas-microsoft-com:vml" xmlns:pvml="urn:schemas-microsoft-com:office:powerpoint" xmlns:com="http://schemas.openxmlformats.org/drawingml/2006/compatibility" xmlns:p14="http://schemas.microsoft.com/office/powerpoint/2010/main" xmlns:p15="http://schemas.microsoft.com/office/powerpoint/2012/main" xmlns:ahyp="http://schemas.microsoft.com/office/drawing/2018/hyperlinkcolor" matchingName="Title and body" type="tx">
+<p:sldLayout xmlns:a="http://schemas.openxmlformats.org/drawingml/2006/main" xmlns:r="http://schemas.openxmlformats.org/officeDocument/2006/relationships" xmlns:p="http://schemas.openxmlformats.org/presentationml/2006/main" matchingName="Title and body" type="tx">
   <p:cSld name="TITLE_AND_BODY">
     <p:spTree>
       <p:nvGrpSpPr>
-        <p:cNvPr id="21" name="Shape 21"/>
+        <p:cNvPr id="1" name="Shape 21"/>
         <p:cNvGrpSpPr/>
         <p:nvPr/>
       </p:nvGrpSpPr>
@@ -3762,14 +3892,14 @@
             <a:avLst/>
           </a:prstGeom>
           <a:noFill/>
-          <a:ln cap="flat" cmpd="sng" w="38100">
+          <a:ln w="38100" cap="flat" cmpd="sng">
             <a:solidFill>
               <a:schemeClr val="dk2"/>
             </a:solidFill>
             <a:prstDash val="solid"/>
             <a:round/>
-            <a:headEnd len="sm" w="sm" type="none"/>
-            <a:tailEnd len="sm" w="sm" type="none"/>
+            <a:headEnd type="none" w="sm" len="sm"/>
+            <a:tailEnd type="none" w="sm" len="sm"/>
           </a:ln>
         </p:spPr>
       </p:cxnSp>
@@ -3788,14 +3918,14 @@
             <a:avLst/>
           </a:prstGeom>
           <a:noFill/>
-          <a:ln cap="flat" cmpd="sng" w="19050">
+          <a:ln w="19050" cap="flat" cmpd="sng">
             <a:solidFill>
               <a:schemeClr val="dk2"/>
             </a:solidFill>
             <a:prstDash val="solid"/>
             <a:round/>
-            <a:headEnd len="sm" w="sm" type="none"/>
-            <a:tailEnd len="sm" w="sm" type="none"/>
+            <a:headEnd type="none" w="sm" len="sm"/>
+            <a:tailEnd type="none" w="sm" len="sm"/>
           </a:ln>
         </p:spPr>
       </p:cxnSp>
@@ -3814,21 +3944,23 @@
             <a:avLst/>
           </a:prstGeom>
           <a:noFill/>
-          <a:ln cap="flat" cmpd="sng" w="19050">
+          <a:ln w="19050" cap="flat" cmpd="sng">
             <a:solidFill>
               <a:schemeClr val="dk2"/>
             </a:solidFill>
             <a:prstDash val="solid"/>
             <a:round/>
-            <a:headEnd len="sm" w="sm" type="none"/>
-            <a:tailEnd len="sm" w="sm" type="none"/>
+            <a:headEnd type="none" w="sm" len="sm"/>
+            <a:tailEnd type="none" w="sm" len="sm"/>
           </a:ln>
         </p:spPr>
       </p:cxnSp>
       <p:sp>
         <p:nvSpPr>
           <p:cNvPr id="25" name="Google Shape;25;p4"/>
-          <p:cNvSpPr txBox="1"/>
+          <p:cNvSpPr txBox="1">
+            <a:spLocks noGrp="1"/>
+          </p:cNvSpPr>
           <p:nvPr>
             <p:ph type="title"/>
           </p:nvPr>
@@ -3843,7 +3975,7 @@
           </a:prstGeom>
         </p:spPr>
         <p:txBody>
-          <a:bodyPr anchorCtr="0" anchor="t" bIns="91425" lIns="91425" spcFirstLastPara="1" rIns="91425" wrap="square" tIns="91425">
+          <a:bodyPr spcFirstLastPara="1" wrap="square" lIns="91425" tIns="91425" rIns="91425" bIns="91425" anchor="t" anchorCtr="0">
             <a:noAutofit/>
           </a:bodyPr>
           <a:lstStyle>
@@ -3947,15 +4079,19 @@
               <a:defRPr/>
             </a:lvl9pPr>
           </a:lstStyle>
-          <a:p/>
+          <a:p>
+            <a:endParaRPr/>
+          </a:p>
         </p:txBody>
       </p:sp>
       <p:sp>
         <p:nvSpPr>
           <p:cNvPr id="26" name="Google Shape;26;p4"/>
-          <p:cNvSpPr txBox="1"/>
+          <p:cNvSpPr txBox="1">
+            <a:spLocks noGrp="1"/>
+          </p:cNvSpPr>
           <p:nvPr>
-            <p:ph idx="1" type="body"/>
+            <p:ph type="body" idx="1"/>
           </p:nvPr>
         </p:nvSpPr>
         <p:spPr>
@@ -3968,11 +4104,11 @@
           </a:prstGeom>
         </p:spPr>
         <p:txBody>
-          <a:bodyPr anchorCtr="0" anchor="t" bIns="91425" lIns="91425" spcFirstLastPara="1" rIns="91425" wrap="square" tIns="91425">
+          <a:bodyPr spcFirstLastPara="1" wrap="square" lIns="91425" tIns="91425" rIns="91425" bIns="91425" anchor="t" anchorCtr="0">
             <a:noAutofit/>
           </a:bodyPr>
           <a:lstStyle>
-            <a:lvl1pPr indent="-342900" lvl="0" marL="457200">
+            <a:lvl1pPr marL="457200" lvl="0" indent="-342900">
               <a:spcBef>
                 <a:spcPts val="0"/>
               </a:spcBef>
@@ -3983,7 +4119,7 @@
               <a:buChar char="●"/>
               <a:defRPr/>
             </a:lvl1pPr>
-            <a:lvl2pPr indent="-317500" lvl="1" marL="914400">
+            <a:lvl2pPr marL="914400" lvl="1" indent="-317500">
               <a:spcBef>
                 <a:spcPts val="1600"/>
               </a:spcBef>
@@ -3994,7 +4130,7 @@
               <a:buChar char="○"/>
               <a:defRPr/>
             </a:lvl2pPr>
-            <a:lvl3pPr indent="-317500" lvl="2" marL="1371600">
+            <a:lvl3pPr marL="1371600" lvl="2" indent="-317500">
               <a:spcBef>
                 <a:spcPts val="1600"/>
               </a:spcBef>
@@ -4005,7 +4141,7 @@
               <a:buChar char="■"/>
               <a:defRPr/>
             </a:lvl3pPr>
-            <a:lvl4pPr indent="-317500" lvl="3" marL="1828800">
+            <a:lvl4pPr marL="1828800" lvl="3" indent="-317500">
               <a:spcBef>
                 <a:spcPts val="1600"/>
               </a:spcBef>
@@ -4016,7 +4152,7 @@
               <a:buChar char="●"/>
               <a:defRPr/>
             </a:lvl4pPr>
-            <a:lvl5pPr indent="-317500" lvl="4" marL="2286000">
+            <a:lvl5pPr marL="2286000" lvl="4" indent="-317500">
               <a:spcBef>
                 <a:spcPts val="1600"/>
               </a:spcBef>
@@ -4027,7 +4163,7 @@
               <a:buChar char="○"/>
               <a:defRPr/>
             </a:lvl5pPr>
-            <a:lvl6pPr indent="-317500" lvl="5" marL="2743200">
+            <a:lvl6pPr marL="2743200" lvl="5" indent="-317500">
               <a:spcBef>
                 <a:spcPts val="1600"/>
               </a:spcBef>
@@ -4038,7 +4174,7 @@
               <a:buChar char="■"/>
               <a:defRPr/>
             </a:lvl6pPr>
-            <a:lvl7pPr indent="-317500" lvl="6" marL="3200400">
+            <a:lvl7pPr marL="3200400" lvl="6" indent="-317500">
               <a:spcBef>
                 <a:spcPts val="1600"/>
               </a:spcBef>
@@ -4049,7 +4185,7 @@
               <a:buChar char="●"/>
               <a:defRPr/>
             </a:lvl7pPr>
-            <a:lvl8pPr indent="-317500" lvl="7" marL="3657600">
+            <a:lvl8pPr marL="3657600" lvl="7" indent="-317500">
               <a:spcBef>
                 <a:spcPts val="1600"/>
               </a:spcBef>
@@ -4060,7 +4196,7 @@
               <a:buChar char="○"/>
               <a:defRPr/>
             </a:lvl8pPr>
-            <a:lvl9pPr indent="-317500" lvl="8" marL="4114800">
+            <a:lvl9pPr marL="4114800" lvl="8" indent="-317500">
               <a:spcBef>
                 <a:spcPts val="1600"/>
               </a:spcBef>
@@ -4072,15 +4208,19 @@
               <a:defRPr/>
             </a:lvl9pPr>
           </a:lstStyle>
-          <a:p/>
+          <a:p>
+            <a:endParaRPr/>
+          </a:p>
         </p:txBody>
       </p:sp>
       <p:sp>
         <p:nvSpPr>
           <p:cNvPr id="27" name="Google Shape;27;p4"/>
-          <p:cNvSpPr txBox="1"/>
+          <p:cNvSpPr txBox="1">
+            <a:spLocks noGrp="1"/>
+          </p:cNvSpPr>
           <p:nvPr>
-            <p:ph idx="12" type="sldNum"/>
+            <p:ph type="sldNum" idx="12"/>
           </p:nvPr>
         </p:nvSpPr>
         <p:spPr>
@@ -4093,7 +4233,7 @@
           </a:prstGeom>
         </p:spPr>
         <p:txBody>
-          <a:bodyPr anchorCtr="0" anchor="ctr" bIns="91425" lIns="91425" spcFirstLastPara="1" rIns="91425" wrap="square" tIns="91425">
+          <a:bodyPr spcFirstLastPara="1" wrap="square" lIns="91425" tIns="91425" rIns="91425" bIns="91425" anchor="ctr" anchorCtr="0">
             <a:noAutofit/>
           </a:bodyPr>
           <a:lstStyle>
@@ -4135,7 +4275,7 @@
             </a:lvl9pPr>
           </a:lstStyle>
           <a:p>
-            <a:pPr indent="0" lvl="0" marL="0" rtl="0" algn="r">
+            <a:pPr marL="0" lvl="0" indent="0" algn="r" rtl="0">
               <a:spcBef>
                 <a:spcPts val="0"/>
               </a:spcBef>
@@ -4161,11 +4301,11 @@
 </file>
 
 <file path=ppt/slideLayouts/slideLayout4.xml><?xml version="1.0" encoding="utf-8"?>
-<p:sldLayout xmlns:a="http://schemas.openxmlformats.org/drawingml/2006/main" xmlns:r="http://schemas.openxmlformats.org/officeDocument/2006/relationships" xmlns:mc="http://schemas.openxmlformats.org/markup-compatibility/2006" xmlns:mv="urn:schemas-microsoft-com:mac:vml" xmlns:p="http://schemas.openxmlformats.org/presentationml/2006/main" xmlns:c="http://schemas.openxmlformats.org/drawingml/2006/chart" xmlns:dgm="http://schemas.openxmlformats.org/drawingml/2006/diagram" xmlns:o="urn:schemas-microsoft-com:office:office" xmlns:v="urn:schemas-microsoft-com:vml" xmlns:pvml="urn:schemas-microsoft-com:office:powerpoint" xmlns:com="http://schemas.openxmlformats.org/drawingml/2006/compatibility" xmlns:p14="http://schemas.microsoft.com/office/powerpoint/2010/main" xmlns:p15="http://schemas.microsoft.com/office/powerpoint/2012/main" xmlns:ahyp="http://schemas.microsoft.com/office/drawing/2018/hyperlinkcolor" matchingName="Title and two columns" type="twoColTx">
+<p:sldLayout xmlns:a="http://schemas.openxmlformats.org/drawingml/2006/main" xmlns:r="http://schemas.openxmlformats.org/officeDocument/2006/relationships" xmlns:p="http://schemas.openxmlformats.org/presentationml/2006/main" matchingName="Title and two columns" type="twoColTx">
   <p:cSld name="TITLE_AND_TWO_COLUMNS">
     <p:spTree>
       <p:nvGrpSpPr>
-        <p:cNvPr id="28" name="Shape 28"/>
+        <p:cNvPr id="1" name="Shape 28"/>
         <p:cNvGrpSpPr/>
         <p:nvPr/>
       </p:nvGrpSpPr>
@@ -4192,14 +4332,14 @@
             <a:avLst/>
           </a:prstGeom>
           <a:noFill/>
-          <a:ln cap="flat" cmpd="sng" w="38100">
+          <a:ln w="38100" cap="flat" cmpd="sng">
             <a:solidFill>
               <a:schemeClr val="dk2"/>
             </a:solidFill>
             <a:prstDash val="solid"/>
             <a:round/>
-            <a:headEnd len="sm" w="sm" type="none"/>
-            <a:tailEnd len="sm" w="sm" type="none"/>
+            <a:headEnd type="none" w="sm" len="sm"/>
+            <a:tailEnd type="none" w="sm" len="sm"/>
           </a:ln>
         </p:spPr>
       </p:cxnSp>
@@ -4218,14 +4358,14 @@
             <a:avLst/>
           </a:prstGeom>
           <a:noFill/>
-          <a:ln cap="flat" cmpd="sng" w="19050">
+          <a:ln w="19050" cap="flat" cmpd="sng">
             <a:solidFill>
               <a:schemeClr val="dk2"/>
             </a:solidFill>
             <a:prstDash val="solid"/>
             <a:round/>
-            <a:headEnd len="sm" w="sm" type="none"/>
-            <a:tailEnd len="sm" w="sm" type="none"/>
+            <a:headEnd type="none" w="sm" len="sm"/>
+            <a:tailEnd type="none" w="sm" len="sm"/>
           </a:ln>
         </p:spPr>
       </p:cxnSp>
@@ -4244,21 +4384,23 @@
             <a:avLst/>
           </a:prstGeom>
           <a:noFill/>
-          <a:ln cap="flat" cmpd="sng" w="19050">
+          <a:ln w="19050" cap="flat" cmpd="sng">
             <a:solidFill>
               <a:schemeClr val="dk2"/>
             </a:solidFill>
             <a:prstDash val="solid"/>
             <a:round/>
-            <a:headEnd len="sm" w="sm" type="none"/>
-            <a:tailEnd len="sm" w="sm" type="none"/>
+            <a:headEnd type="none" w="sm" len="sm"/>
+            <a:tailEnd type="none" w="sm" len="sm"/>
           </a:ln>
         </p:spPr>
       </p:cxnSp>
       <p:sp>
         <p:nvSpPr>
           <p:cNvPr id="32" name="Google Shape;32;p5"/>
-          <p:cNvSpPr txBox="1"/>
+          <p:cNvSpPr txBox="1">
+            <a:spLocks noGrp="1"/>
+          </p:cNvSpPr>
           <p:nvPr>
             <p:ph type="title"/>
           </p:nvPr>
@@ -4273,7 +4415,7 @@
           </a:prstGeom>
         </p:spPr>
         <p:txBody>
-          <a:bodyPr anchorCtr="0" anchor="t" bIns="91425" lIns="91425" spcFirstLastPara="1" rIns="91425" wrap="square" tIns="91425">
+          <a:bodyPr spcFirstLastPara="1" wrap="square" lIns="91425" tIns="91425" rIns="91425" bIns="91425" anchor="t" anchorCtr="0">
             <a:noAutofit/>
           </a:bodyPr>
           <a:lstStyle>
@@ -4377,15 +4519,19 @@
               <a:defRPr/>
             </a:lvl9pPr>
           </a:lstStyle>
-          <a:p/>
+          <a:p>
+            <a:endParaRPr/>
+          </a:p>
         </p:txBody>
       </p:sp>
       <p:sp>
         <p:nvSpPr>
           <p:cNvPr id="33" name="Google Shape;33;p5"/>
-          <p:cNvSpPr txBox="1"/>
+          <p:cNvSpPr txBox="1">
+            <a:spLocks noGrp="1"/>
+          </p:cNvSpPr>
           <p:nvPr>
-            <p:ph idx="1" type="body"/>
+            <p:ph type="body" idx="1"/>
           </p:nvPr>
         </p:nvSpPr>
         <p:spPr>
@@ -4398,11 +4544,11 @@
           </a:prstGeom>
         </p:spPr>
         <p:txBody>
-          <a:bodyPr anchorCtr="0" anchor="t" bIns="91425" lIns="91425" spcFirstLastPara="1" rIns="91425" wrap="square" tIns="91425">
+          <a:bodyPr spcFirstLastPara="1" wrap="square" lIns="91425" tIns="91425" rIns="91425" bIns="91425" anchor="t" anchorCtr="0">
             <a:noAutofit/>
           </a:bodyPr>
           <a:lstStyle>
-            <a:lvl1pPr indent="-317500" lvl="0" marL="457200">
+            <a:lvl1pPr marL="457200" lvl="0" indent="-317500">
               <a:spcBef>
                 <a:spcPts val="0"/>
               </a:spcBef>
@@ -4413,7 +4559,7 @@
               <a:buChar char="●"/>
               <a:defRPr sz="1400"/>
             </a:lvl1pPr>
-            <a:lvl2pPr indent="-304800" lvl="1" marL="914400">
+            <a:lvl2pPr marL="914400" lvl="1" indent="-304800">
               <a:spcBef>
                 <a:spcPts val="1600"/>
               </a:spcBef>
@@ -4424,7 +4570,7 @@
               <a:buChar char="○"/>
               <a:defRPr sz="1200"/>
             </a:lvl2pPr>
-            <a:lvl3pPr indent="-304800" lvl="2" marL="1371600">
+            <a:lvl3pPr marL="1371600" lvl="2" indent="-304800">
               <a:spcBef>
                 <a:spcPts val="1600"/>
               </a:spcBef>
@@ -4435,7 +4581,7 @@
               <a:buChar char="■"/>
               <a:defRPr sz="1200"/>
             </a:lvl3pPr>
-            <a:lvl4pPr indent="-304800" lvl="3" marL="1828800">
+            <a:lvl4pPr marL="1828800" lvl="3" indent="-304800">
               <a:spcBef>
                 <a:spcPts val="1600"/>
               </a:spcBef>
@@ -4446,7 +4592,7 @@
               <a:buChar char="●"/>
               <a:defRPr sz="1200"/>
             </a:lvl4pPr>
-            <a:lvl5pPr indent="-304800" lvl="4" marL="2286000">
+            <a:lvl5pPr marL="2286000" lvl="4" indent="-304800">
               <a:spcBef>
                 <a:spcPts val="1600"/>
               </a:spcBef>
@@ -4457,7 +4603,7 @@
               <a:buChar char="○"/>
               <a:defRPr sz="1200"/>
             </a:lvl5pPr>
-            <a:lvl6pPr indent="-304800" lvl="5" marL="2743200">
+            <a:lvl6pPr marL="2743200" lvl="5" indent="-304800">
               <a:spcBef>
                 <a:spcPts val="1600"/>
               </a:spcBef>
@@ -4468,7 +4614,7 @@
               <a:buChar char="■"/>
               <a:defRPr sz="1200"/>
             </a:lvl6pPr>
-            <a:lvl7pPr indent="-304800" lvl="6" marL="3200400">
+            <a:lvl7pPr marL="3200400" lvl="6" indent="-304800">
               <a:spcBef>
                 <a:spcPts val="1600"/>
               </a:spcBef>
@@ -4479,7 +4625,7 @@
               <a:buChar char="●"/>
               <a:defRPr sz="1200"/>
             </a:lvl7pPr>
-            <a:lvl8pPr indent="-304800" lvl="7" marL="3657600">
+            <a:lvl8pPr marL="3657600" lvl="7" indent="-304800">
               <a:spcBef>
                 <a:spcPts val="1600"/>
               </a:spcBef>
@@ -4490,7 +4636,7 @@
               <a:buChar char="○"/>
               <a:defRPr sz="1200"/>
             </a:lvl8pPr>
-            <a:lvl9pPr indent="-304800" lvl="8" marL="4114800">
+            <a:lvl9pPr marL="4114800" lvl="8" indent="-304800">
               <a:spcBef>
                 <a:spcPts val="1600"/>
               </a:spcBef>
@@ -4502,15 +4648,19 @@
               <a:defRPr sz="1200"/>
             </a:lvl9pPr>
           </a:lstStyle>
-          <a:p/>
+          <a:p>
+            <a:endParaRPr/>
+          </a:p>
         </p:txBody>
       </p:sp>
       <p:sp>
         <p:nvSpPr>
           <p:cNvPr id="34" name="Google Shape;34;p5"/>
-          <p:cNvSpPr txBox="1"/>
+          <p:cNvSpPr txBox="1">
+            <a:spLocks noGrp="1"/>
+          </p:cNvSpPr>
           <p:nvPr>
-            <p:ph idx="2" type="body"/>
+            <p:ph type="body" idx="2"/>
           </p:nvPr>
         </p:nvSpPr>
         <p:spPr>
@@ -4523,11 +4673,11 @@
           </a:prstGeom>
         </p:spPr>
         <p:txBody>
-          <a:bodyPr anchorCtr="0" anchor="t" bIns="91425" lIns="91425" spcFirstLastPara="1" rIns="91425" wrap="square" tIns="91425">
+          <a:bodyPr spcFirstLastPara="1" wrap="square" lIns="91425" tIns="91425" rIns="91425" bIns="91425" anchor="t" anchorCtr="0">
             <a:noAutofit/>
           </a:bodyPr>
           <a:lstStyle>
-            <a:lvl1pPr indent="-317500" lvl="0" marL="457200">
+            <a:lvl1pPr marL="457200" lvl="0" indent="-317500">
               <a:spcBef>
                 <a:spcPts val="0"/>
               </a:spcBef>
@@ -4538,7 +4688,7 @@
               <a:buChar char="●"/>
               <a:defRPr sz="1400"/>
             </a:lvl1pPr>
-            <a:lvl2pPr indent="-304800" lvl="1" marL="914400">
+            <a:lvl2pPr marL="914400" lvl="1" indent="-304800">
               <a:spcBef>
                 <a:spcPts val="1600"/>
               </a:spcBef>
@@ -4549,7 +4699,7 @@
               <a:buChar char="○"/>
               <a:defRPr sz="1200"/>
             </a:lvl2pPr>
-            <a:lvl3pPr indent="-304800" lvl="2" marL="1371600">
+            <a:lvl3pPr marL="1371600" lvl="2" indent="-304800">
               <a:spcBef>
                 <a:spcPts val="1600"/>
               </a:spcBef>
@@ -4560,7 +4710,7 @@
               <a:buChar char="■"/>
               <a:defRPr sz="1200"/>
             </a:lvl3pPr>
-            <a:lvl4pPr indent="-304800" lvl="3" marL="1828800">
+            <a:lvl4pPr marL="1828800" lvl="3" indent="-304800">
               <a:spcBef>
                 <a:spcPts val="1600"/>
               </a:spcBef>
@@ -4571,7 +4721,7 @@
               <a:buChar char="●"/>
               <a:defRPr sz="1200"/>
             </a:lvl4pPr>
-            <a:lvl5pPr indent="-304800" lvl="4" marL="2286000">
+            <a:lvl5pPr marL="2286000" lvl="4" indent="-304800">
               <a:spcBef>
                 <a:spcPts val="1600"/>
               </a:spcBef>
@@ -4582,7 +4732,7 @@
               <a:buChar char="○"/>
               <a:defRPr sz="1200"/>
             </a:lvl5pPr>
-            <a:lvl6pPr indent="-304800" lvl="5" marL="2743200">
+            <a:lvl6pPr marL="2743200" lvl="5" indent="-304800">
               <a:spcBef>
                 <a:spcPts val="1600"/>
               </a:spcBef>
@@ -4593,7 +4743,7 @@
               <a:buChar char="■"/>
               <a:defRPr sz="1200"/>
             </a:lvl6pPr>
-            <a:lvl7pPr indent="-304800" lvl="6" marL="3200400">
+            <a:lvl7pPr marL="3200400" lvl="6" indent="-304800">
               <a:spcBef>
                 <a:spcPts val="1600"/>
               </a:spcBef>
@@ -4604,7 +4754,7 @@
               <a:buChar char="●"/>
               <a:defRPr sz="1200"/>
             </a:lvl7pPr>
-            <a:lvl8pPr indent="-304800" lvl="7" marL="3657600">
+            <a:lvl8pPr marL="3657600" lvl="7" indent="-304800">
               <a:spcBef>
                 <a:spcPts val="1600"/>
               </a:spcBef>
@@ -4615,7 +4765,7 @@
               <a:buChar char="○"/>
               <a:defRPr sz="1200"/>
             </a:lvl8pPr>
-            <a:lvl9pPr indent="-304800" lvl="8" marL="4114800">
+            <a:lvl9pPr marL="4114800" lvl="8" indent="-304800">
               <a:spcBef>
                 <a:spcPts val="1600"/>
               </a:spcBef>
@@ -4627,15 +4777,19 @@
               <a:defRPr sz="1200"/>
             </a:lvl9pPr>
           </a:lstStyle>
-          <a:p/>
+          <a:p>
+            <a:endParaRPr/>
+          </a:p>
         </p:txBody>
       </p:sp>
       <p:sp>
         <p:nvSpPr>
           <p:cNvPr id="35" name="Google Shape;35;p5"/>
-          <p:cNvSpPr txBox="1"/>
+          <p:cNvSpPr txBox="1">
+            <a:spLocks noGrp="1"/>
+          </p:cNvSpPr>
           <p:nvPr>
-            <p:ph idx="12" type="sldNum"/>
+            <p:ph type="sldNum" idx="12"/>
           </p:nvPr>
         </p:nvSpPr>
         <p:spPr>
@@ -4648,7 +4802,7 @@
           </a:prstGeom>
         </p:spPr>
         <p:txBody>
-          <a:bodyPr anchorCtr="0" anchor="ctr" bIns="91425" lIns="91425" spcFirstLastPara="1" rIns="91425" wrap="square" tIns="91425">
+          <a:bodyPr spcFirstLastPara="1" wrap="square" lIns="91425" tIns="91425" rIns="91425" bIns="91425" anchor="ctr" anchorCtr="0">
             <a:noAutofit/>
           </a:bodyPr>
           <a:lstStyle>
@@ -4690,7 +4844,7 @@
             </a:lvl9pPr>
           </a:lstStyle>
           <a:p>
-            <a:pPr indent="0" lvl="0" marL="0" rtl="0" algn="r">
+            <a:pPr marL="0" lvl="0" indent="0" algn="r" rtl="0">
               <a:spcBef>
                 <a:spcPts val="0"/>
               </a:spcBef>
@@ -4716,11 +4870,11 @@
 </file>
 
 <file path=ppt/slideLayouts/slideLayout5.xml><?xml version="1.0" encoding="utf-8"?>
-<p:sldLayout xmlns:a="http://schemas.openxmlformats.org/drawingml/2006/main" xmlns:r="http://schemas.openxmlformats.org/officeDocument/2006/relationships" xmlns:mc="http://schemas.openxmlformats.org/markup-compatibility/2006" xmlns:mv="urn:schemas-microsoft-com:mac:vml" xmlns:p="http://schemas.openxmlformats.org/presentationml/2006/main" xmlns:c="http://schemas.openxmlformats.org/drawingml/2006/chart" xmlns:dgm="http://schemas.openxmlformats.org/drawingml/2006/diagram" xmlns:o="urn:schemas-microsoft-com:office:office" xmlns:v="urn:schemas-microsoft-com:vml" xmlns:pvml="urn:schemas-microsoft-com:office:powerpoint" xmlns:com="http://schemas.openxmlformats.org/drawingml/2006/compatibility" xmlns:p14="http://schemas.microsoft.com/office/powerpoint/2010/main" xmlns:p15="http://schemas.microsoft.com/office/powerpoint/2012/main" xmlns:ahyp="http://schemas.microsoft.com/office/drawing/2018/hyperlinkcolor" matchingName="Title only" type="titleOnly">
+<p:sldLayout xmlns:a="http://schemas.openxmlformats.org/drawingml/2006/main" xmlns:r="http://schemas.openxmlformats.org/officeDocument/2006/relationships" xmlns:p="http://schemas.openxmlformats.org/presentationml/2006/main" matchingName="Title only" type="titleOnly">
   <p:cSld name="TITLE_ONLY">
     <p:spTree>
       <p:nvGrpSpPr>
-        <p:cNvPr id="36" name="Shape 36"/>
+        <p:cNvPr id="1" name="Shape 36"/>
         <p:cNvGrpSpPr/>
         <p:nvPr/>
       </p:nvGrpSpPr>
@@ -4735,7 +4889,9 @@
       <p:sp>
         <p:nvSpPr>
           <p:cNvPr id="37" name="Google Shape;37;p6"/>
-          <p:cNvSpPr txBox="1"/>
+          <p:cNvSpPr txBox="1">
+            <a:spLocks noGrp="1"/>
+          </p:cNvSpPr>
           <p:nvPr>
             <p:ph type="title"/>
           </p:nvPr>
@@ -4750,7 +4906,7 @@
           </a:prstGeom>
         </p:spPr>
         <p:txBody>
-          <a:bodyPr anchorCtr="0" anchor="t" bIns="91425" lIns="91425" spcFirstLastPara="1" rIns="91425" wrap="square" tIns="91425">
+          <a:bodyPr spcFirstLastPara="1" wrap="square" lIns="91425" tIns="91425" rIns="91425" bIns="91425" anchor="t" anchorCtr="0">
             <a:noAutofit/>
           </a:bodyPr>
           <a:lstStyle>
@@ -4854,15 +5010,19 @@
               <a:defRPr/>
             </a:lvl9pPr>
           </a:lstStyle>
-          <a:p/>
+          <a:p>
+            <a:endParaRPr/>
+          </a:p>
         </p:txBody>
       </p:sp>
       <p:sp>
         <p:nvSpPr>
           <p:cNvPr id="38" name="Google Shape;38;p6"/>
-          <p:cNvSpPr txBox="1"/>
+          <p:cNvSpPr txBox="1">
+            <a:spLocks noGrp="1"/>
+          </p:cNvSpPr>
           <p:nvPr>
-            <p:ph idx="12" type="sldNum"/>
+            <p:ph type="sldNum" idx="12"/>
           </p:nvPr>
         </p:nvSpPr>
         <p:spPr>
@@ -4875,7 +5035,7 @@
           </a:prstGeom>
         </p:spPr>
         <p:txBody>
-          <a:bodyPr anchorCtr="0" anchor="ctr" bIns="91425" lIns="91425" spcFirstLastPara="1" rIns="91425" wrap="square" tIns="91425">
+          <a:bodyPr spcFirstLastPara="1" wrap="square" lIns="91425" tIns="91425" rIns="91425" bIns="91425" anchor="ctr" anchorCtr="0">
             <a:noAutofit/>
           </a:bodyPr>
           <a:lstStyle>
@@ -4917,7 +5077,7 @@
             </a:lvl9pPr>
           </a:lstStyle>
           <a:p>
-            <a:pPr indent="0" lvl="0" marL="0" rtl="0" algn="r">
+            <a:pPr marL="0" lvl="0" indent="0" algn="r" rtl="0">
               <a:spcBef>
                 <a:spcPts val="0"/>
               </a:spcBef>
@@ -4943,11 +5103,11 @@
 </file>
 
 <file path=ppt/slideLayouts/slideLayout6.xml><?xml version="1.0" encoding="utf-8"?>
-<p:sldLayout xmlns:a="http://schemas.openxmlformats.org/drawingml/2006/main" xmlns:r="http://schemas.openxmlformats.org/officeDocument/2006/relationships" xmlns:mc="http://schemas.openxmlformats.org/markup-compatibility/2006" xmlns:mv="urn:schemas-microsoft-com:mac:vml" xmlns:p="http://schemas.openxmlformats.org/presentationml/2006/main" xmlns:c="http://schemas.openxmlformats.org/drawingml/2006/chart" xmlns:dgm="http://schemas.openxmlformats.org/drawingml/2006/diagram" xmlns:o="urn:schemas-microsoft-com:office:office" xmlns:v="urn:schemas-microsoft-com:vml" xmlns:pvml="urn:schemas-microsoft-com:office:powerpoint" xmlns:com="http://schemas.openxmlformats.org/drawingml/2006/compatibility" xmlns:p14="http://schemas.microsoft.com/office/powerpoint/2010/main" xmlns:p15="http://schemas.microsoft.com/office/powerpoint/2012/main" xmlns:ahyp="http://schemas.microsoft.com/office/drawing/2018/hyperlinkcolor" matchingName="One column text">
+<p:sldLayout xmlns:a="http://schemas.openxmlformats.org/drawingml/2006/main" xmlns:r="http://schemas.openxmlformats.org/officeDocument/2006/relationships" xmlns:p="http://schemas.openxmlformats.org/presentationml/2006/main" matchingName="One column text">
   <p:cSld name="ONE_COLUMN_TEXT">
     <p:spTree>
       <p:nvGrpSpPr>
-        <p:cNvPr id="39" name="Shape 39"/>
+        <p:cNvPr id="1" name="Shape 39"/>
         <p:cNvGrpSpPr/>
         <p:nvPr/>
       </p:nvGrpSpPr>
@@ -4974,21 +5134,23 @@
             <a:avLst/>
           </a:prstGeom>
           <a:noFill/>
-          <a:ln cap="flat" cmpd="sng" w="19050">
+          <a:ln w="19050" cap="flat" cmpd="sng">
             <a:solidFill>
               <a:schemeClr val="dk2"/>
             </a:solidFill>
             <a:prstDash val="solid"/>
             <a:round/>
-            <a:headEnd len="sm" w="sm" type="none"/>
-            <a:tailEnd len="sm" w="sm" type="none"/>
+            <a:headEnd type="none" w="sm" len="sm"/>
+            <a:tailEnd type="none" w="sm" len="sm"/>
           </a:ln>
         </p:spPr>
       </p:cxnSp>
       <p:sp>
         <p:nvSpPr>
           <p:cNvPr id="41" name="Google Shape;41;p7"/>
-          <p:cNvSpPr txBox="1"/>
+          <p:cNvSpPr txBox="1">
+            <a:spLocks noGrp="1"/>
+          </p:cNvSpPr>
           <p:nvPr>
             <p:ph type="title"/>
           </p:nvPr>
@@ -5003,7 +5165,7 @@
           </a:prstGeom>
         </p:spPr>
         <p:txBody>
-          <a:bodyPr anchorCtr="0" anchor="b" bIns="91425" lIns="91425" spcFirstLastPara="1" rIns="91425" wrap="square" tIns="91425">
+          <a:bodyPr spcFirstLastPara="1" wrap="square" lIns="91425" tIns="91425" rIns="91425" bIns="91425" anchor="b" anchorCtr="0">
             <a:noAutofit/>
           </a:bodyPr>
           <a:lstStyle>
@@ -5107,15 +5269,19 @@
               <a:defRPr sz="2400"/>
             </a:lvl9pPr>
           </a:lstStyle>
-          <a:p/>
+          <a:p>
+            <a:endParaRPr/>
+          </a:p>
         </p:txBody>
       </p:sp>
       <p:sp>
         <p:nvSpPr>
           <p:cNvPr id="42" name="Google Shape;42;p7"/>
-          <p:cNvSpPr txBox="1"/>
+          <p:cNvSpPr txBox="1">
+            <a:spLocks noGrp="1"/>
+          </p:cNvSpPr>
           <p:nvPr>
-            <p:ph idx="1" type="body"/>
+            <p:ph type="body" idx="1"/>
           </p:nvPr>
         </p:nvSpPr>
         <p:spPr>
@@ -5128,11 +5294,11 @@
           </a:prstGeom>
         </p:spPr>
         <p:txBody>
-          <a:bodyPr anchorCtr="0" anchor="t" bIns="91425" lIns="91425" spcFirstLastPara="1" rIns="91425" wrap="square" tIns="91425">
+          <a:bodyPr spcFirstLastPara="1" wrap="square" lIns="91425" tIns="91425" rIns="91425" bIns="91425" anchor="t" anchorCtr="0">
             <a:noAutofit/>
           </a:bodyPr>
           <a:lstStyle>
-            <a:lvl1pPr indent="-304800" lvl="0" marL="457200">
+            <a:lvl1pPr marL="457200" lvl="0" indent="-304800">
               <a:spcBef>
                 <a:spcPts val="0"/>
               </a:spcBef>
@@ -5143,7 +5309,7 @@
               <a:buChar char="●"/>
               <a:defRPr sz="1200"/>
             </a:lvl1pPr>
-            <a:lvl2pPr indent="-304800" lvl="1" marL="914400">
+            <a:lvl2pPr marL="914400" lvl="1" indent="-304800">
               <a:spcBef>
                 <a:spcPts val="1600"/>
               </a:spcBef>
@@ -5154,7 +5320,7 @@
               <a:buChar char="○"/>
               <a:defRPr sz="1200"/>
             </a:lvl2pPr>
-            <a:lvl3pPr indent="-304800" lvl="2" marL="1371600">
+            <a:lvl3pPr marL="1371600" lvl="2" indent="-304800">
               <a:spcBef>
                 <a:spcPts val="1600"/>
               </a:spcBef>
@@ -5165,7 +5331,7 @@
               <a:buChar char="■"/>
               <a:defRPr sz="1200"/>
             </a:lvl3pPr>
-            <a:lvl4pPr indent="-304800" lvl="3" marL="1828800">
+            <a:lvl4pPr marL="1828800" lvl="3" indent="-304800">
               <a:spcBef>
                 <a:spcPts val="1600"/>
               </a:spcBef>
@@ -5176,7 +5342,7 @@
               <a:buChar char="●"/>
               <a:defRPr sz="1200"/>
             </a:lvl4pPr>
-            <a:lvl5pPr indent="-304800" lvl="4" marL="2286000">
+            <a:lvl5pPr marL="2286000" lvl="4" indent="-304800">
               <a:spcBef>
                 <a:spcPts val="1600"/>
               </a:spcBef>
@@ -5187,7 +5353,7 @@
               <a:buChar char="○"/>
               <a:defRPr sz="1200"/>
             </a:lvl5pPr>
-            <a:lvl6pPr indent="-304800" lvl="5" marL="2743200">
+            <a:lvl6pPr marL="2743200" lvl="5" indent="-304800">
               <a:spcBef>
                 <a:spcPts val="1600"/>
               </a:spcBef>
@@ -5198,7 +5364,7 @@
               <a:buChar char="■"/>
               <a:defRPr sz="1200"/>
             </a:lvl6pPr>
-            <a:lvl7pPr indent="-304800" lvl="6" marL="3200400">
+            <a:lvl7pPr marL="3200400" lvl="6" indent="-304800">
               <a:spcBef>
                 <a:spcPts val="1600"/>
               </a:spcBef>
@@ -5209,7 +5375,7 @@
               <a:buChar char="●"/>
               <a:defRPr sz="1200"/>
             </a:lvl7pPr>
-            <a:lvl8pPr indent="-304800" lvl="7" marL="3657600">
+            <a:lvl8pPr marL="3657600" lvl="7" indent="-304800">
               <a:spcBef>
                 <a:spcPts val="1600"/>
               </a:spcBef>
@@ -5220,7 +5386,7 @@
               <a:buChar char="○"/>
               <a:defRPr sz="1200"/>
             </a:lvl8pPr>
-            <a:lvl9pPr indent="-304800" lvl="8" marL="4114800">
+            <a:lvl9pPr marL="4114800" lvl="8" indent="-304800">
               <a:spcBef>
                 <a:spcPts val="1600"/>
               </a:spcBef>
@@ -5232,15 +5398,19 @@
               <a:defRPr sz="1200"/>
             </a:lvl9pPr>
           </a:lstStyle>
-          <a:p/>
+          <a:p>
+            <a:endParaRPr/>
+          </a:p>
         </p:txBody>
       </p:sp>
       <p:sp>
         <p:nvSpPr>
           <p:cNvPr id="43" name="Google Shape;43;p7"/>
-          <p:cNvSpPr txBox="1"/>
+          <p:cNvSpPr txBox="1">
+            <a:spLocks noGrp="1"/>
+          </p:cNvSpPr>
           <p:nvPr>
-            <p:ph idx="12" type="sldNum"/>
+            <p:ph type="sldNum" idx="12"/>
           </p:nvPr>
         </p:nvSpPr>
         <p:spPr>
@@ -5253,7 +5423,7 @@
           </a:prstGeom>
         </p:spPr>
         <p:txBody>
-          <a:bodyPr anchorCtr="0" anchor="ctr" bIns="91425" lIns="91425" spcFirstLastPara="1" rIns="91425" wrap="square" tIns="91425">
+          <a:bodyPr spcFirstLastPara="1" wrap="square" lIns="91425" tIns="91425" rIns="91425" bIns="91425" anchor="ctr" anchorCtr="0">
             <a:noAutofit/>
           </a:bodyPr>
           <a:lstStyle>
@@ -5295,7 +5465,7 @@
             </a:lvl9pPr>
           </a:lstStyle>
           <a:p>
-            <a:pPr indent="0" lvl="0" marL="0" rtl="0" algn="r">
+            <a:pPr marL="0" lvl="0" indent="0" algn="r" rtl="0">
               <a:spcBef>
                 <a:spcPts val="0"/>
               </a:spcBef>
@@ -5321,18 +5491,19 @@
 </file>
 
 <file path=ppt/slideLayouts/slideLayout7.xml><?xml version="1.0" encoding="utf-8"?>
-<p:sldLayout xmlns:a="http://schemas.openxmlformats.org/drawingml/2006/main" xmlns:r="http://schemas.openxmlformats.org/officeDocument/2006/relationships" xmlns:mc="http://schemas.openxmlformats.org/markup-compatibility/2006" xmlns:mv="urn:schemas-microsoft-com:mac:vml" xmlns:p="http://schemas.openxmlformats.org/presentationml/2006/main" xmlns:c="http://schemas.openxmlformats.org/drawingml/2006/chart" xmlns:dgm="http://schemas.openxmlformats.org/drawingml/2006/diagram" xmlns:o="urn:schemas-microsoft-com:office:office" xmlns:v="urn:schemas-microsoft-com:vml" xmlns:pvml="urn:schemas-microsoft-com:office:powerpoint" xmlns:com="http://schemas.openxmlformats.org/drawingml/2006/compatibility" xmlns:p14="http://schemas.microsoft.com/office/powerpoint/2010/main" xmlns:p15="http://schemas.microsoft.com/office/powerpoint/2012/main" xmlns:ahyp="http://schemas.microsoft.com/office/drawing/2018/hyperlinkcolor" matchingName="Main point">
+<p:sldLayout xmlns:a="http://schemas.openxmlformats.org/drawingml/2006/main" xmlns:r="http://schemas.openxmlformats.org/officeDocument/2006/relationships" xmlns:p="http://schemas.openxmlformats.org/presentationml/2006/main" matchingName="Main point">
   <p:cSld name="MAIN_POINT">
     <p:bg>
       <p:bgPr>
         <a:solidFill>
           <a:schemeClr val="lt2"/>
         </a:solidFill>
+        <a:effectLst/>
       </p:bgPr>
     </p:bg>
     <p:spTree>
       <p:nvGrpSpPr>
-        <p:cNvPr id="44" name="Shape 44"/>
+        <p:cNvPr id="1" name="Shape 44"/>
         <p:cNvGrpSpPr/>
         <p:nvPr/>
       </p:nvGrpSpPr>
@@ -5359,21 +5530,23 @@
             <a:avLst/>
           </a:prstGeom>
           <a:noFill/>
-          <a:ln cap="flat" cmpd="sng" w="19050">
+          <a:ln w="19050" cap="flat" cmpd="sng">
             <a:solidFill>
               <a:schemeClr val="lt1"/>
             </a:solidFill>
             <a:prstDash val="solid"/>
             <a:round/>
-            <a:headEnd len="sm" w="sm" type="none"/>
-            <a:tailEnd len="sm" w="sm" type="none"/>
+            <a:headEnd type="none" w="sm" len="sm"/>
+            <a:tailEnd type="none" w="sm" len="sm"/>
           </a:ln>
         </p:spPr>
       </p:cxnSp>
       <p:sp>
         <p:nvSpPr>
           <p:cNvPr id="46" name="Google Shape;46;p8"/>
-          <p:cNvSpPr txBox="1"/>
+          <p:cNvSpPr txBox="1">
+            <a:spLocks noGrp="1"/>
+          </p:cNvSpPr>
           <p:nvPr>
             <p:ph type="title"/>
           </p:nvPr>
@@ -5388,7 +5561,7 @@
           </a:prstGeom>
         </p:spPr>
         <p:txBody>
-          <a:bodyPr anchorCtr="0" anchor="ctr" bIns="91425" lIns="91425" spcFirstLastPara="1" rIns="91425" wrap="square" tIns="91425">
+          <a:bodyPr spcFirstLastPara="1" wrap="square" lIns="91425" tIns="91425" rIns="91425" bIns="91425" anchor="ctr" anchorCtr="0">
             <a:noAutofit/>
           </a:bodyPr>
           <a:lstStyle>
@@ -5555,15 +5728,19 @@
               </a:defRPr>
             </a:lvl9pPr>
           </a:lstStyle>
-          <a:p/>
+          <a:p>
+            <a:endParaRPr/>
+          </a:p>
         </p:txBody>
       </p:sp>
       <p:sp>
         <p:nvSpPr>
           <p:cNvPr id="47" name="Google Shape;47;p8"/>
-          <p:cNvSpPr txBox="1"/>
+          <p:cNvSpPr txBox="1">
+            <a:spLocks noGrp="1"/>
+          </p:cNvSpPr>
           <p:nvPr>
-            <p:ph idx="12" type="sldNum"/>
+            <p:ph type="sldNum" idx="12"/>
           </p:nvPr>
         </p:nvSpPr>
         <p:spPr>
@@ -5576,7 +5753,7 @@
           </a:prstGeom>
         </p:spPr>
         <p:txBody>
-          <a:bodyPr anchorCtr="0" anchor="ctr" bIns="91425" lIns="91425" spcFirstLastPara="1" rIns="91425" wrap="square" tIns="91425">
+          <a:bodyPr spcFirstLastPara="1" wrap="square" lIns="91425" tIns="91425" rIns="91425" bIns="91425" anchor="ctr" anchorCtr="0">
             <a:noAutofit/>
           </a:bodyPr>
           <a:lstStyle>
@@ -5654,7 +5831,7 @@
             </a:lvl9pPr>
           </a:lstStyle>
           <a:p>
-            <a:pPr indent="0" lvl="0" marL="0" rtl="0" algn="r">
+            <a:pPr marL="0" lvl="0" indent="0" algn="r" rtl="0">
               <a:spcBef>
                 <a:spcPts val="0"/>
               </a:spcBef>
@@ -5680,11 +5857,11 @@
 </file>
 
 <file path=ppt/slideLayouts/slideLayout8.xml><?xml version="1.0" encoding="utf-8"?>
-<p:sldLayout xmlns:a="http://schemas.openxmlformats.org/drawingml/2006/main" xmlns:r="http://schemas.openxmlformats.org/officeDocument/2006/relationships" xmlns:mc="http://schemas.openxmlformats.org/markup-compatibility/2006" xmlns:mv="urn:schemas-microsoft-com:mac:vml" xmlns:p="http://schemas.openxmlformats.org/presentationml/2006/main" xmlns:c="http://schemas.openxmlformats.org/drawingml/2006/chart" xmlns:dgm="http://schemas.openxmlformats.org/drawingml/2006/diagram" xmlns:o="urn:schemas-microsoft-com:office:office" xmlns:v="urn:schemas-microsoft-com:vml" xmlns:pvml="urn:schemas-microsoft-com:office:powerpoint" xmlns:com="http://schemas.openxmlformats.org/drawingml/2006/compatibility" xmlns:p14="http://schemas.microsoft.com/office/powerpoint/2010/main" xmlns:p15="http://schemas.microsoft.com/office/powerpoint/2012/main" xmlns:ahyp="http://schemas.microsoft.com/office/drawing/2018/hyperlinkcolor" matchingName="Section title and description">
+<p:sldLayout xmlns:a="http://schemas.openxmlformats.org/drawingml/2006/main" xmlns:r="http://schemas.openxmlformats.org/officeDocument/2006/relationships" xmlns:p="http://schemas.openxmlformats.org/presentationml/2006/main" matchingName="Section title and description">
   <p:cSld name="SECTION_TITLE_AND_DESCRIPTION">
     <p:spTree>
       <p:nvGrpSpPr>
-        <p:cNvPr id="48" name="Shape 48"/>
+        <p:cNvPr id="1" name="Shape 48"/>
         <p:cNvGrpSpPr/>
         <p:nvPr/>
       </p:nvGrpSpPr>
@@ -5718,12 +5895,12 @@
           </a:ln>
         </p:spPr>
         <p:txBody>
-          <a:bodyPr anchorCtr="0" anchor="ctr" bIns="91425" lIns="91425" spcFirstLastPara="1" rIns="91425" wrap="square" tIns="91425">
+          <a:bodyPr spcFirstLastPara="1" wrap="square" lIns="91425" tIns="91425" rIns="91425" bIns="91425" anchor="ctr" anchorCtr="0">
             <a:noAutofit/>
           </a:bodyPr>
           <a:lstStyle/>
           <a:p>
-            <a:pPr indent="0" lvl="0" marL="0" rtl="0" algn="l">
+            <a:pPr marL="0" lvl="0" indent="0" algn="l" rtl="0">
               <a:spcBef>
                 <a:spcPts val="0"/>
               </a:spcBef>
@@ -5732,9 +5909,6 @@
               </a:spcAft>
               <a:buNone/>
             </a:pPr>
-            <a:r>
-              <a:t/>
-            </a:r>
             <a:endParaRPr/>
           </a:p>
         </p:txBody>
@@ -5754,21 +5928,23 @@
             <a:avLst/>
           </a:prstGeom>
           <a:noFill/>
-          <a:ln cap="flat" cmpd="sng" w="19050">
+          <a:ln w="19050" cap="flat" cmpd="sng">
             <a:solidFill>
               <a:schemeClr val="lt1"/>
             </a:solidFill>
             <a:prstDash val="solid"/>
             <a:round/>
-            <a:headEnd len="sm" w="sm" type="none"/>
-            <a:tailEnd len="sm" w="sm" type="none"/>
+            <a:headEnd type="none" w="sm" len="sm"/>
+            <a:tailEnd type="none" w="sm" len="sm"/>
           </a:ln>
         </p:spPr>
       </p:cxnSp>
       <p:sp>
         <p:nvSpPr>
           <p:cNvPr id="51" name="Google Shape;51;p9"/>
-          <p:cNvSpPr txBox="1"/>
+          <p:cNvSpPr txBox="1">
+            <a:spLocks noGrp="1"/>
+          </p:cNvSpPr>
           <p:nvPr>
             <p:ph type="title"/>
           </p:nvPr>
@@ -5783,7 +5959,7 @@
           </a:prstGeom>
         </p:spPr>
         <p:txBody>
-          <a:bodyPr anchorCtr="0" anchor="b" bIns="91425" lIns="91425" spcFirstLastPara="1" rIns="91425" wrap="square" tIns="91425">
+          <a:bodyPr spcFirstLastPara="1" wrap="square" lIns="91425" tIns="91425" rIns="91425" bIns="91425" anchor="b" anchorCtr="0">
             <a:noAutofit/>
           </a:bodyPr>
           <a:lstStyle>
@@ -5950,15 +6126,19 @@
               </a:defRPr>
             </a:lvl9pPr>
           </a:lstStyle>
-          <a:p/>
+          <a:p>
+            <a:endParaRPr/>
+          </a:p>
         </p:txBody>
       </p:sp>
       <p:sp>
         <p:nvSpPr>
           <p:cNvPr id="52" name="Google Shape;52;p9"/>
-          <p:cNvSpPr txBox="1"/>
+          <p:cNvSpPr txBox="1">
+            <a:spLocks noGrp="1"/>
+          </p:cNvSpPr>
           <p:nvPr>
-            <p:ph idx="1" type="subTitle"/>
+            <p:ph type="subTitle" idx="1"/>
           </p:nvPr>
         </p:nvSpPr>
         <p:spPr>
@@ -5971,7 +6151,7 @@
           </a:prstGeom>
         </p:spPr>
         <p:txBody>
-          <a:bodyPr anchorCtr="0" anchor="t" bIns="91425" lIns="91425" spcFirstLastPara="1" rIns="91425" wrap="square" tIns="91425">
+          <a:bodyPr spcFirstLastPara="1" wrap="square" lIns="91425" tIns="91425" rIns="91425" bIns="91425" anchor="t" anchorCtr="0">
             <a:noAutofit/>
           </a:bodyPr>
           <a:lstStyle>
@@ -6102,15 +6282,19 @@
               <a:defRPr sz="2100"/>
             </a:lvl9pPr>
           </a:lstStyle>
-          <a:p/>
+          <a:p>
+            <a:endParaRPr/>
+          </a:p>
         </p:txBody>
       </p:sp>
       <p:sp>
         <p:nvSpPr>
           <p:cNvPr id="53" name="Google Shape;53;p9"/>
-          <p:cNvSpPr txBox="1"/>
+          <p:cNvSpPr txBox="1">
+            <a:spLocks noGrp="1"/>
+          </p:cNvSpPr>
           <p:nvPr>
-            <p:ph idx="2" type="body"/>
+            <p:ph type="body" idx="2"/>
           </p:nvPr>
         </p:nvSpPr>
         <p:spPr>
@@ -6123,11 +6307,11 @@
           </a:prstGeom>
         </p:spPr>
         <p:txBody>
-          <a:bodyPr anchorCtr="0" anchor="ctr" bIns="91425" lIns="91425" spcFirstLastPara="1" rIns="91425" wrap="square" tIns="91425">
+          <a:bodyPr spcFirstLastPara="1" wrap="square" lIns="91425" tIns="91425" rIns="91425" bIns="91425" anchor="ctr" anchorCtr="0">
             <a:noAutofit/>
           </a:bodyPr>
           <a:lstStyle>
-            <a:lvl1pPr indent="-342900" lvl="0" marL="457200">
+            <a:lvl1pPr marL="457200" lvl="0" indent="-342900">
               <a:spcBef>
                 <a:spcPts val="0"/>
               </a:spcBef>
@@ -6145,7 +6329,7 @@
                 </a:solidFill>
               </a:defRPr>
             </a:lvl1pPr>
-            <a:lvl2pPr indent="-317500" lvl="1" marL="914400">
+            <a:lvl2pPr marL="914400" lvl="1" indent="-317500">
               <a:spcBef>
                 <a:spcPts val="1600"/>
               </a:spcBef>
@@ -6163,7 +6347,7 @@
                 </a:solidFill>
               </a:defRPr>
             </a:lvl2pPr>
-            <a:lvl3pPr indent="-317500" lvl="2" marL="1371600">
+            <a:lvl3pPr marL="1371600" lvl="2" indent="-317500">
               <a:spcBef>
                 <a:spcPts val="1600"/>
               </a:spcBef>
@@ -6181,7 +6365,7 @@
                 </a:solidFill>
               </a:defRPr>
             </a:lvl3pPr>
-            <a:lvl4pPr indent="-317500" lvl="3" marL="1828800">
+            <a:lvl4pPr marL="1828800" lvl="3" indent="-317500">
               <a:spcBef>
                 <a:spcPts val="1600"/>
               </a:spcBef>
@@ -6199,7 +6383,7 @@
                 </a:solidFill>
               </a:defRPr>
             </a:lvl4pPr>
-            <a:lvl5pPr indent="-317500" lvl="4" marL="2286000">
+            <a:lvl5pPr marL="2286000" lvl="4" indent="-317500">
               <a:spcBef>
                 <a:spcPts val="1600"/>
               </a:spcBef>
@@ -6217,7 +6401,7 @@
                 </a:solidFill>
               </a:defRPr>
             </a:lvl5pPr>
-            <a:lvl6pPr indent="-317500" lvl="5" marL="2743200">
+            <a:lvl6pPr marL="2743200" lvl="5" indent="-317500">
               <a:spcBef>
                 <a:spcPts val="1600"/>
               </a:spcBef>
@@ -6235,7 +6419,7 @@
                 </a:solidFill>
               </a:defRPr>
             </a:lvl6pPr>
-            <a:lvl7pPr indent="-317500" lvl="6" marL="3200400">
+            <a:lvl7pPr marL="3200400" lvl="6" indent="-317500">
               <a:spcBef>
                 <a:spcPts val="1600"/>
               </a:spcBef>
@@ -6253,7 +6437,7 @@
                 </a:solidFill>
               </a:defRPr>
             </a:lvl7pPr>
-            <a:lvl8pPr indent="-317500" lvl="7" marL="3657600">
+            <a:lvl8pPr marL="3657600" lvl="7" indent="-317500">
               <a:spcBef>
                 <a:spcPts val="1600"/>
               </a:spcBef>
@@ -6271,7 +6455,7 @@
                 </a:solidFill>
               </a:defRPr>
             </a:lvl8pPr>
-            <a:lvl9pPr indent="-317500" lvl="8" marL="4114800">
+            <a:lvl9pPr marL="4114800" lvl="8" indent="-317500">
               <a:spcBef>
                 <a:spcPts val="1600"/>
               </a:spcBef>
@@ -6290,15 +6474,19 @@
               </a:defRPr>
             </a:lvl9pPr>
           </a:lstStyle>
-          <a:p/>
+          <a:p>
+            <a:endParaRPr/>
+          </a:p>
         </p:txBody>
       </p:sp>
       <p:sp>
         <p:nvSpPr>
           <p:cNvPr id="54" name="Google Shape;54;p9"/>
-          <p:cNvSpPr txBox="1"/>
+          <p:cNvSpPr txBox="1">
+            <a:spLocks noGrp="1"/>
+          </p:cNvSpPr>
           <p:nvPr>
-            <p:ph idx="12" type="sldNum"/>
+            <p:ph type="sldNum" idx="12"/>
           </p:nvPr>
         </p:nvSpPr>
         <p:spPr>
@@ -6311,7 +6499,7 @@
           </a:prstGeom>
         </p:spPr>
         <p:txBody>
-          <a:bodyPr anchorCtr="0" anchor="ctr" bIns="91425" lIns="91425" spcFirstLastPara="1" rIns="91425" wrap="square" tIns="91425">
+          <a:bodyPr spcFirstLastPara="1" wrap="square" lIns="91425" tIns="91425" rIns="91425" bIns="91425" anchor="ctr" anchorCtr="0">
             <a:noAutofit/>
           </a:bodyPr>
           <a:lstStyle>
@@ -6389,7 +6577,7 @@
             </a:lvl9pPr>
           </a:lstStyle>
           <a:p>
-            <a:pPr indent="0" lvl="0" marL="0" rtl="0" algn="r">
+            <a:pPr marL="0" lvl="0" indent="0" algn="r" rtl="0">
               <a:spcBef>
                 <a:spcPts val="0"/>
               </a:spcBef>
@@ -6415,11 +6603,11 @@
 </file>
 
 <file path=ppt/slideLayouts/slideLayout9.xml><?xml version="1.0" encoding="utf-8"?>
-<p:sldLayout xmlns:a="http://schemas.openxmlformats.org/drawingml/2006/main" xmlns:r="http://schemas.openxmlformats.org/officeDocument/2006/relationships" xmlns:mc="http://schemas.openxmlformats.org/markup-compatibility/2006" xmlns:mv="urn:schemas-microsoft-com:mac:vml" xmlns:p="http://schemas.openxmlformats.org/presentationml/2006/main" xmlns:c="http://schemas.openxmlformats.org/drawingml/2006/chart" xmlns:dgm="http://schemas.openxmlformats.org/drawingml/2006/diagram" xmlns:o="urn:schemas-microsoft-com:office:office" xmlns:v="urn:schemas-microsoft-com:vml" xmlns:pvml="urn:schemas-microsoft-com:office:powerpoint" xmlns:com="http://schemas.openxmlformats.org/drawingml/2006/compatibility" xmlns:p14="http://schemas.microsoft.com/office/powerpoint/2010/main" xmlns:p15="http://schemas.microsoft.com/office/powerpoint/2012/main" xmlns:ahyp="http://schemas.microsoft.com/office/drawing/2018/hyperlinkcolor" matchingName="Caption">
+<p:sldLayout xmlns:a="http://schemas.openxmlformats.org/drawingml/2006/main" xmlns:r="http://schemas.openxmlformats.org/officeDocument/2006/relationships" xmlns:p="http://schemas.openxmlformats.org/presentationml/2006/main" matchingName="Caption">
   <p:cSld name="CAPTION_ONLY">
     <p:spTree>
       <p:nvGrpSpPr>
-        <p:cNvPr id="55" name="Shape 55"/>
+        <p:cNvPr id="1" name="Shape 55"/>
         <p:cNvGrpSpPr/>
         <p:nvPr/>
       </p:nvGrpSpPr>
@@ -6446,14 +6634,14 @@
             <a:avLst/>
           </a:prstGeom>
           <a:noFill/>
-          <a:ln cap="flat" cmpd="sng" w="19050">
+          <a:ln w="19050" cap="flat" cmpd="sng">
             <a:solidFill>
               <a:schemeClr val="dk2"/>
             </a:solidFill>
             <a:prstDash val="solid"/>
             <a:round/>
-            <a:headEnd len="sm" w="sm" type="none"/>
-            <a:tailEnd len="sm" w="sm" type="none"/>
+            <a:headEnd type="none" w="sm" len="sm"/>
+            <a:tailEnd type="none" w="sm" len="sm"/>
           </a:ln>
         </p:spPr>
       </p:cxnSp>
@@ -6472,23 +6660,25 @@
             <a:avLst/>
           </a:prstGeom>
           <a:noFill/>
-          <a:ln cap="flat" cmpd="sng" w="19050">
+          <a:ln w="19050" cap="flat" cmpd="sng">
             <a:solidFill>
               <a:schemeClr val="dk2"/>
             </a:solidFill>
             <a:prstDash val="solid"/>
             <a:round/>
-            <a:headEnd len="sm" w="sm" type="none"/>
-            <a:tailEnd len="sm" w="sm" type="none"/>
+            <a:headEnd type="none" w="sm" len="sm"/>
+            <a:tailEnd type="none" w="sm" len="sm"/>
           </a:ln>
         </p:spPr>
       </p:cxnSp>
       <p:sp>
         <p:nvSpPr>
           <p:cNvPr id="58" name="Google Shape;58;p10"/>
-          <p:cNvSpPr txBox="1"/>
+          <p:cNvSpPr txBox="1">
+            <a:spLocks noGrp="1"/>
+          </p:cNvSpPr>
           <p:nvPr>
-            <p:ph idx="1" type="body"/>
+            <p:ph type="body" idx="1"/>
           </p:nvPr>
         </p:nvSpPr>
         <p:spPr>
@@ -6501,11 +6691,11 @@
           </a:prstGeom>
         </p:spPr>
         <p:txBody>
-          <a:bodyPr anchorCtr="0" anchor="ctr" bIns="91425" lIns="91425" spcFirstLastPara="1" rIns="91425" wrap="square" tIns="91425">
+          <a:bodyPr spcFirstLastPara="1" wrap="square" lIns="91425" tIns="91425" rIns="91425" bIns="91425" anchor="ctr" anchorCtr="0">
             <a:noAutofit/>
           </a:bodyPr>
           <a:lstStyle>
-            <a:lvl1pPr indent="-228600" lvl="0" marL="457200">
+            <a:lvl1pPr marL="457200" lvl="0" indent="-228600">
               <a:lnSpc>
                 <a:spcPct val="100000"/>
               </a:lnSpc>
@@ -6520,15 +6710,19 @@
               <a:defRPr/>
             </a:lvl1pPr>
           </a:lstStyle>
-          <a:p/>
+          <a:p>
+            <a:endParaRPr/>
+          </a:p>
         </p:txBody>
       </p:sp>
       <p:sp>
         <p:nvSpPr>
           <p:cNvPr id="59" name="Google Shape;59;p10"/>
-          <p:cNvSpPr txBox="1"/>
+          <p:cNvSpPr txBox="1">
+            <a:spLocks noGrp="1"/>
+          </p:cNvSpPr>
           <p:nvPr>
-            <p:ph idx="12" type="sldNum"/>
+            <p:ph type="sldNum" idx="12"/>
           </p:nvPr>
         </p:nvSpPr>
         <p:spPr>
@@ -6541,7 +6735,7 @@
           </a:prstGeom>
         </p:spPr>
         <p:txBody>
-          <a:bodyPr anchorCtr="0" anchor="ctr" bIns="91425" lIns="91425" spcFirstLastPara="1" rIns="91425" wrap="square" tIns="91425">
+          <a:bodyPr spcFirstLastPara="1" wrap="square" lIns="91425" tIns="91425" rIns="91425" bIns="91425" anchor="ctr" anchorCtr="0">
             <a:noAutofit/>
           </a:bodyPr>
           <a:lstStyle>
@@ -6583,7 +6777,7 @@
             </a:lvl9pPr>
           </a:lstStyle>
           <a:p>
-            <a:pPr indent="0" lvl="0" marL="0" rtl="0" algn="r">
+            <a:pPr marL="0" lvl="0" indent="0" algn="r" rtl="0">
               <a:spcBef>
                 <a:spcPts val="0"/>
               </a:spcBef>
@@ -6609,18 +6803,19 @@
 </file>
 
 <file path=ppt/slideMasters/slideMaster1.xml><?xml version="1.0" encoding="utf-8"?>
-<p:sldMaster xmlns:a="http://schemas.openxmlformats.org/drawingml/2006/main" xmlns:r="http://schemas.openxmlformats.org/officeDocument/2006/relationships" xmlns:mc="http://schemas.openxmlformats.org/markup-compatibility/2006" xmlns:mv="urn:schemas-microsoft-com:mac:vml" xmlns:p="http://schemas.openxmlformats.org/presentationml/2006/main" xmlns:c="http://schemas.openxmlformats.org/drawingml/2006/chart" xmlns:dgm="http://schemas.openxmlformats.org/drawingml/2006/diagram" xmlns:o="urn:schemas-microsoft-com:office:office" xmlns:v="urn:schemas-microsoft-com:vml" xmlns:pvml="urn:schemas-microsoft-com:office:powerpoint" xmlns:com="http://schemas.openxmlformats.org/drawingml/2006/compatibility" xmlns:p14="http://schemas.microsoft.com/office/powerpoint/2010/main" xmlns:p15="http://schemas.microsoft.com/office/powerpoint/2012/main" xmlns:ahyp="http://schemas.microsoft.com/office/drawing/2018/hyperlinkcolor">
+<p:sldMaster xmlns:a="http://schemas.openxmlformats.org/drawingml/2006/main" xmlns:r="http://schemas.openxmlformats.org/officeDocument/2006/relationships" xmlns:p="http://schemas.openxmlformats.org/presentationml/2006/main">
   <p:cSld name="swiss-2">
     <p:bg>
       <p:bgPr>
         <a:solidFill>
           <a:schemeClr val="lt1"/>
         </a:solidFill>
+        <a:effectLst/>
       </p:bgPr>
     </p:bg>
     <p:spTree>
       <p:nvGrpSpPr>
-        <p:cNvPr id="5" name="Shape 5"/>
+        <p:cNvPr id="1" name="Shape 5"/>
         <p:cNvGrpSpPr/>
         <p:nvPr/>
       </p:nvGrpSpPr>
@@ -6635,7 +6830,9 @@
       <p:sp>
         <p:nvSpPr>
           <p:cNvPr id="6" name="Google Shape;6;p1"/>
-          <p:cNvSpPr txBox="1"/>
+          <p:cNvSpPr txBox="1">
+            <a:spLocks noGrp="1"/>
+          </p:cNvSpPr>
           <p:nvPr>
             <p:ph type="title"/>
           </p:nvPr>
@@ -6654,7 +6851,7 @@
           </a:ln>
         </p:spPr>
         <p:txBody>
-          <a:bodyPr anchorCtr="0" anchor="t" bIns="91425" lIns="91425" spcFirstLastPara="1" rIns="91425" wrap="square" tIns="91425">
+          <a:bodyPr spcFirstLastPara="1" wrap="square" lIns="91425" tIns="91425" rIns="91425" bIns="91425" anchor="t" anchorCtr="0">
             <a:noAutofit/>
           </a:bodyPr>
           <a:lstStyle>
@@ -6671,7 +6868,7 @@
               <a:buSzPts val="3000"/>
               <a:buFont typeface="Raleway"/>
               <a:buNone/>
-              <a:defRPr b="1" sz="3000">
+              <a:defRPr sz="3000" b="1">
                 <a:solidFill>
                   <a:schemeClr val="dk2"/>
                 </a:solidFill>
@@ -6694,7 +6891,7 @@
               <a:buSzPts val="3000"/>
               <a:buFont typeface="Raleway"/>
               <a:buNone/>
-              <a:defRPr b="1" sz="3000">
+              <a:defRPr sz="3000" b="1">
                 <a:solidFill>
                   <a:schemeClr val="dk2"/>
                 </a:solidFill>
@@ -6717,7 +6914,7 @@
               <a:buSzPts val="3000"/>
               <a:buFont typeface="Raleway"/>
               <a:buNone/>
-              <a:defRPr b="1" sz="3000">
+              <a:defRPr sz="3000" b="1">
                 <a:solidFill>
                   <a:schemeClr val="dk2"/>
                 </a:solidFill>
@@ -6740,7 +6937,7 @@
               <a:buSzPts val="3000"/>
               <a:buFont typeface="Raleway"/>
               <a:buNone/>
-              <a:defRPr b="1" sz="3000">
+              <a:defRPr sz="3000" b="1">
                 <a:solidFill>
                   <a:schemeClr val="dk2"/>
                 </a:solidFill>
@@ -6763,7 +6960,7 @@
               <a:buSzPts val="3000"/>
               <a:buFont typeface="Raleway"/>
               <a:buNone/>
-              <a:defRPr b="1" sz="3000">
+              <a:defRPr sz="3000" b="1">
                 <a:solidFill>
                   <a:schemeClr val="dk2"/>
                 </a:solidFill>
@@ -6786,7 +6983,7 @@
               <a:buSzPts val="3000"/>
               <a:buFont typeface="Raleway"/>
               <a:buNone/>
-              <a:defRPr b="1" sz="3000">
+              <a:defRPr sz="3000" b="1">
                 <a:solidFill>
                   <a:schemeClr val="dk2"/>
                 </a:solidFill>
@@ -6809,7 +7006,7 @@
               <a:buSzPts val="3000"/>
               <a:buFont typeface="Raleway"/>
               <a:buNone/>
-              <a:defRPr b="1" sz="3000">
+              <a:defRPr sz="3000" b="1">
                 <a:solidFill>
                   <a:schemeClr val="dk2"/>
                 </a:solidFill>
@@ -6832,7 +7029,7 @@
               <a:buSzPts val="3000"/>
               <a:buFont typeface="Raleway"/>
               <a:buNone/>
-              <a:defRPr b="1" sz="3000">
+              <a:defRPr sz="3000" b="1">
                 <a:solidFill>
                   <a:schemeClr val="dk2"/>
                 </a:solidFill>
@@ -6855,7 +7052,7 @@
               <a:buSzPts val="3000"/>
               <a:buFont typeface="Raleway"/>
               <a:buNone/>
-              <a:defRPr b="1" sz="3000">
+              <a:defRPr sz="3000" b="1">
                 <a:solidFill>
                   <a:schemeClr val="dk2"/>
                 </a:solidFill>
@@ -6866,15 +7063,19 @@
               </a:defRPr>
             </a:lvl9pPr>
           </a:lstStyle>
-          <a:p/>
+          <a:p>
+            <a:endParaRPr/>
+          </a:p>
         </p:txBody>
       </p:sp>
       <p:sp>
         <p:nvSpPr>
           <p:cNvPr id="7" name="Google Shape;7;p1"/>
-          <p:cNvSpPr txBox="1"/>
+          <p:cNvSpPr txBox="1">
+            <a:spLocks noGrp="1"/>
+          </p:cNvSpPr>
           <p:nvPr>
-            <p:ph idx="1" type="body"/>
+            <p:ph type="body" idx="1"/>
           </p:nvPr>
         </p:nvSpPr>
         <p:spPr>
@@ -6891,11 +7092,11 @@
           </a:ln>
         </p:spPr>
         <p:txBody>
-          <a:bodyPr anchorCtr="0" anchor="t" bIns="91425" lIns="91425" spcFirstLastPara="1" rIns="91425" wrap="square" tIns="91425">
+          <a:bodyPr spcFirstLastPara="1" wrap="square" lIns="91425" tIns="91425" rIns="91425" bIns="91425" anchor="t" anchorCtr="0">
             <a:noAutofit/>
           </a:bodyPr>
           <a:lstStyle>
-            <a:lvl1pPr indent="-342900" lvl="0" marL="457200">
+            <a:lvl1pPr marL="457200" lvl="0" indent="-342900">
               <a:lnSpc>
                 <a:spcPct val="115000"/>
               </a:lnSpc>
@@ -6921,7 +7122,7 @@
                 <a:sym typeface="Lato"/>
               </a:defRPr>
             </a:lvl1pPr>
-            <a:lvl2pPr indent="-317500" lvl="1" marL="914400">
+            <a:lvl2pPr marL="914400" lvl="1" indent="-317500">
               <a:lnSpc>
                 <a:spcPct val="115000"/>
               </a:lnSpc>
@@ -6947,7 +7148,7 @@
                 <a:sym typeface="Lato"/>
               </a:defRPr>
             </a:lvl2pPr>
-            <a:lvl3pPr indent="-317500" lvl="2" marL="1371600">
+            <a:lvl3pPr marL="1371600" lvl="2" indent="-317500">
               <a:lnSpc>
                 <a:spcPct val="115000"/>
               </a:lnSpc>
@@ -6973,7 +7174,7 @@
                 <a:sym typeface="Lato"/>
               </a:defRPr>
             </a:lvl3pPr>
-            <a:lvl4pPr indent="-317500" lvl="3" marL="1828800">
+            <a:lvl4pPr marL="1828800" lvl="3" indent="-317500">
               <a:lnSpc>
                 <a:spcPct val="115000"/>
               </a:lnSpc>
@@ -6999,7 +7200,7 @@
                 <a:sym typeface="Lato"/>
               </a:defRPr>
             </a:lvl4pPr>
-            <a:lvl5pPr indent="-317500" lvl="4" marL="2286000">
+            <a:lvl5pPr marL="2286000" lvl="4" indent="-317500">
               <a:lnSpc>
                 <a:spcPct val="115000"/>
               </a:lnSpc>
@@ -7025,7 +7226,7 @@
                 <a:sym typeface="Lato"/>
               </a:defRPr>
             </a:lvl5pPr>
-            <a:lvl6pPr indent="-317500" lvl="5" marL="2743200">
+            <a:lvl6pPr marL="2743200" lvl="5" indent="-317500">
               <a:lnSpc>
                 <a:spcPct val="115000"/>
               </a:lnSpc>
@@ -7051,7 +7252,7 @@
                 <a:sym typeface="Lato"/>
               </a:defRPr>
             </a:lvl6pPr>
-            <a:lvl7pPr indent="-317500" lvl="6" marL="3200400">
+            <a:lvl7pPr marL="3200400" lvl="6" indent="-317500">
               <a:lnSpc>
                 <a:spcPct val="115000"/>
               </a:lnSpc>
@@ -7077,7 +7278,7 @@
                 <a:sym typeface="Lato"/>
               </a:defRPr>
             </a:lvl7pPr>
-            <a:lvl8pPr indent="-317500" lvl="7" marL="3657600">
+            <a:lvl8pPr marL="3657600" lvl="7" indent="-317500">
               <a:lnSpc>
                 <a:spcPct val="115000"/>
               </a:lnSpc>
@@ -7103,7 +7304,7 @@
                 <a:sym typeface="Lato"/>
               </a:defRPr>
             </a:lvl8pPr>
-            <a:lvl9pPr indent="-317500" lvl="8" marL="4114800">
+            <a:lvl9pPr marL="4114800" lvl="8" indent="-317500">
               <a:lnSpc>
                 <a:spcPct val="115000"/>
               </a:lnSpc>
@@ -7130,15 +7331,19 @@
               </a:defRPr>
             </a:lvl9pPr>
           </a:lstStyle>
-          <a:p/>
+          <a:p>
+            <a:endParaRPr/>
+          </a:p>
         </p:txBody>
       </p:sp>
       <p:sp>
         <p:nvSpPr>
           <p:cNvPr id="8" name="Google Shape;8;p1"/>
-          <p:cNvSpPr txBox="1"/>
+          <p:cNvSpPr txBox="1">
+            <a:spLocks noGrp="1"/>
+          </p:cNvSpPr>
           <p:nvPr>
-            <p:ph idx="12" type="sldNum"/>
+            <p:ph type="sldNum" idx="12"/>
           </p:nvPr>
         </p:nvSpPr>
         <p:spPr>
@@ -7155,7 +7360,7 @@
           </a:ln>
         </p:spPr>
         <p:txBody>
-          <a:bodyPr anchorCtr="0" anchor="ctr" bIns="91425" lIns="91425" spcFirstLastPara="1" rIns="91425" wrap="square" tIns="91425">
+          <a:bodyPr spcFirstLastPara="1" wrap="square" lIns="91425" tIns="91425" rIns="91425" bIns="91425" anchor="ctr" anchorCtr="0">
             <a:noAutofit/>
           </a:bodyPr>
           <a:lstStyle>
@@ -7269,7 +7474,7 @@
             </a:lvl9pPr>
           </a:lstStyle>
           <a:p>
-            <a:pPr indent="0" lvl="0" marL="0" rtl="0" algn="r">
+            <a:pPr marL="0" lvl="0" indent="0" algn="r" rtl="0">
               <a:spcBef>
                 <a:spcPts val="0"/>
               </a:spcBef>
@@ -7288,7 +7493,7 @@
       </p:sp>
     </p:spTree>
   </p:cSld>
-  <p:clrMap accent1="accent1" accent2="accent2" accent3="accent3" accent4="accent4" accent5="accent5" accent6="accent6" bg1="lt1" bg2="dk2" tx1="dk1" tx2="lt2" folHlink="folHlink" hlink="hlink"/>
+  <p:clrMap bg1="lt1" tx1="dk1" bg2="dk2" tx2="lt2" accent1="accent1" accent2="accent2" accent3="accent3" accent4="accent4" accent5="accent5" accent6="accent6" hlink="hlink" folHlink="folHlink"/>
   <p:sldLayoutIdLst>
     <p:sldLayoutId id="2147483648" r:id="rId1"/>
     <p:sldLayoutId id="2147483649" r:id="rId2"/>
@@ -7302,10 +7507,10 @@
     <p:sldLayoutId id="2147483657" r:id="rId10"/>
     <p:sldLayoutId id="2147483658" r:id="rId11"/>
   </p:sldLayoutIdLst>
-  <p:hf dt="0" ftr="0" hdr="0" sldNum="0"/>
+  <p:hf sldNum="0" hdr="0" ftr="0" dt="0"/>
   <p:txStyles>
     <p:titleStyle>
-      <a:defPPr lvl="0" marR="0" rtl="0" algn="l">
+      <a:defPPr marR="0" lvl="0" algn="l" rtl="0">
         <a:lnSpc>
           <a:spcPct val="100000"/>
         </a:lnSpc>
@@ -7316,7 +7521,7 @@
           <a:spcPts val="0"/>
         </a:spcAft>
       </a:defPPr>
-      <a:lvl1pPr lvl="0" marR="0" rtl="0" algn="l">
+      <a:lvl1pPr marR="0" lvl="0" algn="l" rtl="0">
         <a:lnSpc>
           <a:spcPct val="100000"/>
         </a:lnSpc>
@@ -7330,7 +7535,7 @@
           <a:srgbClr val="000000"/>
         </a:buClr>
         <a:buFont typeface="Arial"/>
-        <a:defRPr b="0" i="0" sz="1400" u="none" cap="none" strike="noStrike">
+        <a:defRPr sz="1400" b="0" i="0" u="none" strike="noStrike" cap="none">
           <a:solidFill>
             <a:srgbClr val="000000"/>
           </a:solidFill>
@@ -7340,7 +7545,7 @@
           <a:sym typeface="Arial"/>
         </a:defRPr>
       </a:lvl1pPr>
-      <a:lvl2pPr lvl="1" marR="0" rtl="0" algn="l">
+      <a:lvl2pPr marR="0" lvl="1" algn="l" rtl="0">
         <a:lnSpc>
           <a:spcPct val="100000"/>
         </a:lnSpc>
@@ -7354,7 +7559,7 @@
           <a:srgbClr val="000000"/>
         </a:buClr>
         <a:buFont typeface="Arial"/>
-        <a:defRPr b="0" i="0" sz="1400" u="none" cap="none" strike="noStrike">
+        <a:defRPr sz="1400" b="0" i="0" u="none" strike="noStrike" cap="none">
           <a:solidFill>
             <a:srgbClr val="000000"/>
           </a:solidFill>
@@ -7364,7 +7569,7 @@
           <a:sym typeface="Arial"/>
         </a:defRPr>
       </a:lvl2pPr>
-      <a:lvl3pPr lvl="2" marR="0" rtl="0" algn="l">
+      <a:lvl3pPr marR="0" lvl="2" algn="l" rtl="0">
         <a:lnSpc>
           <a:spcPct val="100000"/>
         </a:lnSpc>
@@ -7378,7 +7583,7 @@
           <a:srgbClr val="000000"/>
         </a:buClr>
         <a:buFont typeface="Arial"/>
-        <a:defRPr b="0" i="0" sz="1400" u="none" cap="none" strike="noStrike">
+        <a:defRPr sz="1400" b="0" i="0" u="none" strike="noStrike" cap="none">
           <a:solidFill>
             <a:srgbClr val="000000"/>
           </a:solidFill>
@@ -7388,7 +7593,7 @@
           <a:sym typeface="Arial"/>
         </a:defRPr>
       </a:lvl3pPr>
-      <a:lvl4pPr lvl="3" marR="0" rtl="0" algn="l">
+      <a:lvl4pPr marR="0" lvl="3" algn="l" rtl="0">
         <a:lnSpc>
           <a:spcPct val="100000"/>
         </a:lnSpc>
@@ -7402,7 +7607,7 @@
           <a:srgbClr val="000000"/>
         </a:buClr>
         <a:buFont typeface="Arial"/>
-        <a:defRPr b="0" i="0" sz="1400" u="none" cap="none" strike="noStrike">
+        <a:defRPr sz="1400" b="0" i="0" u="none" strike="noStrike" cap="none">
           <a:solidFill>
             <a:srgbClr val="000000"/>
           </a:solidFill>
@@ -7412,7 +7617,7 @@
           <a:sym typeface="Arial"/>
         </a:defRPr>
       </a:lvl4pPr>
-      <a:lvl5pPr lvl="4" marR="0" rtl="0" algn="l">
+      <a:lvl5pPr marR="0" lvl="4" algn="l" rtl="0">
         <a:lnSpc>
           <a:spcPct val="100000"/>
         </a:lnSpc>
@@ -7426,7 +7631,7 @@
           <a:srgbClr val="000000"/>
         </a:buClr>
         <a:buFont typeface="Arial"/>
-        <a:defRPr b="0" i="0" sz="1400" u="none" cap="none" strike="noStrike">
+        <a:defRPr sz="1400" b="0" i="0" u="none" strike="noStrike" cap="none">
           <a:solidFill>
             <a:srgbClr val="000000"/>
           </a:solidFill>
@@ -7436,7 +7641,7 @@
           <a:sym typeface="Arial"/>
         </a:defRPr>
       </a:lvl5pPr>
-      <a:lvl6pPr lvl="5" marR="0" rtl="0" algn="l">
+      <a:lvl6pPr marR="0" lvl="5" algn="l" rtl="0">
         <a:lnSpc>
           <a:spcPct val="100000"/>
         </a:lnSpc>
@@ -7450,7 +7655,7 @@
           <a:srgbClr val="000000"/>
         </a:buClr>
         <a:buFont typeface="Arial"/>
-        <a:defRPr b="0" i="0" sz="1400" u="none" cap="none" strike="noStrike">
+        <a:defRPr sz="1400" b="0" i="0" u="none" strike="noStrike" cap="none">
           <a:solidFill>
             <a:srgbClr val="000000"/>
           </a:solidFill>
@@ -7460,7 +7665,7 @@
           <a:sym typeface="Arial"/>
         </a:defRPr>
       </a:lvl6pPr>
-      <a:lvl7pPr lvl="6" marR="0" rtl="0" algn="l">
+      <a:lvl7pPr marR="0" lvl="6" algn="l" rtl="0">
         <a:lnSpc>
           <a:spcPct val="100000"/>
         </a:lnSpc>
@@ -7474,7 +7679,7 @@
           <a:srgbClr val="000000"/>
         </a:buClr>
         <a:buFont typeface="Arial"/>
-        <a:defRPr b="0" i="0" sz="1400" u="none" cap="none" strike="noStrike">
+        <a:defRPr sz="1400" b="0" i="0" u="none" strike="noStrike" cap="none">
           <a:solidFill>
             <a:srgbClr val="000000"/>
           </a:solidFill>
@@ -7484,7 +7689,7 @@
           <a:sym typeface="Arial"/>
         </a:defRPr>
       </a:lvl7pPr>
-      <a:lvl8pPr lvl="7" marR="0" rtl="0" algn="l">
+      <a:lvl8pPr marR="0" lvl="7" algn="l" rtl="0">
         <a:lnSpc>
           <a:spcPct val="100000"/>
         </a:lnSpc>
@@ -7498,7 +7703,7 @@
           <a:srgbClr val="000000"/>
         </a:buClr>
         <a:buFont typeface="Arial"/>
-        <a:defRPr b="0" i="0" sz="1400" u="none" cap="none" strike="noStrike">
+        <a:defRPr sz="1400" b="0" i="0" u="none" strike="noStrike" cap="none">
           <a:solidFill>
             <a:srgbClr val="000000"/>
           </a:solidFill>
@@ -7508,7 +7713,7 @@
           <a:sym typeface="Arial"/>
         </a:defRPr>
       </a:lvl8pPr>
-      <a:lvl9pPr lvl="8" marR="0" rtl="0" algn="l">
+      <a:lvl9pPr marR="0" lvl="8" algn="l" rtl="0">
         <a:lnSpc>
           <a:spcPct val="100000"/>
         </a:lnSpc>
@@ -7522,7 +7727,7 @@
           <a:srgbClr val="000000"/>
         </a:buClr>
         <a:buFont typeface="Arial"/>
-        <a:defRPr b="0" i="0" sz="1400" u="none" cap="none" strike="noStrike">
+        <a:defRPr sz="1400" b="0" i="0" u="none" strike="noStrike" cap="none">
           <a:solidFill>
             <a:srgbClr val="000000"/>
           </a:solidFill>
@@ -7534,7 +7739,7 @@
       </a:lvl9pPr>
     </p:titleStyle>
     <p:bodyStyle>
-      <a:defPPr lvl="0" marR="0" rtl="0" algn="l">
+      <a:defPPr marR="0" lvl="0" algn="l" rtl="0">
         <a:lnSpc>
           <a:spcPct val="100000"/>
         </a:lnSpc>
@@ -7545,7 +7750,7 @@
           <a:spcPts val="0"/>
         </a:spcAft>
       </a:defPPr>
-      <a:lvl1pPr lvl="0" marR="0" rtl="0" algn="l">
+      <a:lvl1pPr marR="0" lvl="0" algn="l" rtl="0">
         <a:lnSpc>
           <a:spcPct val="100000"/>
         </a:lnSpc>
@@ -7559,7 +7764,7 @@
           <a:srgbClr val="000000"/>
         </a:buClr>
         <a:buFont typeface="Arial"/>
-        <a:defRPr b="0" i="0" sz="1400" u="none" cap="none" strike="noStrike">
+        <a:defRPr sz="1400" b="0" i="0" u="none" strike="noStrike" cap="none">
           <a:solidFill>
             <a:srgbClr val="000000"/>
           </a:solidFill>
@@ -7569,7 +7774,7 @@
           <a:sym typeface="Arial"/>
         </a:defRPr>
       </a:lvl1pPr>
-      <a:lvl2pPr lvl="1" marR="0" rtl="0" algn="l">
+      <a:lvl2pPr marR="0" lvl="1" algn="l" rtl="0">
         <a:lnSpc>
           <a:spcPct val="100000"/>
         </a:lnSpc>
@@ -7583,7 +7788,7 @@
           <a:srgbClr val="000000"/>
         </a:buClr>
         <a:buFont typeface="Arial"/>
-        <a:defRPr b="0" i="0" sz="1400" u="none" cap="none" strike="noStrike">
+        <a:defRPr sz="1400" b="0" i="0" u="none" strike="noStrike" cap="none">
           <a:solidFill>
             <a:srgbClr val="000000"/>
           </a:solidFill>
@@ -7593,7 +7798,7 @@
           <a:sym typeface="Arial"/>
         </a:defRPr>
       </a:lvl2pPr>
-      <a:lvl3pPr lvl="2" marR="0" rtl="0" algn="l">
+      <a:lvl3pPr marR="0" lvl="2" algn="l" rtl="0">
         <a:lnSpc>
           <a:spcPct val="100000"/>
         </a:lnSpc>
@@ -7607,7 +7812,7 @@
           <a:srgbClr val="000000"/>
         </a:buClr>
         <a:buFont typeface="Arial"/>
-        <a:defRPr b="0" i="0" sz="1400" u="none" cap="none" strike="noStrike">
+        <a:defRPr sz="1400" b="0" i="0" u="none" strike="noStrike" cap="none">
           <a:solidFill>
             <a:srgbClr val="000000"/>
           </a:solidFill>
@@ -7617,7 +7822,7 @@
           <a:sym typeface="Arial"/>
         </a:defRPr>
       </a:lvl3pPr>
-      <a:lvl4pPr lvl="3" marR="0" rtl="0" algn="l">
+      <a:lvl4pPr marR="0" lvl="3" algn="l" rtl="0">
         <a:lnSpc>
           <a:spcPct val="100000"/>
         </a:lnSpc>
@@ -7631,7 +7836,7 @@
           <a:srgbClr val="000000"/>
         </a:buClr>
         <a:buFont typeface="Arial"/>
-        <a:defRPr b="0" i="0" sz="1400" u="none" cap="none" strike="noStrike">
+        <a:defRPr sz="1400" b="0" i="0" u="none" strike="noStrike" cap="none">
           <a:solidFill>
             <a:srgbClr val="000000"/>
           </a:solidFill>
@@ -7641,7 +7846,7 @@
           <a:sym typeface="Arial"/>
         </a:defRPr>
       </a:lvl4pPr>
-      <a:lvl5pPr lvl="4" marR="0" rtl="0" algn="l">
+      <a:lvl5pPr marR="0" lvl="4" algn="l" rtl="0">
         <a:lnSpc>
           <a:spcPct val="100000"/>
         </a:lnSpc>
@@ -7655,7 +7860,7 @@
           <a:srgbClr val="000000"/>
         </a:buClr>
         <a:buFont typeface="Arial"/>
-        <a:defRPr b="0" i="0" sz="1400" u="none" cap="none" strike="noStrike">
+        <a:defRPr sz="1400" b="0" i="0" u="none" strike="noStrike" cap="none">
           <a:solidFill>
             <a:srgbClr val="000000"/>
           </a:solidFill>
@@ -7665,7 +7870,7 @@
           <a:sym typeface="Arial"/>
         </a:defRPr>
       </a:lvl5pPr>
-      <a:lvl6pPr lvl="5" marR="0" rtl="0" algn="l">
+      <a:lvl6pPr marR="0" lvl="5" algn="l" rtl="0">
         <a:lnSpc>
           <a:spcPct val="100000"/>
         </a:lnSpc>
@@ -7679,7 +7884,7 @@
           <a:srgbClr val="000000"/>
         </a:buClr>
         <a:buFont typeface="Arial"/>
-        <a:defRPr b="0" i="0" sz="1400" u="none" cap="none" strike="noStrike">
+        <a:defRPr sz="1400" b="0" i="0" u="none" strike="noStrike" cap="none">
           <a:solidFill>
             <a:srgbClr val="000000"/>
           </a:solidFill>
@@ -7689,7 +7894,7 @@
           <a:sym typeface="Arial"/>
         </a:defRPr>
       </a:lvl6pPr>
-      <a:lvl7pPr lvl="6" marR="0" rtl="0" algn="l">
+      <a:lvl7pPr marR="0" lvl="6" algn="l" rtl="0">
         <a:lnSpc>
           <a:spcPct val="100000"/>
         </a:lnSpc>
@@ -7703,7 +7908,7 @@
           <a:srgbClr val="000000"/>
         </a:buClr>
         <a:buFont typeface="Arial"/>
-        <a:defRPr b="0" i="0" sz="1400" u="none" cap="none" strike="noStrike">
+        <a:defRPr sz="1400" b="0" i="0" u="none" strike="noStrike" cap="none">
           <a:solidFill>
             <a:srgbClr val="000000"/>
           </a:solidFill>
@@ -7713,7 +7918,7 @@
           <a:sym typeface="Arial"/>
         </a:defRPr>
       </a:lvl7pPr>
-      <a:lvl8pPr lvl="7" marR="0" rtl="0" algn="l">
+      <a:lvl8pPr marR="0" lvl="7" algn="l" rtl="0">
         <a:lnSpc>
           <a:spcPct val="100000"/>
         </a:lnSpc>
@@ -7727,7 +7932,7 @@
           <a:srgbClr val="000000"/>
         </a:buClr>
         <a:buFont typeface="Arial"/>
-        <a:defRPr b="0" i="0" sz="1400" u="none" cap="none" strike="noStrike">
+        <a:defRPr sz="1400" b="0" i="0" u="none" strike="noStrike" cap="none">
           <a:solidFill>
             <a:srgbClr val="000000"/>
           </a:solidFill>
@@ -7737,7 +7942,7 @@
           <a:sym typeface="Arial"/>
         </a:defRPr>
       </a:lvl8pPr>
-      <a:lvl9pPr lvl="8" marR="0" rtl="0" algn="l">
+      <a:lvl9pPr marR="0" lvl="8" algn="l" rtl="0">
         <a:lnSpc>
           <a:spcPct val="100000"/>
         </a:lnSpc>
@@ -7751,7 +7956,7 @@
           <a:srgbClr val="000000"/>
         </a:buClr>
         <a:buFont typeface="Arial"/>
-        <a:defRPr b="0" i="0" sz="1400" u="none" cap="none" strike="noStrike">
+        <a:defRPr sz="1400" b="0" i="0" u="none" strike="noStrike" cap="none">
           <a:solidFill>
             <a:srgbClr val="000000"/>
           </a:solidFill>
@@ -7763,7 +7968,7 @@
       </a:lvl9pPr>
     </p:bodyStyle>
     <p:otherStyle>
-      <a:defPPr lvl="0" marR="0" rtl="0" algn="l">
+      <a:defPPr marR="0" lvl="0" algn="l" rtl="0">
         <a:lnSpc>
           <a:spcPct val="100000"/>
         </a:lnSpc>
@@ -7774,7 +7979,7 @@
           <a:spcPts val="0"/>
         </a:spcAft>
       </a:defPPr>
-      <a:lvl1pPr lvl="0" marR="0" rtl="0" algn="l">
+      <a:lvl1pPr marR="0" lvl="0" algn="l" rtl="0">
         <a:lnSpc>
           <a:spcPct val="100000"/>
         </a:lnSpc>
@@ -7788,7 +7993,7 @@
           <a:srgbClr val="000000"/>
         </a:buClr>
         <a:buFont typeface="Arial"/>
-        <a:defRPr b="0" i="0" sz="1400" u="none" cap="none" strike="noStrike">
+        <a:defRPr sz="1400" b="0" i="0" u="none" strike="noStrike" cap="none">
           <a:solidFill>
             <a:srgbClr val="000000"/>
           </a:solidFill>
@@ -7798,7 +8003,7 @@
           <a:sym typeface="Arial"/>
         </a:defRPr>
       </a:lvl1pPr>
-      <a:lvl2pPr lvl="1" marR="0" rtl="0" algn="l">
+      <a:lvl2pPr marR="0" lvl="1" algn="l" rtl="0">
         <a:lnSpc>
           <a:spcPct val="100000"/>
         </a:lnSpc>
@@ -7812,7 +8017,7 @@
           <a:srgbClr val="000000"/>
         </a:buClr>
         <a:buFont typeface="Arial"/>
-        <a:defRPr b="0" i="0" sz="1400" u="none" cap="none" strike="noStrike">
+        <a:defRPr sz="1400" b="0" i="0" u="none" strike="noStrike" cap="none">
           <a:solidFill>
             <a:srgbClr val="000000"/>
           </a:solidFill>
@@ -7822,7 +8027,7 @@
           <a:sym typeface="Arial"/>
         </a:defRPr>
       </a:lvl2pPr>
-      <a:lvl3pPr lvl="2" marR="0" rtl="0" algn="l">
+      <a:lvl3pPr marR="0" lvl="2" algn="l" rtl="0">
         <a:lnSpc>
           <a:spcPct val="100000"/>
         </a:lnSpc>
@@ -7836,7 +8041,7 @@
           <a:srgbClr val="000000"/>
         </a:buClr>
         <a:buFont typeface="Arial"/>
-        <a:defRPr b="0" i="0" sz="1400" u="none" cap="none" strike="noStrike">
+        <a:defRPr sz="1400" b="0" i="0" u="none" strike="noStrike" cap="none">
           <a:solidFill>
             <a:srgbClr val="000000"/>
           </a:solidFill>
@@ -7846,7 +8051,7 @@
           <a:sym typeface="Arial"/>
         </a:defRPr>
       </a:lvl3pPr>
-      <a:lvl4pPr lvl="3" marR="0" rtl="0" algn="l">
+      <a:lvl4pPr marR="0" lvl="3" algn="l" rtl="0">
         <a:lnSpc>
           <a:spcPct val="100000"/>
         </a:lnSpc>
@@ -7860,7 +8065,7 @@
           <a:srgbClr val="000000"/>
         </a:buClr>
         <a:buFont typeface="Arial"/>
-        <a:defRPr b="0" i="0" sz="1400" u="none" cap="none" strike="noStrike">
+        <a:defRPr sz="1400" b="0" i="0" u="none" strike="noStrike" cap="none">
           <a:solidFill>
             <a:srgbClr val="000000"/>
           </a:solidFill>
@@ -7870,7 +8075,7 @@
           <a:sym typeface="Arial"/>
         </a:defRPr>
       </a:lvl4pPr>
-      <a:lvl5pPr lvl="4" marR="0" rtl="0" algn="l">
+      <a:lvl5pPr marR="0" lvl="4" algn="l" rtl="0">
         <a:lnSpc>
           <a:spcPct val="100000"/>
         </a:lnSpc>
@@ -7884,7 +8089,7 @@
           <a:srgbClr val="000000"/>
         </a:buClr>
         <a:buFont typeface="Arial"/>
-        <a:defRPr b="0" i="0" sz="1400" u="none" cap="none" strike="noStrike">
+        <a:defRPr sz="1400" b="0" i="0" u="none" strike="noStrike" cap="none">
           <a:solidFill>
             <a:srgbClr val="000000"/>
           </a:solidFill>
@@ -7894,7 +8099,7 @@
           <a:sym typeface="Arial"/>
         </a:defRPr>
       </a:lvl5pPr>
-      <a:lvl6pPr lvl="5" marR="0" rtl="0" algn="l">
+      <a:lvl6pPr marR="0" lvl="5" algn="l" rtl="0">
         <a:lnSpc>
           <a:spcPct val="100000"/>
         </a:lnSpc>
@@ -7908,7 +8113,7 @@
           <a:srgbClr val="000000"/>
         </a:buClr>
         <a:buFont typeface="Arial"/>
-        <a:defRPr b="0" i="0" sz="1400" u="none" cap="none" strike="noStrike">
+        <a:defRPr sz="1400" b="0" i="0" u="none" strike="noStrike" cap="none">
           <a:solidFill>
             <a:srgbClr val="000000"/>
           </a:solidFill>
@@ -7918,7 +8123,7 @@
           <a:sym typeface="Arial"/>
         </a:defRPr>
       </a:lvl6pPr>
-      <a:lvl7pPr lvl="6" marR="0" rtl="0" algn="l">
+      <a:lvl7pPr marR="0" lvl="6" algn="l" rtl="0">
         <a:lnSpc>
           <a:spcPct val="100000"/>
         </a:lnSpc>
@@ -7932,7 +8137,7 @@
           <a:srgbClr val="000000"/>
         </a:buClr>
         <a:buFont typeface="Arial"/>
-        <a:defRPr b="0" i="0" sz="1400" u="none" cap="none" strike="noStrike">
+        <a:defRPr sz="1400" b="0" i="0" u="none" strike="noStrike" cap="none">
           <a:solidFill>
             <a:srgbClr val="000000"/>
           </a:solidFill>
@@ -7942,7 +8147,7 @@
           <a:sym typeface="Arial"/>
         </a:defRPr>
       </a:lvl7pPr>
-      <a:lvl8pPr lvl="7" marR="0" rtl="0" algn="l">
+      <a:lvl8pPr marR="0" lvl="7" algn="l" rtl="0">
         <a:lnSpc>
           <a:spcPct val="100000"/>
         </a:lnSpc>
@@ -7956,7 +8161,7 @@
           <a:srgbClr val="000000"/>
         </a:buClr>
         <a:buFont typeface="Arial"/>
-        <a:defRPr b="0" i="0" sz="1400" u="none" cap="none" strike="noStrike">
+        <a:defRPr sz="1400" b="0" i="0" u="none" strike="noStrike" cap="none">
           <a:solidFill>
             <a:srgbClr val="000000"/>
           </a:solidFill>
@@ -7966,7 +8171,7 @@
           <a:sym typeface="Arial"/>
         </a:defRPr>
       </a:lvl8pPr>
-      <a:lvl9pPr lvl="8" marR="0" rtl="0" algn="l">
+      <a:lvl9pPr marR="0" lvl="8" algn="l" rtl="0">
         <a:lnSpc>
           <a:spcPct val="100000"/>
         </a:lnSpc>
@@ -7980,7 +8185,7 @@
           <a:srgbClr val="000000"/>
         </a:buClr>
         <a:buFont typeface="Arial"/>
-        <a:defRPr b="0" i="0" sz="1400" u="none" cap="none" strike="noStrike">
+        <a:defRPr sz="1400" b="0" i="0" u="none" strike="noStrike" cap="none">
           <a:solidFill>
             <a:srgbClr val="000000"/>
           </a:solidFill>
@@ -7996,11 +8201,11 @@
 </file>
 
 <file path=ppt/slides/slide1.xml><?xml version="1.0" encoding="utf-8"?>
-<p:sld xmlns:a="http://schemas.openxmlformats.org/drawingml/2006/main" xmlns:r="http://schemas.openxmlformats.org/officeDocument/2006/relationships" xmlns:mc="http://schemas.openxmlformats.org/markup-compatibility/2006" xmlns:mv="urn:schemas-microsoft-com:mac:vml" xmlns:p="http://schemas.openxmlformats.org/presentationml/2006/main" xmlns:c="http://schemas.openxmlformats.org/drawingml/2006/chart" xmlns:dgm="http://schemas.openxmlformats.org/drawingml/2006/diagram" xmlns:o="urn:schemas-microsoft-com:office:office" xmlns:v="urn:schemas-microsoft-com:vml" xmlns:pvml="urn:schemas-microsoft-com:office:powerpoint" xmlns:com="http://schemas.openxmlformats.org/drawingml/2006/compatibility" xmlns:p14="http://schemas.microsoft.com/office/powerpoint/2010/main" xmlns:p15="http://schemas.microsoft.com/office/powerpoint/2012/main" xmlns:ahyp="http://schemas.microsoft.com/office/drawing/2018/hyperlinkcolor">
+<p:sld xmlns:a="http://schemas.openxmlformats.org/drawingml/2006/main" xmlns:r="http://schemas.openxmlformats.org/officeDocument/2006/relationships" xmlns:p="http://schemas.openxmlformats.org/presentationml/2006/main">
   <p:cSld>
     <p:spTree>
       <p:nvGrpSpPr>
-        <p:cNvPr id="71" name="Shape 71"/>
+        <p:cNvPr id="1" name="Shape 71"/>
         <p:cNvGrpSpPr/>
         <p:nvPr/>
       </p:nvGrpSpPr>
@@ -8015,7 +8220,9 @@
       <p:sp>
         <p:nvSpPr>
           <p:cNvPr id="72" name="Google Shape;72;p13"/>
-          <p:cNvSpPr txBox="1"/>
+          <p:cNvSpPr txBox="1">
+            <a:spLocks noGrp="1"/>
+          </p:cNvSpPr>
           <p:nvPr>
             <p:ph type="ctrTitle"/>
           </p:nvPr>
@@ -8030,12 +8237,12 @@
           </a:prstGeom>
         </p:spPr>
         <p:txBody>
-          <a:bodyPr anchorCtr="0" anchor="t" bIns="91425" lIns="91425" spcFirstLastPara="1" rIns="91425" wrap="square" tIns="91425">
+          <a:bodyPr spcFirstLastPara="1" wrap="square" lIns="91425" tIns="91425" rIns="91425" bIns="91425" anchor="t" anchorCtr="0">
             <a:noAutofit/>
           </a:bodyPr>
           <a:lstStyle/>
           <a:p>
-            <a:pPr indent="0" lvl="0" marL="0" rtl="0" algn="l">
+            <a:pPr marL="0" lvl="0" indent="0" algn="l" rtl="0">
               <a:spcBef>
                 <a:spcPts val="0"/>
               </a:spcBef>
@@ -8046,11 +8253,7 @@
             </a:pPr>
             <a:r>
               <a:rPr lang="en"/>
-              <a:t>OCR Data Analyst </a:t>
-            </a:r>
-            <a:r>
-              <a:rPr lang="en"/>
-              <a:t>Interview</a:t>
+              <a:t>OCR Data Analyst Interview</a:t>
             </a:r>
             <a:endParaRPr/>
           </a:p>
@@ -8059,9 +8262,11 @@
       <p:sp>
         <p:nvSpPr>
           <p:cNvPr id="73" name="Google Shape;73;p13"/>
-          <p:cNvSpPr txBox="1"/>
+          <p:cNvSpPr txBox="1">
+            <a:spLocks noGrp="1"/>
+          </p:cNvSpPr>
           <p:nvPr>
-            <p:ph idx="1" type="subTitle"/>
+            <p:ph type="subTitle" idx="1"/>
           </p:nvPr>
         </p:nvSpPr>
         <p:spPr>
@@ -8074,12 +8279,12 @@
           </a:prstGeom>
         </p:spPr>
         <p:txBody>
-          <a:bodyPr anchorCtr="0" anchor="b" bIns="91425" lIns="91425" spcFirstLastPara="1" rIns="91425" wrap="square" tIns="91425">
+          <a:bodyPr spcFirstLastPara="1" wrap="square" lIns="91425" tIns="91425" rIns="91425" bIns="91425" anchor="b" anchorCtr="0">
             <a:noAutofit/>
           </a:bodyPr>
           <a:lstStyle/>
           <a:p>
-            <a:pPr indent="0" lvl="0" marL="0" rtl="0" algn="l">
+            <a:pPr marL="0" lvl="0" indent="0" algn="l" rtl="0">
               <a:spcBef>
                 <a:spcPts val="0"/>
               </a:spcBef>
@@ -8105,11 +8310,11 @@
 </file>
 
 <file path=ppt/slides/slide10.xml><?xml version="1.0" encoding="utf-8"?>
-<p:sld xmlns:a="http://schemas.openxmlformats.org/drawingml/2006/main" xmlns:r="http://schemas.openxmlformats.org/officeDocument/2006/relationships" xmlns:mc="http://schemas.openxmlformats.org/markup-compatibility/2006" xmlns:mv="urn:schemas-microsoft-com:mac:vml" xmlns:p="http://schemas.openxmlformats.org/presentationml/2006/main" xmlns:c="http://schemas.openxmlformats.org/drawingml/2006/chart" xmlns:dgm="http://schemas.openxmlformats.org/drawingml/2006/diagram" xmlns:o="urn:schemas-microsoft-com:office:office" xmlns:v="urn:schemas-microsoft-com:vml" xmlns:pvml="urn:schemas-microsoft-com:office:powerpoint" xmlns:com="http://schemas.openxmlformats.org/drawingml/2006/compatibility" xmlns:p14="http://schemas.microsoft.com/office/powerpoint/2010/main" xmlns:p15="http://schemas.microsoft.com/office/powerpoint/2012/main" xmlns:ahyp="http://schemas.microsoft.com/office/drawing/2018/hyperlinkcolor">
+<p:sld xmlns:a="http://schemas.openxmlformats.org/drawingml/2006/main" xmlns:r="http://schemas.openxmlformats.org/officeDocument/2006/relationships" xmlns:p="http://schemas.openxmlformats.org/presentationml/2006/main">
   <p:cSld>
     <p:spTree>
       <p:nvGrpSpPr>
-        <p:cNvPr id="139" name="Shape 139"/>
+        <p:cNvPr id="1" name="Shape 139"/>
         <p:cNvGrpSpPr/>
         <p:nvPr/>
       </p:nvGrpSpPr>
@@ -8124,7 +8329,9 @@
       <p:sp>
         <p:nvSpPr>
           <p:cNvPr id="140" name="Google Shape;140;p22"/>
-          <p:cNvSpPr txBox="1"/>
+          <p:cNvSpPr txBox="1">
+            <a:spLocks noGrp="1"/>
+          </p:cNvSpPr>
           <p:nvPr>
             <p:ph type="title"/>
           </p:nvPr>
@@ -8139,12 +8346,12 @@
           </a:prstGeom>
         </p:spPr>
         <p:txBody>
-          <a:bodyPr anchorCtr="0" anchor="t" bIns="91425" lIns="91425" spcFirstLastPara="1" rIns="91425" wrap="square" tIns="91425">
+          <a:bodyPr spcFirstLastPara="1" wrap="square" lIns="91425" tIns="91425" rIns="91425" bIns="91425" anchor="t" anchorCtr="0">
             <a:noAutofit/>
           </a:bodyPr>
           <a:lstStyle/>
           <a:p>
-            <a:pPr indent="0" lvl="0" marL="0" rtl="0" algn="l">
+            <a:pPr marL="0" lvl="0" indent="0" algn="l" rtl="0">
               <a:spcBef>
                 <a:spcPts val="0"/>
               </a:spcBef>
@@ -8164,9 +8371,11 @@
       <p:sp>
         <p:nvSpPr>
           <p:cNvPr id="141" name="Google Shape;141;p22"/>
-          <p:cNvSpPr txBox="1"/>
+          <p:cNvSpPr txBox="1">
+            <a:spLocks noGrp="1"/>
+          </p:cNvSpPr>
           <p:nvPr>
-            <p:ph idx="1" type="body"/>
+            <p:ph type="body" idx="1"/>
           </p:nvPr>
         </p:nvSpPr>
         <p:spPr>
@@ -8179,12 +8388,12 @@
           </a:prstGeom>
         </p:spPr>
         <p:txBody>
-          <a:bodyPr anchorCtr="0" anchor="t" bIns="91425" lIns="91425" spcFirstLastPara="1" rIns="91425" wrap="square" tIns="91425">
+          <a:bodyPr spcFirstLastPara="1" wrap="square" lIns="91425" tIns="91425" rIns="91425" bIns="91425" anchor="t" anchorCtr="0">
             <a:noAutofit/>
           </a:bodyPr>
           <a:lstStyle/>
           <a:p>
-            <a:pPr indent="0" lvl="0" marL="0" rtl="0" algn="l">
+            <a:pPr marL="0" lvl="0" indent="0" algn="l" rtl="0">
               <a:spcBef>
                 <a:spcPts val="0"/>
               </a:spcBef>
@@ -8194,21 +8403,21 @@
               <a:buNone/>
             </a:pPr>
             <a:r>
-              <a:rPr b="1" lang="en" sz="2100">
+              <a:rPr lang="en" sz="2100" b="1">
                 <a:solidFill>
                   <a:schemeClr val="dk1"/>
                 </a:solidFill>
               </a:rPr>
               <a:t>Attention Area Investigations</a:t>
             </a:r>
-            <a:endParaRPr b="1" sz="2100">
+            <a:endParaRPr sz="2100" b="1">
               <a:solidFill>
                 <a:schemeClr val="dk1"/>
               </a:solidFill>
             </a:endParaRPr>
           </a:p>
           <a:p>
-            <a:pPr indent="0" lvl="0" marL="0" rtl="0" algn="l">
+            <a:pPr marL="0" lvl="0" indent="0" algn="l" rtl="0">
               <a:spcBef>
                 <a:spcPts val="0"/>
               </a:spcBef>
@@ -8234,11 +8443,11 @@
 </file>
 
 <file path=ppt/slides/slide11.xml><?xml version="1.0" encoding="utf-8"?>
-<p:sld xmlns:a="http://schemas.openxmlformats.org/drawingml/2006/main" xmlns:r="http://schemas.openxmlformats.org/officeDocument/2006/relationships" xmlns:mc="http://schemas.openxmlformats.org/markup-compatibility/2006" xmlns:mv="urn:schemas-microsoft-com:mac:vml" xmlns:p="http://schemas.openxmlformats.org/presentationml/2006/main" xmlns:c="http://schemas.openxmlformats.org/drawingml/2006/chart" xmlns:dgm="http://schemas.openxmlformats.org/drawingml/2006/diagram" xmlns:o="urn:schemas-microsoft-com:office:office" xmlns:v="urn:schemas-microsoft-com:vml" xmlns:pvml="urn:schemas-microsoft-com:office:powerpoint" xmlns:com="http://schemas.openxmlformats.org/drawingml/2006/compatibility" xmlns:p14="http://schemas.microsoft.com/office/powerpoint/2010/main" xmlns:p15="http://schemas.microsoft.com/office/powerpoint/2012/main" xmlns:ahyp="http://schemas.microsoft.com/office/drawing/2018/hyperlinkcolor">
+<p:sld xmlns:a="http://schemas.openxmlformats.org/drawingml/2006/main" xmlns:r="http://schemas.openxmlformats.org/officeDocument/2006/relationships" xmlns:p="http://schemas.openxmlformats.org/presentationml/2006/main">
   <p:cSld>
     <p:spTree>
       <p:nvGrpSpPr>
-        <p:cNvPr id="145" name="Shape 145"/>
+        <p:cNvPr id="1" name="Shape 145"/>
         <p:cNvGrpSpPr/>
         <p:nvPr/>
       </p:nvGrpSpPr>
@@ -8253,7 +8462,9 @@
       <p:sp>
         <p:nvSpPr>
           <p:cNvPr id="146" name="Google Shape;146;p23"/>
-          <p:cNvSpPr txBox="1"/>
+          <p:cNvSpPr txBox="1">
+            <a:spLocks noGrp="1"/>
+          </p:cNvSpPr>
           <p:nvPr>
             <p:ph type="title"/>
           </p:nvPr>
@@ -8268,12 +8479,12 @@
           </a:prstGeom>
         </p:spPr>
         <p:txBody>
-          <a:bodyPr anchorCtr="0" anchor="t" bIns="91425" lIns="91425" spcFirstLastPara="1" rIns="91425" wrap="square" tIns="91425">
+          <a:bodyPr spcFirstLastPara="1" wrap="square" lIns="91425" tIns="91425" rIns="91425" bIns="91425" anchor="t" anchorCtr="0">
             <a:noAutofit/>
           </a:bodyPr>
           <a:lstStyle/>
           <a:p>
-            <a:pPr indent="0" lvl="0" marL="0" rtl="0" algn="l">
+            <a:pPr marL="0" lvl="0" indent="0" algn="l" rtl="0">
               <a:spcBef>
                 <a:spcPts val="0"/>
               </a:spcBef>
@@ -8293,9 +8504,11 @@
       <p:sp>
         <p:nvSpPr>
           <p:cNvPr id="147" name="Google Shape;147;p23"/>
-          <p:cNvSpPr txBox="1"/>
+          <p:cNvSpPr txBox="1">
+            <a:spLocks noGrp="1"/>
+          </p:cNvSpPr>
           <p:nvPr>
-            <p:ph idx="1" type="body"/>
+            <p:ph type="body" idx="1"/>
           </p:nvPr>
         </p:nvSpPr>
         <p:spPr>
@@ -8308,12 +8521,12 @@
           </a:prstGeom>
         </p:spPr>
         <p:txBody>
-          <a:bodyPr anchorCtr="0" anchor="t" bIns="91425" lIns="91425" spcFirstLastPara="1" rIns="91425" wrap="square" tIns="91425">
+          <a:bodyPr spcFirstLastPara="1" wrap="square" lIns="91425" tIns="91425" rIns="91425" bIns="91425" anchor="t" anchorCtr="0">
             <a:noAutofit/>
           </a:bodyPr>
           <a:lstStyle/>
           <a:p>
-            <a:pPr indent="0" lvl="0" marL="0" rtl="0" algn="l">
+            <a:pPr marL="0" lvl="0" indent="0" algn="l" rtl="0">
               <a:spcBef>
                 <a:spcPts val="0"/>
               </a:spcBef>
@@ -8328,21 +8541,21 @@
               <a:buNone/>
             </a:pPr>
             <a:r>
-              <a:rPr b="1" lang="en" sz="2100">
+              <a:rPr lang="en" sz="2100" b="1">
                 <a:solidFill>
                   <a:schemeClr val="dk1"/>
                 </a:solidFill>
               </a:rPr>
               <a:t>Data Validation</a:t>
             </a:r>
-            <a:endParaRPr b="1" sz="2100">
+            <a:endParaRPr sz="2100" b="1">
               <a:solidFill>
                 <a:schemeClr val="dk1"/>
               </a:solidFill>
             </a:endParaRPr>
           </a:p>
           <a:p>
-            <a:pPr indent="0" lvl="0" marL="0" rtl="0" algn="l">
+            <a:pPr marL="0" lvl="0" indent="0" algn="l" rtl="0">
               <a:spcBef>
                 <a:spcPts val="0"/>
               </a:spcBef>
@@ -8363,7 +8576,7 @@
             <a:endParaRPr sz="1600"/>
           </a:p>
           <a:p>
-            <a:pPr indent="0" lvl="0" marL="0" rtl="0" algn="l">
+            <a:pPr marL="0" lvl="0" indent="0" algn="l" rtl="0">
               <a:spcBef>
                 <a:spcPts val="1600"/>
               </a:spcBef>
@@ -8373,21 +8586,21 @@
               <a:buNone/>
             </a:pPr>
             <a:r>
-              <a:rPr b="1" lang="en" sz="2100">
+              <a:rPr lang="en" sz="2100" b="1">
                 <a:solidFill>
                   <a:schemeClr val="dk1"/>
                 </a:solidFill>
               </a:rPr>
               <a:t>Salary Investigations</a:t>
             </a:r>
-            <a:endParaRPr b="1" sz="2100">
+            <a:endParaRPr sz="2100" b="1">
               <a:solidFill>
                 <a:schemeClr val="dk1"/>
               </a:solidFill>
             </a:endParaRPr>
           </a:p>
           <a:p>
-            <a:pPr indent="0" lvl="0" marL="0" rtl="0" algn="l">
+            <a:pPr marL="0" lvl="0" indent="0" algn="l" rtl="0">
               <a:spcBef>
                 <a:spcPts val="1600"/>
               </a:spcBef>
@@ -8405,14 +8618,26 @@
               <a:rPr lang="en" sz="1600"/>
               <a:t>There is salary data that was not explored with the initial analysis. This is a strong area for next efforts.</a:t>
             </a:r>
-            <a:endParaRPr b="1" sz="2100">
+            <a:endParaRPr sz="2100" b="1">
               <a:solidFill>
                 <a:schemeClr val="dk1"/>
               </a:solidFill>
             </a:endParaRPr>
           </a:p>
           <a:p>
-            <a:pPr indent="0" lvl="0" marL="0" rtl="0" algn="l">
+            <a:pPr marL="0" lvl="0" indent="0" algn="l" rtl="0">
+              <a:spcBef>
+                <a:spcPts val="1600"/>
+              </a:spcBef>
+              <a:spcAft>
+                <a:spcPts val="0"/>
+              </a:spcAft>
+              <a:buNone/>
+            </a:pPr>
+            <a:endParaRPr sz="1600"/>
+          </a:p>
+          <a:p>
+            <a:pPr marL="0" lvl="0" indent="0" algn="l" rtl="0">
               <a:spcBef>
                 <a:spcPts val="1600"/>
               </a:spcBef>
@@ -8422,36 +8647,21 @@
               <a:buNone/>
             </a:pPr>
             <a:r>
-              <a:t/>
-            </a:r>
-            <a:endParaRPr sz="1600"/>
-          </a:p>
-          <a:p>
-            <a:pPr indent="0" lvl="0" marL="0" rtl="0" algn="l">
-              <a:spcBef>
-                <a:spcPts val="1600"/>
-              </a:spcBef>
-              <a:spcAft>
-                <a:spcPts val="0"/>
-              </a:spcAft>
-              <a:buNone/>
-            </a:pPr>
-            <a:r>
-              <a:rPr b="1" lang="en" sz="2100">
+              <a:rPr lang="en" sz="2100" b="1">
                 <a:solidFill>
                   <a:schemeClr val="dk1"/>
                 </a:solidFill>
               </a:rPr>
               <a:t> </a:t>
             </a:r>
-            <a:endParaRPr b="1" sz="2100">
+            <a:endParaRPr sz="2100" b="1">
               <a:solidFill>
                 <a:schemeClr val="dk1"/>
               </a:solidFill>
             </a:endParaRPr>
           </a:p>
           <a:p>
-            <a:pPr indent="0" lvl="0" marL="0" rtl="0" algn="l">
+            <a:pPr marL="0" lvl="0" indent="0" algn="l" rtl="0">
               <a:spcBef>
                 <a:spcPts val="1600"/>
               </a:spcBef>
@@ -8460,13 +8670,10 @@
               </a:spcAft>
               <a:buNone/>
             </a:pPr>
-            <a:r>
-              <a:t/>
-            </a:r>
             <a:endParaRPr sz="1600"/>
           </a:p>
           <a:p>
-            <a:pPr indent="0" lvl="0" marL="0" rtl="0" algn="l">
+            <a:pPr marL="0" lvl="0" indent="0" algn="l" rtl="0">
               <a:spcBef>
                 <a:spcPts val="1600"/>
               </a:spcBef>
@@ -8475,9 +8682,6 @@
               </a:spcAft>
               <a:buNone/>
             </a:pPr>
-            <a:r>
-              <a:t/>
-            </a:r>
             <a:endParaRPr sz="2400"/>
           </a:p>
         </p:txBody>
@@ -8491,11 +8695,11 @@
 </file>
 
 <file path=ppt/slides/slide12.xml><?xml version="1.0" encoding="utf-8"?>
-<p:sld xmlns:a="http://schemas.openxmlformats.org/drawingml/2006/main" xmlns:r="http://schemas.openxmlformats.org/officeDocument/2006/relationships" xmlns:mc="http://schemas.openxmlformats.org/markup-compatibility/2006" xmlns:mv="urn:schemas-microsoft-com:mac:vml" xmlns:p="http://schemas.openxmlformats.org/presentationml/2006/main" xmlns:c="http://schemas.openxmlformats.org/drawingml/2006/chart" xmlns:dgm="http://schemas.openxmlformats.org/drawingml/2006/diagram" xmlns:o="urn:schemas-microsoft-com:office:office" xmlns:v="urn:schemas-microsoft-com:vml" xmlns:pvml="urn:schemas-microsoft-com:office:powerpoint" xmlns:com="http://schemas.openxmlformats.org/drawingml/2006/compatibility" xmlns:p14="http://schemas.microsoft.com/office/powerpoint/2010/main" xmlns:p15="http://schemas.microsoft.com/office/powerpoint/2012/main" xmlns:ahyp="http://schemas.microsoft.com/office/drawing/2018/hyperlinkcolor">
+<p:sld xmlns:a="http://schemas.openxmlformats.org/drawingml/2006/main" xmlns:r="http://schemas.openxmlformats.org/officeDocument/2006/relationships" xmlns:p="http://schemas.openxmlformats.org/presentationml/2006/main">
   <p:cSld>
     <p:spTree>
       <p:nvGrpSpPr>
-        <p:cNvPr id="151" name="Shape 151"/>
+        <p:cNvPr id="1" name="Shape 151"/>
         <p:cNvGrpSpPr/>
         <p:nvPr/>
       </p:nvGrpSpPr>
@@ -8510,7 +8714,9 @@
       <p:sp>
         <p:nvSpPr>
           <p:cNvPr id="152" name="Google Shape;152;p24"/>
-          <p:cNvSpPr txBox="1"/>
+          <p:cNvSpPr txBox="1">
+            <a:spLocks noGrp="1"/>
+          </p:cNvSpPr>
           <p:nvPr>
             <p:ph type="title"/>
           </p:nvPr>
@@ -8525,12 +8731,12 @@
           </a:prstGeom>
         </p:spPr>
         <p:txBody>
-          <a:bodyPr anchorCtr="0" anchor="t" bIns="91425" lIns="91425" spcFirstLastPara="1" rIns="91425" wrap="square" tIns="91425">
+          <a:bodyPr spcFirstLastPara="1" wrap="square" lIns="91425" tIns="91425" rIns="91425" bIns="91425" anchor="t" anchorCtr="0">
             <a:noAutofit/>
           </a:bodyPr>
           <a:lstStyle/>
           <a:p>
-            <a:pPr indent="0" lvl="0" marL="0" rtl="0" algn="l">
+            <a:pPr marL="0" lvl="0" indent="0" algn="l" rtl="0">
               <a:spcBef>
                 <a:spcPts val="0"/>
               </a:spcBef>
@@ -8550,9 +8756,11 @@
       <p:sp>
         <p:nvSpPr>
           <p:cNvPr id="153" name="Google Shape;153;p24"/>
-          <p:cNvSpPr txBox="1"/>
+          <p:cNvSpPr txBox="1">
+            <a:spLocks noGrp="1"/>
+          </p:cNvSpPr>
           <p:nvPr>
-            <p:ph idx="1" type="body"/>
+            <p:ph type="body" idx="1"/>
           </p:nvPr>
         </p:nvSpPr>
         <p:spPr>
@@ -8565,12 +8773,12 @@
           </a:prstGeom>
         </p:spPr>
         <p:txBody>
-          <a:bodyPr anchorCtr="0" anchor="t" bIns="91425" lIns="91425" spcFirstLastPara="1" rIns="91425" wrap="square" tIns="91425">
+          <a:bodyPr spcFirstLastPara="1" wrap="square" lIns="91425" tIns="91425" rIns="91425" bIns="91425" anchor="t" anchorCtr="0">
             <a:noAutofit/>
           </a:bodyPr>
           <a:lstStyle/>
           <a:p>
-            <a:pPr indent="0" lvl="0" marL="0" rtl="0" algn="l">
+            <a:pPr marL="0" lvl="0" indent="0" algn="l" rtl="0">
               <a:spcBef>
                 <a:spcPts val="0"/>
               </a:spcBef>
@@ -8580,21 +8788,21 @@
               <a:buNone/>
             </a:pPr>
             <a:r>
-              <a:rPr b="1" lang="en" sz="2100">
+              <a:rPr lang="en" sz="2100" b="1" dirty="0">
                 <a:solidFill>
                   <a:schemeClr val="dk1"/>
                 </a:solidFill>
               </a:rPr>
               <a:t>Explore Military Status Conflicts</a:t>
             </a:r>
-            <a:endParaRPr b="1" sz="2100">
+            <a:endParaRPr sz="2100" b="1" dirty="0">
               <a:solidFill>
                 <a:schemeClr val="dk1"/>
               </a:solidFill>
             </a:endParaRPr>
           </a:p>
           <a:p>
-            <a:pPr indent="0" lvl="0" marL="0" rtl="0" algn="l">
+            <a:pPr marL="0" lvl="0" indent="0" algn="l" rtl="0">
               <a:spcBef>
                 <a:spcPts val="1600"/>
               </a:spcBef>
@@ -8604,13 +8812,13 @@
               <a:buNone/>
             </a:pPr>
             <a:r>
-              <a:rPr lang="en" sz="1600"/>
+              <a:rPr lang="en" sz="1600" dirty="0"/>
               <a:t>There are a several enumerations in the military status column that appear in the employee data but not the applicant data.</a:t>
             </a:r>
-            <a:endParaRPr sz="1600"/>
-          </a:p>
-          <a:p>
-            <a:pPr indent="0" lvl="0" marL="0" rtl="0" algn="l">
+            <a:endParaRPr sz="1600" dirty="0"/>
+          </a:p>
+          <a:p>
+            <a:pPr marL="0" lvl="0" indent="0" algn="l" rtl="0">
               <a:spcBef>
                 <a:spcPts val="1600"/>
               </a:spcBef>
@@ -8620,21 +8828,21 @@
               <a:buNone/>
             </a:pPr>
             <a:r>
-              <a:rPr b="1" lang="en" sz="2100">
+              <a:rPr lang="en" sz="2100" b="1" dirty="0">
                 <a:solidFill>
                   <a:schemeClr val="dk1"/>
                 </a:solidFill>
               </a:rPr>
               <a:t>Expand groupings to EEO-6 Categories</a:t>
             </a:r>
-            <a:endParaRPr b="1" sz="2100">
+            <a:endParaRPr sz="2100" b="1" dirty="0">
               <a:solidFill>
                 <a:schemeClr val="dk1"/>
               </a:solidFill>
             </a:endParaRPr>
           </a:p>
           <a:p>
-            <a:pPr indent="0" lvl="0" marL="0" rtl="0" algn="l">
+            <a:pPr marL="0" lvl="0" indent="0" algn="l" rtl="0">
               <a:spcBef>
                 <a:spcPts val="1600"/>
               </a:spcBef>
@@ -8644,13 +8852,58 @@
               <a:buNone/>
             </a:pPr>
             <a:r>
-              <a:rPr lang="en" sz="1600"/>
+              <a:rPr lang="en" sz="1600" dirty="0"/>
               <a:t>The process for job family grouping could be repeated using the EEO-6 designations.</a:t>
             </a:r>
-            <a:endParaRPr sz="1600"/>
-          </a:p>
-          <a:p>
-            <a:pPr indent="0" lvl="0" marL="0" rtl="0" algn="l">
+          </a:p>
+          <a:p>
+            <a:pPr marL="0" lvl="0" indent="0" algn="l" rtl="0">
+              <a:spcBef>
+                <a:spcPts val="1600"/>
+              </a:spcBef>
+              <a:spcAft>
+                <a:spcPts val="0"/>
+              </a:spcAft>
+              <a:buNone/>
+            </a:pPr>
+            <a:r>
+              <a:rPr lang="en-US" sz="2100" b="1" dirty="0">
+                <a:solidFill>
+                  <a:schemeClr val="dk1"/>
+                </a:solidFill>
+              </a:rPr>
+              <a:t>Explore applicant status</a:t>
+            </a:r>
+          </a:p>
+          <a:p>
+            <a:pPr marL="0" lvl="0" indent="0" algn="l" rtl="0">
+              <a:spcBef>
+                <a:spcPts val="1600"/>
+              </a:spcBef>
+              <a:spcAft>
+                <a:spcPts val="0"/>
+              </a:spcAft>
+              <a:buNone/>
+            </a:pPr>
+            <a:r>
+              <a:rPr lang="en-US" sz="1600" dirty="0"/>
+              <a:t>The applicant status column could reveal useful context.</a:t>
+            </a:r>
+          </a:p>
+          <a:p>
+            <a:pPr marL="0" lvl="0" indent="0" algn="l" rtl="0">
+              <a:spcBef>
+                <a:spcPts val="1600"/>
+              </a:spcBef>
+              <a:spcAft>
+                <a:spcPts val="0"/>
+              </a:spcAft>
+              <a:buNone/>
+            </a:pPr>
+            <a:endParaRPr sz="1600" dirty="0"/>
+          </a:p>
+          <a:p>
+            <a:pPr marL="0" lvl="0" indent="0" algn="l" rtl="0">
               <a:spcBef>
                 <a:spcPts val="1600"/>
               </a:spcBef>
@@ -8664,13 +8917,10 @@
               <a:buFont typeface="Arial"/>
               <a:buNone/>
             </a:pPr>
-            <a:r>
-              <a:t/>
-            </a:r>
-            <a:endParaRPr sz="1600"/>
-          </a:p>
-          <a:p>
-            <a:pPr indent="0" lvl="0" marL="0" rtl="0" algn="l">
+            <a:endParaRPr sz="1600" dirty="0"/>
+          </a:p>
+          <a:p>
+            <a:pPr marL="0" lvl="0" indent="0" algn="l" rtl="0">
               <a:spcBef>
                 <a:spcPts val="1600"/>
               </a:spcBef>
@@ -8680,21 +8930,21 @@
               <a:buNone/>
             </a:pPr>
             <a:r>
-              <a:rPr b="1" lang="en" sz="2100">
+              <a:rPr lang="en" sz="2100" b="1" dirty="0">
                 <a:solidFill>
                   <a:schemeClr val="dk1"/>
                 </a:solidFill>
               </a:rPr>
               <a:t> </a:t>
             </a:r>
-            <a:endParaRPr b="1" sz="2100">
+            <a:endParaRPr sz="2100" b="1" dirty="0">
               <a:solidFill>
                 <a:schemeClr val="dk1"/>
               </a:solidFill>
             </a:endParaRPr>
           </a:p>
           <a:p>
-            <a:pPr indent="0" lvl="0" marL="0" rtl="0" algn="l">
+            <a:pPr marL="0" lvl="0" indent="0" algn="l" rtl="0">
               <a:spcBef>
                 <a:spcPts val="1600"/>
               </a:spcBef>
@@ -8703,13 +8953,10 @@
               </a:spcAft>
               <a:buNone/>
             </a:pPr>
-            <a:r>
-              <a:t/>
-            </a:r>
-            <a:endParaRPr sz="1600"/>
-          </a:p>
-          <a:p>
-            <a:pPr indent="0" lvl="0" marL="0" rtl="0" algn="l">
+            <a:endParaRPr sz="1600" dirty="0"/>
+          </a:p>
+          <a:p>
+            <a:pPr marL="0" lvl="0" indent="0" algn="l" rtl="0">
               <a:spcBef>
                 <a:spcPts val="1600"/>
               </a:spcBef>
@@ -8718,10 +8965,7 @@
               </a:spcAft>
               <a:buNone/>
             </a:pPr>
-            <a:r>
-              <a:t/>
-            </a:r>
-            <a:endParaRPr sz="2400"/>
+            <a:endParaRPr sz="2400" dirty="0"/>
           </a:p>
         </p:txBody>
       </p:sp>
@@ -8734,11 +8978,11 @@
 </file>
 
 <file path=ppt/slides/slide13.xml><?xml version="1.0" encoding="utf-8"?>
-<p:sld xmlns:a="http://schemas.openxmlformats.org/drawingml/2006/main" xmlns:r="http://schemas.openxmlformats.org/officeDocument/2006/relationships" xmlns:mc="http://schemas.openxmlformats.org/markup-compatibility/2006" xmlns:mv="urn:schemas-microsoft-com:mac:vml" xmlns:p="http://schemas.openxmlformats.org/presentationml/2006/main" xmlns:c="http://schemas.openxmlformats.org/drawingml/2006/chart" xmlns:dgm="http://schemas.openxmlformats.org/drawingml/2006/diagram" xmlns:o="urn:schemas-microsoft-com:office:office" xmlns:v="urn:schemas-microsoft-com:vml" xmlns:pvml="urn:schemas-microsoft-com:office:powerpoint" xmlns:com="http://schemas.openxmlformats.org/drawingml/2006/compatibility" xmlns:p14="http://schemas.microsoft.com/office/powerpoint/2010/main" xmlns:p15="http://schemas.microsoft.com/office/powerpoint/2012/main" xmlns:ahyp="http://schemas.microsoft.com/office/drawing/2018/hyperlinkcolor">
+<p:sld xmlns:a="http://schemas.openxmlformats.org/drawingml/2006/main" xmlns:r="http://schemas.openxmlformats.org/officeDocument/2006/relationships" xmlns:p="http://schemas.openxmlformats.org/presentationml/2006/main">
   <p:cSld>
     <p:spTree>
       <p:nvGrpSpPr>
-        <p:cNvPr id="157" name="Shape 157"/>
+        <p:cNvPr id="1" name="Shape 157"/>
         <p:cNvGrpSpPr/>
         <p:nvPr/>
       </p:nvGrpSpPr>
@@ -8753,7 +8997,9 @@
       <p:sp>
         <p:nvSpPr>
           <p:cNvPr id="158" name="Google Shape;158;p25"/>
-          <p:cNvSpPr txBox="1"/>
+          <p:cNvSpPr txBox="1">
+            <a:spLocks noGrp="1"/>
+          </p:cNvSpPr>
           <p:nvPr>
             <p:ph type="title"/>
           </p:nvPr>
@@ -8768,12 +9014,12 @@
           </a:prstGeom>
         </p:spPr>
         <p:txBody>
-          <a:bodyPr anchorCtr="0" anchor="t" bIns="91425" lIns="91425" spcFirstLastPara="1" rIns="91425" wrap="square" tIns="91425">
+          <a:bodyPr spcFirstLastPara="1" wrap="square" lIns="91425" tIns="91425" rIns="91425" bIns="91425" anchor="t" anchorCtr="0">
             <a:noAutofit/>
           </a:bodyPr>
           <a:lstStyle/>
           <a:p>
-            <a:pPr indent="0" lvl="0" marL="0" rtl="0" algn="l">
+            <a:pPr marL="0" lvl="0" indent="0" algn="l" rtl="0">
               <a:spcBef>
                 <a:spcPts val="0"/>
               </a:spcBef>
@@ -8793,9 +9039,11 @@
       <p:sp>
         <p:nvSpPr>
           <p:cNvPr id="159" name="Google Shape;159;p25"/>
-          <p:cNvSpPr txBox="1"/>
+          <p:cNvSpPr txBox="1">
+            <a:spLocks noGrp="1"/>
+          </p:cNvSpPr>
           <p:nvPr>
-            <p:ph idx="1" type="body"/>
+            <p:ph type="body" idx="1"/>
           </p:nvPr>
         </p:nvSpPr>
         <p:spPr>
@@ -8808,12 +9056,12 @@
           </a:prstGeom>
         </p:spPr>
         <p:txBody>
-          <a:bodyPr anchorCtr="0" anchor="t" bIns="91425" lIns="91425" spcFirstLastPara="1" rIns="91425" wrap="square" tIns="91425">
+          <a:bodyPr spcFirstLastPara="1" wrap="square" lIns="91425" tIns="91425" rIns="91425" bIns="91425" anchor="t" anchorCtr="0">
             <a:noAutofit/>
           </a:bodyPr>
           <a:lstStyle/>
           <a:p>
-            <a:pPr indent="0" lvl="0" marL="0" rtl="0" algn="l">
+            <a:pPr marL="0" lvl="0" indent="0" algn="l" rtl="0">
               <a:spcBef>
                 <a:spcPts val="0"/>
               </a:spcBef>
@@ -8823,37 +9071,21 @@
               <a:buNone/>
             </a:pPr>
             <a:r>
-              <a:rPr b="1" lang="en" sz="2100">
+              <a:rPr lang="en" sz="2100" b="1">
                 <a:solidFill>
                   <a:schemeClr val="dk1"/>
                 </a:solidFill>
               </a:rPr>
-              <a:t>Automate </a:t>
+              <a:t>Automate Retrieval and Attention Metrics</a:t>
             </a:r>
-            <a:r>
-              <a:rPr b="1" lang="en" sz="2100">
-                <a:solidFill>
-                  <a:schemeClr val="dk1"/>
-                </a:solidFill>
-              </a:rPr>
-              <a:t>Retrieval</a:t>
-            </a:r>
-            <a:r>
-              <a:rPr b="1" lang="en" sz="2100">
-                <a:solidFill>
-                  <a:schemeClr val="dk1"/>
-                </a:solidFill>
-              </a:rPr>
-              <a:t> and Attention Metrics</a:t>
-            </a:r>
-            <a:endParaRPr b="1" sz="2100">
+            <a:endParaRPr sz="2100" b="1">
               <a:solidFill>
                 <a:schemeClr val="dk1"/>
               </a:solidFill>
             </a:endParaRPr>
           </a:p>
           <a:p>
-            <a:pPr indent="0" lvl="0" marL="0" rtl="0" algn="l">
+            <a:pPr marL="0" lvl="0" indent="0" algn="l" rtl="0">
               <a:spcBef>
                 <a:spcPts val="1600"/>
               </a:spcBef>
@@ -8864,32 +9096,16 @@
             </a:pPr>
             <a:r>
               <a:rPr lang="en" sz="1600"/>
-              <a:t>Assuming this data is updated at </a:t>
+              <a:t>Assuming this data is updated at regular intervals, creating a system to pull the information and track attention area metrics regularly could help with tracking updates to hiring policies.</a:t>
             </a:r>
-            <a:r>
-              <a:rPr lang="en" sz="1600"/>
-              <a:t>regular</a:t>
-            </a:r>
-            <a:r>
-              <a:rPr lang="en" sz="1600"/>
-              <a:t> intervals, creating a system to pull the information and track attention area metrics </a:t>
-            </a:r>
-            <a:r>
-              <a:rPr lang="en" sz="1600"/>
-              <a:t>regularly</a:t>
-            </a:r>
-            <a:r>
-              <a:rPr lang="en" sz="1600"/>
-              <a:t> could help with tracking updates to hiring policies.</a:t>
-            </a:r>
-            <a:endParaRPr b="1" sz="2100">
+            <a:endParaRPr sz="2100" b="1">
               <a:solidFill>
                 <a:schemeClr val="dk1"/>
               </a:solidFill>
             </a:endParaRPr>
           </a:p>
           <a:p>
-            <a:pPr indent="0" lvl="0" marL="0" rtl="0" algn="l">
+            <a:pPr marL="0" lvl="0" indent="0" algn="l" rtl="0">
               <a:spcBef>
                 <a:spcPts val="1600"/>
               </a:spcBef>
@@ -8899,21 +9115,21 @@
               <a:buNone/>
             </a:pPr>
             <a:r>
-              <a:rPr b="1" lang="en" sz="2100">
+              <a:rPr lang="en" sz="2100" b="1">
                 <a:solidFill>
                   <a:schemeClr val="dk1"/>
                 </a:solidFill>
               </a:rPr>
               <a:t> </a:t>
             </a:r>
-            <a:endParaRPr b="1" sz="2100">
+            <a:endParaRPr sz="2100" b="1">
               <a:solidFill>
                 <a:schemeClr val="dk1"/>
               </a:solidFill>
             </a:endParaRPr>
           </a:p>
           <a:p>
-            <a:pPr indent="0" lvl="0" marL="0" rtl="0" algn="l">
+            <a:pPr marL="0" lvl="0" indent="0" algn="l" rtl="0">
               <a:spcBef>
                 <a:spcPts val="1600"/>
               </a:spcBef>
@@ -8922,13 +9138,10 @@
               </a:spcAft>
               <a:buNone/>
             </a:pPr>
-            <a:r>
-              <a:t/>
-            </a:r>
             <a:endParaRPr sz="1600"/>
           </a:p>
           <a:p>
-            <a:pPr indent="0" lvl="0" marL="0" rtl="0" algn="l">
+            <a:pPr marL="0" lvl="0" indent="0" algn="l" rtl="0">
               <a:spcBef>
                 <a:spcPts val="1600"/>
               </a:spcBef>
@@ -8937,9 +9150,6 @@
               </a:spcAft>
               <a:buNone/>
             </a:pPr>
-            <a:r>
-              <a:t/>
-            </a:r>
             <a:endParaRPr sz="2400"/>
           </a:p>
         </p:txBody>
@@ -8953,11 +9163,11 @@
 </file>
 
 <file path=ppt/slides/slide14.xml><?xml version="1.0" encoding="utf-8"?>
-<p:sld xmlns:a="http://schemas.openxmlformats.org/drawingml/2006/main" xmlns:r="http://schemas.openxmlformats.org/officeDocument/2006/relationships" xmlns:mc="http://schemas.openxmlformats.org/markup-compatibility/2006" xmlns:mv="urn:schemas-microsoft-com:mac:vml" xmlns:p="http://schemas.openxmlformats.org/presentationml/2006/main" xmlns:c="http://schemas.openxmlformats.org/drawingml/2006/chart" xmlns:dgm="http://schemas.openxmlformats.org/drawingml/2006/diagram" xmlns:o="urn:schemas-microsoft-com:office:office" xmlns:v="urn:schemas-microsoft-com:vml" xmlns:pvml="urn:schemas-microsoft-com:office:powerpoint" xmlns:com="http://schemas.openxmlformats.org/drawingml/2006/compatibility" xmlns:p14="http://schemas.microsoft.com/office/powerpoint/2010/main" xmlns:p15="http://schemas.microsoft.com/office/powerpoint/2012/main" xmlns:ahyp="http://schemas.microsoft.com/office/drawing/2018/hyperlinkcolor">
+<p:sld xmlns:a="http://schemas.openxmlformats.org/drawingml/2006/main" xmlns:r="http://schemas.openxmlformats.org/officeDocument/2006/relationships" xmlns:p="http://schemas.openxmlformats.org/presentationml/2006/main">
   <p:cSld>
     <p:spTree>
       <p:nvGrpSpPr>
-        <p:cNvPr id="163" name="Shape 163"/>
+        <p:cNvPr id="1" name="Shape 163"/>
         <p:cNvGrpSpPr/>
         <p:nvPr/>
       </p:nvGrpSpPr>
@@ -8972,7 +9182,9 @@
       <p:sp>
         <p:nvSpPr>
           <p:cNvPr id="164" name="Google Shape;164;p26"/>
-          <p:cNvSpPr txBox="1"/>
+          <p:cNvSpPr txBox="1">
+            <a:spLocks noGrp="1"/>
+          </p:cNvSpPr>
           <p:nvPr>
             <p:ph type="title"/>
           </p:nvPr>
@@ -8987,12 +9199,12 @@
           </a:prstGeom>
         </p:spPr>
         <p:txBody>
-          <a:bodyPr anchorCtr="0" anchor="t" bIns="91425" lIns="91425" spcFirstLastPara="1" rIns="91425" wrap="square" tIns="91425">
+          <a:bodyPr spcFirstLastPara="1" wrap="square" lIns="91425" tIns="91425" rIns="91425" bIns="91425" anchor="t" anchorCtr="0">
             <a:noAutofit/>
           </a:bodyPr>
           <a:lstStyle/>
           <a:p>
-            <a:pPr indent="0" lvl="0" marL="0" rtl="0" algn="l">
+            <a:pPr marL="0" lvl="0" indent="0" algn="l" rtl="0">
               <a:spcBef>
                 <a:spcPts val="0"/>
               </a:spcBef>
@@ -9012,9 +9224,11 @@
       <p:sp>
         <p:nvSpPr>
           <p:cNvPr id="165" name="Google Shape;165;p26"/>
-          <p:cNvSpPr txBox="1"/>
+          <p:cNvSpPr txBox="1">
+            <a:spLocks noGrp="1"/>
+          </p:cNvSpPr>
           <p:nvPr>
-            <p:ph idx="1" type="body"/>
+            <p:ph type="body" idx="1"/>
           </p:nvPr>
         </p:nvSpPr>
         <p:spPr>
@@ -9027,12 +9241,12 @@
           </a:prstGeom>
         </p:spPr>
         <p:txBody>
-          <a:bodyPr anchorCtr="0" anchor="t" bIns="91425" lIns="91425" spcFirstLastPara="1" rIns="91425" wrap="square" tIns="91425">
+          <a:bodyPr spcFirstLastPara="1" wrap="square" lIns="91425" tIns="91425" rIns="91425" bIns="91425" anchor="t" anchorCtr="0">
             <a:noAutofit/>
           </a:bodyPr>
           <a:lstStyle/>
           <a:p>
-            <a:pPr indent="0" lvl="0" marL="0" rtl="0" algn="l">
+            <a:pPr marL="0" lvl="0" indent="0" algn="l" rtl="0">
               <a:spcBef>
                 <a:spcPts val="0"/>
               </a:spcBef>
@@ -9042,7 +9256,7 @@
               <a:buNone/>
             </a:pPr>
             <a:r>
-              <a:rPr lang="en" u="sng">
+              <a:rPr lang="en" u="sng" dirty="0">
                 <a:solidFill>
                   <a:schemeClr val="hlink"/>
                 </a:solidFill>
@@ -9050,10 +9264,10 @@
               </a:rPr>
               <a:t>Dashboard</a:t>
             </a:r>
-            <a:endParaRPr/>
-          </a:p>
-          <a:p>
-            <a:pPr indent="0" lvl="0" marL="0" rtl="0" algn="l">
+            <a:endParaRPr dirty="0"/>
+          </a:p>
+          <a:p>
+            <a:pPr marL="0" lvl="0" indent="0" algn="l" rtl="0">
               <a:spcBef>
                 <a:spcPts val="1600"/>
               </a:spcBef>
@@ -9063,7 +9277,7 @@
               <a:buNone/>
             </a:pPr>
             <a:r>
-              <a:rPr lang="en" u="sng">
+              <a:rPr lang="en" u="sng" dirty="0">
                 <a:solidFill>
                   <a:schemeClr val="hlink"/>
                 </a:solidFill>
@@ -9071,7 +9285,7 @@
               </a:rPr>
               <a:t>Git repository</a:t>
             </a:r>
-            <a:endParaRPr/>
+            <a:endParaRPr dirty="0"/>
           </a:p>
         </p:txBody>
       </p:sp>
@@ -9084,11 +9298,11 @@
 </file>
 
 <file path=ppt/slides/slide2.xml><?xml version="1.0" encoding="utf-8"?>
-<p:sld xmlns:a="http://schemas.openxmlformats.org/drawingml/2006/main" xmlns:r="http://schemas.openxmlformats.org/officeDocument/2006/relationships" xmlns:mc="http://schemas.openxmlformats.org/markup-compatibility/2006" xmlns:mv="urn:schemas-microsoft-com:mac:vml" xmlns:p="http://schemas.openxmlformats.org/presentationml/2006/main" xmlns:c="http://schemas.openxmlformats.org/drawingml/2006/chart" xmlns:dgm="http://schemas.openxmlformats.org/drawingml/2006/diagram" xmlns:o="urn:schemas-microsoft-com:office:office" xmlns:v="urn:schemas-microsoft-com:vml" xmlns:pvml="urn:schemas-microsoft-com:office:powerpoint" xmlns:com="http://schemas.openxmlformats.org/drawingml/2006/compatibility" xmlns:p14="http://schemas.microsoft.com/office/powerpoint/2010/main" xmlns:p15="http://schemas.microsoft.com/office/powerpoint/2012/main" xmlns:ahyp="http://schemas.microsoft.com/office/drawing/2018/hyperlinkcolor">
+<p:sld xmlns:a="http://schemas.openxmlformats.org/drawingml/2006/main" xmlns:r="http://schemas.openxmlformats.org/officeDocument/2006/relationships" xmlns:p="http://schemas.openxmlformats.org/presentationml/2006/main">
   <p:cSld>
     <p:spTree>
       <p:nvGrpSpPr>
-        <p:cNvPr id="77" name="Shape 77"/>
+        <p:cNvPr id="1" name="Shape 77"/>
         <p:cNvGrpSpPr/>
         <p:nvPr/>
       </p:nvGrpSpPr>
@@ -9103,7 +9317,9 @@
       <p:sp>
         <p:nvSpPr>
           <p:cNvPr id="78" name="Google Shape;78;p14"/>
-          <p:cNvSpPr txBox="1"/>
+          <p:cNvSpPr txBox="1">
+            <a:spLocks noGrp="1"/>
+          </p:cNvSpPr>
           <p:nvPr>
             <p:ph type="title"/>
           </p:nvPr>
@@ -9118,12 +9334,12 @@
           </a:prstGeom>
         </p:spPr>
         <p:txBody>
-          <a:bodyPr anchorCtr="0" anchor="b" bIns="91425" lIns="91425" spcFirstLastPara="1" rIns="91425" wrap="square" tIns="91425">
+          <a:bodyPr spcFirstLastPara="1" wrap="square" lIns="91425" tIns="91425" rIns="91425" bIns="91425" anchor="b" anchorCtr="0">
             <a:noAutofit/>
           </a:bodyPr>
           <a:lstStyle/>
           <a:p>
-            <a:pPr indent="0" lvl="0" marL="0" rtl="0" algn="ctr">
+            <a:pPr marL="0" lvl="0" indent="0" algn="ctr" rtl="0">
               <a:spcBef>
                 <a:spcPts val="0"/>
               </a:spcBef>
@@ -9143,9 +9359,11 @@
       <p:sp>
         <p:nvSpPr>
           <p:cNvPr id="79" name="Google Shape;79;p14"/>
-          <p:cNvSpPr txBox="1"/>
+          <p:cNvSpPr txBox="1">
+            <a:spLocks noGrp="1"/>
+          </p:cNvSpPr>
           <p:nvPr>
-            <p:ph idx="1" type="subTitle"/>
+            <p:ph type="subTitle" idx="1"/>
           </p:nvPr>
         </p:nvSpPr>
         <p:spPr>
@@ -9158,12 +9376,12 @@
           </a:prstGeom>
         </p:spPr>
         <p:txBody>
-          <a:bodyPr anchorCtr="0" anchor="t" bIns="91425" lIns="91425" spcFirstLastPara="1" rIns="91425" wrap="square" tIns="91425">
+          <a:bodyPr spcFirstLastPara="1" wrap="square" lIns="91425" tIns="91425" rIns="91425" bIns="91425" anchor="t" anchorCtr="0">
             <a:noAutofit/>
           </a:bodyPr>
           <a:lstStyle/>
           <a:p>
-            <a:pPr indent="0" lvl="0" marL="0" rtl="0" algn="ctr">
+            <a:pPr marL="0" lvl="0" indent="0" algn="ctr" rtl="0">
               <a:spcBef>
                 <a:spcPts val="0"/>
               </a:spcBef>
@@ -9183,9 +9401,11 @@
       <p:sp>
         <p:nvSpPr>
           <p:cNvPr id="80" name="Google Shape;80;p14"/>
-          <p:cNvSpPr txBox="1"/>
+          <p:cNvSpPr txBox="1">
+            <a:spLocks noGrp="1"/>
+          </p:cNvSpPr>
           <p:nvPr>
-            <p:ph idx="2" type="body"/>
+            <p:ph type="body" idx="2"/>
           </p:nvPr>
         </p:nvSpPr>
         <p:spPr>
@@ -9198,12 +9418,12 @@
           </a:prstGeom>
         </p:spPr>
         <p:txBody>
-          <a:bodyPr anchorCtr="0" anchor="ctr" bIns="91425" lIns="91425" spcFirstLastPara="1" rIns="91425" wrap="square" tIns="91425">
+          <a:bodyPr spcFirstLastPara="1" wrap="square" lIns="91425" tIns="91425" rIns="91425" bIns="91425" anchor="ctr" anchorCtr="0">
             <a:noAutofit/>
           </a:bodyPr>
           <a:lstStyle/>
           <a:p>
-            <a:pPr indent="0" lvl="0" marL="0" rtl="0" algn="l">
+            <a:pPr marL="0" lvl="0" indent="0" algn="l" rtl="0">
               <a:spcBef>
                 <a:spcPts val="0"/>
               </a:spcBef>
@@ -9213,34 +9433,27 @@
               <a:buNone/>
             </a:pPr>
             <a:r>
-              <a:rPr lang="en"/>
-              <a:t>The </a:t>
+              <a:rPr lang="en" dirty="0"/>
+              <a:t>The entire analysis was created using Python. This ensures each step along the path is repeatable and transparent. </a:t>
             </a:r>
+          </a:p>
+          <a:p>
+            <a:pPr marL="0" indent="0">
+              <a:spcAft>
+                <a:spcPts val="1600"/>
+              </a:spcAft>
+              <a:buNone/>
+            </a:pPr>
             <a:r>
-              <a:rPr lang="en"/>
-              <a:t>entire</a:t>
+              <a:rPr lang="en-US" u="sng" dirty="0">
+                <a:solidFill>
+                  <a:schemeClr val="hlink"/>
+                </a:solidFill>
+                <a:hlinkClick r:id="rId3"/>
+              </a:rPr>
+              <a:t>Git repository</a:t>
             </a:r>
-            <a:r>
-              <a:rPr lang="en"/>
-              <a:t> </a:t>
-            </a:r>
-            <a:r>
-              <a:rPr lang="en"/>
-              <a:t>analysis</a:t>
-            </a:r>
-            <a:r>
-              <a:rPr lang="en"/>
-              <a:t> was created using Python. This ensures each step along the path is </a:t>
-            </a:r>
-            <a:r>
-              <a:rPr lang="en"/>
-              <a:t>repeatable and</a:t>
-            </a:r>
-            <a:r>
-              <a:rPr lang="en"/>
-              <a:t> transparent. </a:t>
-            </a:r>
-            <a:endParaRPr/>
+            <a:endParaRPr lang="en-US" dirty="0"/>
           </a:p>
         </p:txBody>
       </p:sp>
@@ -9253,11 +9466,11 @@
 </file>
 
 <file path=ppt/slides/slide3.xml><?xml version="1.0" encoding="utf-8"?>
-<p:sld xmlns:a="http://schemas.openxmlformats.org/drawingml/2006/main" xmlns:r="http://schemas.openxmlformats.org/officeDocument/2006/relationships" xmlns:mc="http://schemas.openxmlformats.org/markup-compatibility/2006" xmlns:mv="urn:schemas-microsoft-com:mac:vml" xmlns:p="http://schemas.openxmlformats.org/presentationml/2006/main" xmlns:c="http://schemas.openxmlformats.org/drawingml/2006/chart" xmlns:dgm="http://schemas.openxmlformats.org/drawingml/2006/diagram" xmlns:o="urn:schemas-microsoft-com:office:office" xmlns:v="urn:schemas-microsoft-com:vml" xmlns:pvml="urn:schemas-microsoft-com:office:powerpoint" xmlns:com="http://schemas.openxmlformats.org/drawingml/2006/compatibility" xmlns:p14="http://schemas.microsoft.com/office/powerpoint/2010/main" xmlns:p15="http://schemas.microsoft.com/office/powerpoint/2012/main" xmlns:ahyp="http://schemas.microsoft.com/office/drawing/2018/hyperlinkcolor">
+<p:sld xmlns:a="http://schemas.openxmlformats.org/drawingml/2006/main" xmlns:r="http://schemas.openxmlformats.org/officeDocument/2006/relationships" xmlns:p="http://schemas.openxmlformats.org/presentationml/2006/main">
   <p:cSld>
     <p:spTree>
       <p:nvGrpSpPr>
-        <p:cNvPr id="84" name="Shape 84"/>
+        <p:cNvPr id="1" name="Shape 84"/>
         <p:cNvGrpSpPr/>
         <p:nvPr/>
       </p:nvGrpSpPr>
@@ -9272,7 +9485,9 @@
       <p:sp>
         <p:nvSpPr>
           <p:cNvPr id="85" name="Google Shape;85;p15"/>
-          <p:cNvSpPr txBox="1"/>
+          <p:cNvSpPr txBox="1">
+            <a:spLocks noGrp="1"/>
+          </p:cNvSpPr>
           <p:nvPr>
             <p:ph type="title"/>
           </p:nvPr>
@@ -9287,12 +9502,12 @@
           </a:prstGeom>
         </p:spPr>
         <p:txBody>
-          <a:bodyPr anchorCtr="0" anchor="ctr" bIns="91425" lIns="91425" spcFirstLastPara="1" rIns="91425" wrap="square" tIns="91425">
+          <a:bodyPr spcFirstLastPara="1" wrap="square" lIns="91425" tIns="91425" rIns="91425" bIns="91425" anchor="ctr" anchorCtr="0">
             <a:noAutofit/>
           </a:bodyPr>
           <a:lstStyle/>
           <a:p>
-            <a:pPr indent="0" lvl="0" marL="0" rtl="0" algn="ctr">
+            <a:pPr marL="0" lvl="0" indent="0" algn="ctr" rtl="0">
               <a:spcBef>
                 <a:spcPts val="0"/>
               </a:spcBef>
@@ -9312,9 +9527,11 @@
       <p:sp>
         <p:nvSpPr>
           <p:cNvPr id="86" name="Google Shape;86;p15"/>
-          <p:cNvSpPr txBox="1"/>
+          <p:cNvSpPr txBox="1">
+            <a:spLocks noGrp="1"/>
+          </p:cNvSpPr>
           <p:nvPr>
-            <p:ph idx="2" type="body"/>
+            <p:ph type="body" idx="2"/>
           </p:nvPr>
         </p:nvSpPr>
         <p:spPr>
@@ -9327,12 +9544,12 @@
           </a:prstGeom>
         </p:spPr>
         <p:txBody>
-          <a:bodyPr anchorCtr="0" anchor="ctr" bIns="91425" lIns="91425" spcFirstLastPara="1" rIns="91425" wrap="square" tIns="91425">
+          <a:bodyPr spcFirstLastPara="1" wrap="square" lIns="91425" tIns="91425" rIns="91425" bIns="91425" anchor="ctr" anchorCtr="0">
             <a:noAutofit/>
           </a:bodyPr>
           <a:lstStyle/>
           <a:p>
-            <a:pPr indent="0" lvl="0" marL="0" rtl="0" algn="l">
+            <a:pPr marL="0" lvl="0" indent="0" algn="l" rtl="0">
               <a:spcBef>
                 <a:spcPts val="0"/>
               </a:spcBef>
@@ -9342,21 +9559,13 @@
               <a:buNone/>
             </a:pPr>
             <a:r>
-              <a:rPr b="1" lang="en"/>
-              <a:t>1: </a:t>
-            </a:r>
-            <a:r>
-              <a:rPr b="1" lang="en"/>
-              <a:t>Exploratory</a:t>
-            </a:r>
-            <a:r>
-              <a:rPr b="1" lang="en"/>
-              <a:t> Data Analysis (EDA)</a:t>
+              <a:rPr lang="en" b="1"/>
+              <a:t>1: Exploratory Data Analysis (EDA)</a:t>
             </a:r>
             <a:endParaRPr b="1"/>
           </a:p>
           <a:p>
-            <a:pPr indent="0" lvl="0" marL="0" rtl="0" algn="l">
+            <a:pPr marL="0" lvl="0" indent="0" algn="l" rtl="0">
               <a:spcBef>
                 <a:spcPts val="1600"/>
               </a:spcBef>
@@ -9366,13 +9575,13 @@
               <a:buNone/>
             </a:pPr>
             <a:r>
-              <a:rPr b="1" lang="en"/>
+              <a:rPr lang="en" b="1"/>
               <a:t>2: Initial Findings</a:t>
             </a:r>
             <a:endParaRPr b="1"/>
           </a:p>
           <a:p>
-            <a:pPr indent="0" lvl="0" marL="0" rtl="0" algn="l">
+            <a:pPr marL="0" lvl="0" indent="0" algn="l" rtl="0">
               <a:spcBef>
                 <a:spcPts val="1600"/>
               </a:spcBef>
@@ -9382,13 +9591,13 @@
               <a:buNone/>
             </a:pPr>
             <a:r>
-              <a:rPr b="1" lang="en"/>
+              <a:rPr lang="en" b="1"/>
               <a:t>3: Attention Areas</a:t>
             </a:r>
             <a:endParaRPr b="1"/>
           </a:p>
           <a:p>
-            <a:pPr indent="0" lvl="0" marL="0" rtl="0" algn="l">
+            <a:pPr marL="0" lvl="0" indent="0" algn="l" rtl="0">
               <a:spcBef>
                 <a:spcPts val="1600"/>
               </a:spcBef>
@@ -9398,7 +9607,7 @@
               <a:buNone/>
             </a:pPr>
             <a:r>
-              <a:rPr b="1" lang="en"/>
+              <a:rPr lang="en" b="1"/>
               <a:t>4: Next Steps</a:t>
             </a:r>
             <a:endParaRPr b="1"/>
@@ -9414,11 +9623,11 @@
 </file>
 
 <file path=ppt/slides/slide4.xml><?xml version="1.0" encoding="utf-8"?>
-<p:sld xmlns:a="http://schemas.openxmlformats.org/drawingml/2006/main" xmlns:r="http://schemas.openxmlformats.org/officeDocument/2006/relationships" xmlns:mc="http://schemas.openxmlformats.org/markup-compatibility/2006" xmlns:mv="urn:schemas-microsoft-com:mac:vml" xmlns:p="http://schemas.openxmlformats.org/presentationml/2006/main" xmlns:c="http://schemas.openxmlformats.org/drawingml/2006/chart" xmlns:dgm="http://schemas.openxmlformats.org/drawingml/2006/diagram" xmlns:o="urn:schemas-microsoft-com:office:office" xmlns:v="urn:schemas-microsoft-com:vml" xmlns:pvml="urn:schemas-microsoft-com:office:powerpoint" xmlns:com="http://schemas.openxmlformats.org/drawingml/2006/compatibility" xmlns:p14="http://schemas.microsoft.com/office/powerpoint/2010/main" xmlns:p15="http://schemas.microsoft.com/office/powerpoint/2012/main" xmlns:ahyp="http://schemas.microsoft.com/office/drawing/2018/hyperlinkcolor">
+<p:sld xmlns:a="http://schemas.openxmlformats.org/drawingml/2006/main" xmlns:r="http://schemas.openxmlformats.org/officeDocument/2006/relationships" xmlns:p="http://schemas.openxmlformats.org/presentationml/2006/main">
   <p:cSld>
     <p:spTree>
       <p:nvGrpSpPr>
-        <p:cNvPr id="90" name="Shape 90"/>
+        <p:cNvPr id="1" name="Shape 90"/>
         <p:cNvGrpSpPr/>
         <p:nvPr/>
       </p:nvGrpSpPr>
@@ -9433,7 +9642,9 @@
       <p:sp>
         <p:nvSpPr>
           <p:cNvPr id="91" name="Google Shape;91;p16"/>
-          <p:cNvSpPr txBox="1"/>
+          <p:cNvSpPr txBox="1">
+            <a:spLocks noGrp="1"/>
+          </p:cNvSpPr>
           <p:nvPr>
             <p:ph type="title"/>
           </p:nvPr>
@@ -9448,12 +9659,12 @@
           </a:prstGeom>
         </p:spPr>
         <p:txBody>
-          <a:bodyPr anchorCtr="0" anchor="t" bIns="91425" lIns="91425" spcFirstLastPara="1" rIns="91425" wrap="square" tIns="91425">
+          <a:bodyPr spcFirstLastPara="1" wrap="square" lIns="91425" tIns="91425" rIns="91425" bIns="91425" anchor="t" anchorCtr="0">
             <a:noAutofit/>
           </a:bodyPr>
           <a:lstStyle/>
           <a:p>
-            <a:pPr indent="0" lvl="0" marL="0" rtl="0" algn="l">
+            <a:pPr marL="0" lvl="0" indent="0" algn="l" rtl="0">
               <a:spcBef>
                 <a:spcPts val="0"/>
               </a:spcBef>
@@ -9473,9 +9684,11 @@
       <p:sp>
         <p:nvSpPr>
           <p:cNvPr id="92" name="Google Shape;92;p16"/>
-          <p:cNvSpPr txBox="1"/>
+          <p:cNvSpPr txBox="1">
+            <a:spLocks noGrp="1"/>
+          </p:cNvSpPr>
           <p:nvPr>
-            <p:ph idx="1" type="body"/>
+            <p:ph type="body" idx="1"/>
           </p:nvPr>
         </p:nvSpPr>
         <p:spPr>
@@ -9488,12 +9701,12 @@
           </a:prstGeom>
         </p:spPr>
         <p:txBody>
-          <a:bodyPr anchorCtr="0" anchor="t" bIns="91425" lIns="91425" spcFirstLastPara="1" rIns="91425" wrap="square" tIns="91425">
+          <a:bodyPr spcFirstLastPara="1" wrap="square" lIns="91425" tIns="91425" rIns="91425" bIns="91425" anchor="t" anchorCtr="0">
             <a:noAutofit/>
           </a:bodyPr>
           <a:lstStyle/>
           <a:p>
-            <a:pPr indent="0" lvl="0" marL="0" rtl="0" algn="l">
+            <a:pPr marL="0" lvl="0" indent="0" algn="l" rtl="0">
               <a:spcBef>
                 <a:spcPts val="0"/>
               </a:spcBef>
@@ -9503,21 +9716,21 @@
               <a:buNone/>
             </a:pPr>
             <a:r>
-              <a:rPr b="1" lang="en" sz="2100">
+              <a:rPr lang="en" sz="2100" b="1">
                 <a:solidFill>
                   <a:schemeClr val="dk1"/>
                 </a:solidFill>
               </a:rPr>
               <a:t>Redact PII</a:t>
             </a:r>
-            <a:endParaRPr b="1" sz="2100">
+            <a:endParaRPr sz="2100" b="1">
               <a:solidFill>
                 <a:schemeClr val="dk1"/>
               </a:solidFill>
             </a:endParaRPr>
           </a:p>
           <a:p>
-            <a:pPr indent="0" lvl="0" marL="0" rtl="0" algn="l">
+            <a:pPr marL="0" lvl="0" indent="0" algn="l" rtl="0">
               <a:spcBef>
                 <a:spcPts val="1600"/>
               </a:spcBef>
@@ -9528,15 +9741,7 @@
             </a:pPr>
             <a:r>
               <a:rPr lang="en" sz="1600"/>
-              <a:t>Names for employees were removed using Python. All further </a:t>
-            </a:r>
-            <a:r>
-              <a:rPr lang="en" sz="1600"/>
-              <a:t>analysis</a:t>
-            </a:r>
-            <a:r>
-              <a:rPr lang="en" sz="1600"/>
-              <a:t> is conducted using this redacted data set.</a:t>
+              <a:t>Names for employees were removed using Python. All further analysis is conducted using this redacted data set.</a:t>
             </a:r>
             <a:endParaRPr sz="1600"/>
           </a:p>
@@ -9562,12 +9767,12 @@
           </a:ln>
         </p:spPr>
         <p:txBody>
-          <a:bodyPr anchorCtr="0" anchor="t" bIns="91425" lIns="91425" spcFirstLastPara="1" rIns="91425" wrap="square" tIns="91425">
+          <a:bodyPr spcFirstLastPara="1" wrap="square" lIns="91425" tIns="91425" rIns="91425" bIns="91425" anchor="t" anchorCtr="0">
             <a:noAutofit/>
           </a:bodyPr>
           <a:lstStyle/>
           <a:p>
-            <a:pPr indent="0" lvl="0" marL="0" rtl="0" algn="l">
+            <a:pPr marL="0" lvl="0" indent="0" algn="l" rtl="0">
               <a:spcBef>
                 <a:spcPts val="0"/>
               </a:spcBef>
@@ -9604,9 +9809,11 @@
       <p:sp>
         <p:nvSpPr>
           <p:cNvPr id="94" name="Google Shape;94;p16"/>
-          <p:cNvSpPr txBox="1"/>
+          <p:cNvSpPr txBox="1">
+            <a:spLocks noGrp="1"/>
+          </p:cNvSpPr>
           <p:nvPr>
-            <p:ph idx="1" type="body"/>
+            <p:ph type="body" idx="1"/>
           </p:nvPr>
         </p:nvSpPr>
         <p:spPr>
@@ -9619,12 +9826,12 @@
           </a:prstGeom>
         </p:spPr>
         <p:txBody>
-          <a:bodyPr anchorCtr="0" anchor="t" bIns="91425" lIns="91425" spcFirstLastPara="1" rIns="91425" wrap="square" tIns="91425">
+          <a:bodyPr spcFirstLastPara="1" wrap="square" lIns="91425" tIns="91425" rIns="91425" bIns="91425" anchor="t" anchorCtr="0">
             <a:noAutofit/>
           </a:bodyPr>
           <a:lstStyle/>
           <a:p>
-            <a:pPr indent="0" lvl="0" marL="0" rtl="0" algn="l">
+            <a:pPr marL="0" lvl="0" indent="0" algn="l" rtl="0">
               <a:spcBef>
                 <a:spcPts val="0"/>
               </a:spcBef>
@@ -9634,21 +9841,21 @@
               <a:buNone/>
             </a:pPr>
             <a:r>
-              <a:rPr b="1" lang="en" sz="2100">
+              <a:rPr lang="en" sz="2100" b="1">
                 <a:solidFill>
                   <a:schemeClr val="dk1"/>
                 </a:solidFill>
               </a:rPr>
               <a:t>Mil Status</a:t>
             </a:r>
-            <a:endParaRPr b="1" sz="2100">
+            <a:endParaRPr sz="2100" b="1">
               <a:solidFill>
                 <a:schemeClr val="dk1"/>
               </a:solidFill>
             </a:endParaRPr>
           </a:p>
           <a:p>
-            <a:pPr indent="0" lvl="0" marL="0" rtl="0" algn="l">
+            <a:pPr marL="0" lvl="0" indent="0" algn="l" rtl="0">
               <a:spcBef>
                 <a:spcPts val="1600"/>
               </a:spcBef>
@@ -9674,11 +9881,11 @@
 </file>
 
 <file path=ppt/slides/slide5.xml><?xml version="1.0" encoding="utf-8"?>
-<p:sld xmlns:a="http://schemas.openxmlformats.org/drawingml/2006/main" xmlns:r="http://schemas.openxmlformats.org/officeDocument/2006/relationships" xmlns:mc="http://schemas.openxmlformats.org/markup-compatibility/2006" xmlns:mv="urn:schemas-microsoft-com:mac:vml" xmlns:p="http://schemas.openxmlformats.org/presentationml/2006/main" xmlns:c="http://schemas.openxmlformats.org/drawingml/2006/chart" xmlns:dgm="http://schemas.openxmlformats.org/drawingml/2006/diagram" xmlns:o="urn:schemas-microsoft-com:office:office" xmlns:v="urn:schemas-microsoft-com:vml" xmlns:pvml="urn:schemas-microsoft-com:office:powerpoint" xmlns:com="http://schemas.openxmlformats.org/drawingml/2006/compatibility" xmlns:p14="http://schemas.microsoft.com/office/powerpoint/2010/main" xmlns:p15="http://schemas.microsoft.com/office/powerpoint/2012/main" xmlns:ahyp="http://schemas.microsoft.com/office/drawing/2018/hyperlinkcolor">
+<p:sld xmlns:a="http://schemas.openxmlformats.org/drawingml/2006/main" xmlns:r="http://schemas.openxmlformats.org/officeDocument/2006/relationships" xmlns:p="http://schemas.openxmlformats.org/presentationml/2006/main">
   <p:cSld>
     <p:spTree>
       <p:nvGrpSpPr>
-        <p:cNvPr id="98" name="Shape 98"/>
+        <p:cNvPr id="1" name="Shape 98"/>
         <p:cNvGrpSpPr/>
         <p:nvPr/>
       </p:nvGrpSpPr>
@@ -9693,7 +9900,9 @@
       <p:sp>
         <p:nvSpPr>
           <p:cNvPr id="99" name="Google Shape;99;p17"/>
-          <p:cNvSpPr txBox="1"/>
+          <p:cNvSpPr txBox="1">
+            <a:spLocks noGrp="1"/>
+          </p:cNvSpPr>
           <p:nvPr>
             <p:ph type="title"/>
           </p:nvPr>
@@ -9708,12 +9917,12 @@
           </a:prstGeom>
         </p:spPr>
         <p:txBody>
-          <a:bodyPr anchorCtr="0" anchor="t" bIns="91425" lIns="91425" spcFirstLastPara="1" rIns="91425" wrap="square" tIns="91425">
+          <a:bodyPr spcFirstLastPara="1" wrap="square" lIns="91425" tIns="91425" rIns="91425" bIns="91425" anchor="t" anchorCtr="0">
             <a:noAutofit/>
           </a:bodyPr>
           <a:lstStyle/>
           <a:p>
-            <a:pPr indent="0" lvl="0" marL="0" rtl="0" algn="l">
+            <a:pPr marL="0" lvl="0" indent="0" algn="l" rtl="0">
               <a:spcBef>
                 <a:spcPts val="0"/>
               </a:spcBef>
@@ -9733,9 +9942,11 @@
       <p:sp>
         <p:nvSpPr>
           <p:cNvPr id="100" name="Google Shape;100;p17"/>
-          <p:cNvSpPr txBox="1"/>
+          <p:cNvSpPr txBox="1">
+            <a:spLocks noGrp="1"/>
+          </p:cNvSpPr>
           <p:nvPr>
-            <p:ph idx="2" type="body"/>
+            <p:ph type="body" idx="2"/>
           </p:nvPr>
         </p:nvSpPr>
         <p:spPr>
@@ -9748,12 +9959,12 @@
           </a:prstGeom>
         </p:spPr>
         <p:txBody>
-          <a:bodyPr anchorCtr="0" anchor="t" bIns="91425" lIns="91425" spcFirstLastPara="1" rIns="91425" wrap="square" tIns="91425">
+          <a:bodyPr spcFirstLastPara="1" wrap="square" lIns="91425" tIns="91425" rIns="91425" bIns="91425" anchor="t" anchorCtr="0">
             <a:noAutofit/>
           </a:bodyPr>
           <a:lstStyle/>
           <a:p>
-            <a:pPr indent="0" lvl="0" marL="0" rtl="0" algn="l">
+            <a:pPr marL="0" lvl="0" indent="0" algn="l" rtl="0">
               <a:spcBef>
                 <a:spcPts val="0"/>
               </a:spcBef>
@@ -9762,13 +9973,10 @@
               </a:spcAft>
               <a:buNone/>
             </a:pPr>
-            <a:r>
-              <a:t/>
-            </a:r>
             <a:endParaRPr sz="1800"/>
           </a:p>
           <a:p>
-            <a:pPr indent="0" lvl="0" marL="0" rtl="0" algn="l">
+            <a:pPr marL="0" lvl="0" indent="0" algn="l" rtl="0">
               <a:spcBef>
                 <a:spcPts val="1200"/>
               </a:spcBef>
@@ -9777,9 +9985,6 @@
               </a:spcAft>
               <a:buNone/>
             </a:pPr>
-            <a:r>
-              <a:t/>
-            </a:r>
             <a:endParaRPr sz="1800"/>
           </a:p>
         </p:txBody>
@@ -9804,12 +10009,12 @@
           </a:ln>
         </p:spPr>
         <p:txBody>
-          <a:bodyPr anchorCtr="0" anchor="t" bIns="91425" lIns="91425" spcFirstLastPara="1" rIns="91425" wrap="square" tIns="91425">
+          <a:bodyPr spcFirstLastPara="1" wrap="square" lIns="91425" tIns="91425" rIns="91425" bIns="91425" anchor="t" anchorCtr="0">
             <a:noAutofit/>
           </a:bodyPr>
           <a:lstStyle/>
           <a:p>
-            <a:pPr indent="0" lvl="0" marL="0" rtl="0" algn="l">
+            <a:pPr marL="0" lvl="0" indent="0" algn="l" rtl="0">
               <a:spcBef>
                 <a:spcPts val="0"/>
               </a:spcBef>
@@ -9846,9 +10051,11 @@
       <p:sp>
         <p:nvSpPr>
           <p:cNvPr id="102" name="Google Shape;102;p17"/>
-          <p:cNvSpPr txBox="1"/>
+          <p:cNvSpPr txBox="1">
+            <a:spLocks noGrp="1"/>
+          </p:cNvSpPr>
           <p:nvPr>
-            <p:ph idx="2" type="body"/>
+            <p:ph type="body" idx="2"/>
           </p:nvPr>
         </p:nvSpPr>
         <p:spPr>
@@ -9861,12 +10068,12 @@
           </a:prstGeom>
         </p:spPr>
         <p:txBody>
-          <a:bodyPr anchorCtr="0" anchor="t" bIns="91425" lIns="91425" spcFirstLastPara="1" rIns="91425" wrap="square" tIns="91425">
+          <a:bodyPr spcFirstLastPara="1" wrap="square" lIns="91425" tIns="91425" rIns="91425" bIns="91425" anchor="t" anchorCtr="0">
             <a:noAutofit/>
           </a:bodyPr>
           <a:lstStyle/>
           <a:p>
-            <a:pPr indent="0" lvl="0" marL="0" rtl="0" algn="l">
+            <a:pPr marL="0" lvl="0" indent="0" algn="l" rtl="0">
               <a:spcBef>
                 <a:spcPts val="0"/>
               </a:spcBef>
@@ -9880,21 +10087,21 @@
               <a:buNone/>
             </a:pPr>
             <a:r>
-              <a:rPr b="1" lang="en" sz="2100">
+              <a:rPr lang="en" sz="2100" b="1">
                 <a:solidFill>
                   <a:schemeClr val="dk1"/>
                 </a:solidFill>
               </a:rPr>
               <a:t>Compared Structure</a:t>
             </a:r>
-            <a:endParaRPr b="1" sz="2100">
+            <a:endParaRPr sz="2100" b="1">
               <a:solidFill>
                 <a:schemeClr val="dk1"/>
               </a:solidFill>
             </a:endParaRPr>
           </a:p>
           <a:p>
-            <a:pPr indent="0" lvl="0" marL="0" rtl="0" algn="l">
+            <a:pPr marL="0" lvl="0" indent="0" algn="l" rtl="0">
               <a:spcBef>
                 <a:spcPts val="1600"/>
               </a:spcBef>
@@ -9930,7 +10137,7 @@
             </a:endParaRPr>
           </a:p>
           <a:p>
-            <a:pPr indent="0" lvl="0" marL="0" rtl="0" algn="l">
+            <a:pPr marL="0" lvl="0" indent="0" algn="l" rtl="0">
               <a:spcBef>
                 <a:spcPts val="1200"/>
               </a:spcBef>
@@ -9953,7 +10160,19 @@
                 <a:cs typeface="Arial"/>
                 <a:sym typeface="Arial"/>
               </a:rPr>
-              <a:t>'Employee ID', 'Name', 'Position Category', 'Start Date', 'Translate', 'Res Cntry', 'Annual Salary', 'Birthdate', 'EEO-6 Cat', 'Position Type', 'Ctzn Ctry'</a:t>
+              <a:t>'Employee ID', 'Name', 'Position Category', 'Start Date', 'Translate', 'Res Cntry', 'Annual Salary', 'Birthdate', 'EEO-6 Cat', 'Position Type', 'Ctzn Ctry',</a:t>
+            </a:r>
+            <a:r>
+              <a:rPr lang="en" sz="1600">
+                <a:highlight>
+                  <a:schemeClr val="lt1"/>
+                </a:highlight>
+                <a:latin typeface="Arial"/>
+                <a:ea typeface="Arial"/>
+                <a:cs typeface="Arial"/>
+                <a:sym typeface="Arial"/>
+              </a:rPr>
+              <a:t>'Job Family'</a:t>
             </a:r>
             <a:endParaRPr sz="1600">
               <a:highlight>
@@ -9966,7 +10185,7 @@
             </a:endParaRPr>
           </a:p>
           <a:p>
-            <a:pPr indent="0" lvl="0" marL="0" rtl="0" algn="l">
+            <a:pPr marL="0" lvl="0" indent="0" algn="l" rtl="0">
               <a:spcBef>
                 <a:spcPts val="1200"/>
               </a:spcBef>
@@ -10006,7 +10225,7 @@
             </a:endParaRPr>
           </a:p>
           <a:p>
-            <a:pPr indent="0" lvl="0" marL="0" rtl="0" algn="l">
+            <a:pPr marL="0" lvl="0" indent="0" algn="l" rtl="0">
               <a:spcBef>
                 <a:spcPts val="1200"/>
               </a:spcBef>
@@ -10020,13 +10239,10 @@
               <a:buFont typeface="Arial"/>
               <a:buNone/>
             </a:pPr>
-            <a:r>
-              <a:t/>
-            </a:r>
             <a:endParaRPr sz="1800"/>
           </a:p>
           <a:p>
-            <a:pPr indent="0" lvl="0" marL="0" rtl="0" algn="l">
+            <a:pPr marL="0" lvl="0" indent="0" algn="l" rtl="0">
               <a:spcBef>
                 <a:spcPts val="1200"/>
               </a:spcBef>
@@ -10035,9 +10251,6 @@
               </a:spcAft>
               <a:buNone/>
             </a:pPr>
-            <a:r>
-              <a:t/>
-            </a:r>
             <a:endParaRPr sz="1800"/>
           </a:p>
         </p:txBody>
@@ -10051,11 +10264,11 @@
 </file>
 
 <file path=ppt/slides/slide6.xml><?xml version="1.0" encoding="utf-8"?>
-<p:sld xmlns:a="http://schemas.openxmlformats.org/drawingml/2006/main" xmlns:r="http://schemas.openxmlformats.org/officeDocument/2006/relationships" xmlns:mc="http://schemas.openxmlformats.org/markup-compatibility/2006" xmlns:mv="urn:schemas-microsoft-com:mac:vml" xmlns:p="http://schemas.openxmlformats.org/presentationml/2006/main" xmlns:c="http://schemas.openxmlformats.org/drawingml/2006/chart" xmlns:dgm="http://schemas.openxmlformats.org/drawingml/2006/diagram" xmlns:o="urn:schemas-microsoft-com:office:office" xmlns:v="urn:schemas-microsoft-com:vml" xmlns:pvml="urn:schemas-microsoft-com:office:powerpoint" xmlns:com="http://schemas.openxmlformats.org/drawingml/2006/compatibility" xmlns:p14="http://schemas.microsoft.com/office/powerpoint/2010/main" xmlns:p15="http://schemas.microsoft.com/office/powerpoint/2012/main" xmlns:ahyp="http://schemas.microsoft.com/office/drawing/2018/hyperlinkcolor">
+<p:sld xmlns:a="http://schemas.openxmlformats.org/drawingml/2006/main" xmlns:r="http://schemas.openxmlformats.org/officeDocument/2006/relationships" xmlns:p="http://schemas.openxmlformats.org/presentationml/2006/main">
   <p:cSld>
     <p:spTree>
       <p:nvGrpSpPr>
-        <p:cNvPr id="106" name="Shape 106"/>
+        <p:cNvPr id="1" name="Shape 106"/>
         <p:cNvGrpSpPr/>
         <p:nvPr/>
       </p:nvGrpSpPr>
@@ -10070,7 +10283,9 @@
       <p:sp>
         <p:nvSpPr>
           <p:cNvPr id="107" name="Google Shape;107;p18"/>
-          <p:cNvSpPr txBox="1"/>
+          <p:cNvSpPr txBox="1">
+            <a:spLocks noGrp="1"/>
+          </p:cNvSpPr>
           <p:nvPr>
             <p:ph type="title"/>
           </p:nvPr>
@@ -10085,12 +10300,12 @@
           </a:prstGeom>
         </p:spPr>
         <p:txBody>
-          <a:bodyPr anchorCtr="0" anchor="t" bIns="91425" lIns="91425" spcFirstLastPara="1" rIns="91425" wrap="square" tIns="91425">
+          <a:bodyPr spcFirstLastPara="1" wrap="square" lIns="91425" tIns="91425" rIns="91425" bIns="91425" anchor="t" anchorCtr="0">
             <a:noAutofit/>
           </a:bodyPr>
           <a:lstStyle/>
           <a:p>
-            <a:pPr indent="0" lvl="0" marL="0" rtl="0" algn="l">
+            <a:pPr marL="0" lvl="0" indent="0" algn="l" rtl="0">
               <a:spcBef>
                 <a:spcPts val="0"/>
               </a:spcBef>
@@ -10110,9 +10325,11 @@
       <p:sp>
         <p:nvSpPr>
           <p:cNvPr id="108" name="Google Shape;108;p18"/>
-          <p:cNvSpPr txBox="1"/>
+          <p:cNvSpPr txBox="1">
+            <a:spLocks noGrp="1"/>
+          </p:cNvSpPr>
           <p:nvPr>
-            <p:ph idx="2" type="body"/>
+            <p:ph type="body" idx="2"/>
           </p:nvPr>
         </p:nvSpPr>
         <p:spPr>
@@ -10125,12 +10342,12 @@
           </a:prstGeom>
         </p:spPr>
         <p:txBody>
-          <a:bodyPr anchorCtr="0" anchor="t" bIns="91425" lIns="91425" spcFirstLastPara="1" rIns="91425" wrap="square" tIns="91425">
+          <a:bodyPr spcFirstLastPara="1" wrap="square" lIns="91425" tIns="91425" rIns="91425" bIns="91425" anchor="t" anchorCtr="0">
             <a:noAutofit/>
           </a:bodyPr>
           <a:lstStyle/>
           <a:p>
-            <a:pPr indent="0" lvl="0" marL="0" rtl="0" algn="l">
+            <a:pPr marL="0" lvl="0" indent="0" algn="l" rtl="0">
               <a:spcBef>
                 <a:spcPts val="0"/>
               </a:spcBef>
@@ -10139,13 +10356,10 @@
               </a:spcAft>
               <a:buNone/>
             </a:pPr>
-            <a:r>
-              <a:t/>
-            </a:r>
             <a:endParaRPr sz="1800"/>
           </a:p>
           <a:p>
-            <a:pPr indent="0" lvl="0" marL="0" rtl="0" algn="l">
+            <a:pPr marL="0" lvl="0" indent="0" algn="l" rtl="0">
               <a:spcBef>
                 <a:spcPts val="1200"/>
               </a:spcBef>
@@ -10154,9 +10368,6 @@
               </a:spcAft>
               <a:buNone/>
             </a:pPr>
-            <a:r>
-              <a:t/>
-            </a:r>
             <a:endParaRPr sz="1800"/>
           </a:p>
         </p:txBody>
@@ -10181,12 +10392,12 @@
           </a:ln>
         </p:spPr>
         <p:txBody>
-          <a:bodyPr anchorCtr="0" anchor="t" bIns="91425" lIns="91425" spcFirstLastPara="1" rIns="91425" wrap="square" tIns="91425">
+          <a:bodyPr spcFirstLastPara="1" wrap="square" lIns="91425" tIns="91425" rIns="91425" bIns="91425" anchor="t" anchorCtr="0">
             <a:noAutofit/>
           </a:bodyPr>
           <a:lstStyle/>
           <a:p>
-            <a:pPr indent="0" lvl="0" marL="0" rtl="0" algn="l">
+            <a:pPr marL="0" lvl="0" indent="0" algn="l" rtl="0">
               <a:spcBef>
                 <a:spcPts val="0"/>
               </a:spcBef>
@@ -10223,9 +10434,11 @@
       <p:sp>
         <p:nvSpPr>
           <p:cNvPr id="110" name="Google Shape;110;p18"/>
-          <p:cNvSpPr txBox="1"/>
+          <p:cNvSpPr txBox="1">
+            <a:spLocks noGrp="1"/>
+          </p:cNvSpPr>
           <p:nvPr>
-            <p:ph idx="2" type="body"/>
+            <p:ph type="body" idx="2"/>
           </p:nvPr>
         </p:nvSpPr>
         <p:spPr>
@@ -10238,12 +10451,12 @@
           </a:prstGeom>
         </p:spPr>
         <p:txBody>
-          <a:bodyPr anchorCtr="0" anchor="t" bIns="91425" lIns="91425" spcFirstLastPara="1" rIns="91425" wrap="square" tIns="91425">
+          <a:bodyPr spcFirstLastPara="1" wrap="square" lIns="91425" tIns="91425" rIns="91425" bIns="91425" anchor="t" anchorCtr="0">
             <a:noAutofit/>
           </a:bodyPr>
           <a:lstStyle/>
           <a:p>
-            <a:pPr indent="0" lvl="0" marL="0" rtl="0" algn="l">
+            <a:pPr marL="0" lvl="0" indent="0" algn="l" rtl="0">
               <a:spcBef>
                 <a:spcPts val="0"/>
               </a:spcBef>
@@ -10257,29 +10470,21 @@
               <a:buNone/>
             </a:pPr>
             <a:r>
-              <a:rPr b="1" lang="en" sz="2100">
+              <a:rPr lang="en" sz="2100" b="1">
                 <a:solidFill>
                   <a:schemeClr val="dk1"/>
                 </a:solidFill>
               </a:rPr>
-              <a:t>Position</a:t>
+              <a:t>Position Number Overlap</a:t>
             </a:r>
-            <a:r>
-              <a:rPr b="1" lang="en" sz="2100">
-                <a:solidFill>
-                  <a:schemeClr val="dk1"/>
-                </a:solidFill>
-              </a:rPr>
-              <a:t> Number Overlap</a:t>
-            </a:r>
-            <a:endParaRPr b="1" sz="2100">
+            <a:endParaRPr sz="2100" b="1">
               <a:solidFill>
                 <a:schemeClr val="dk1"/>
               </a:solidFill>
             </a:endParaRPr>
           </a:p>
           <a:p>
-            <a:pPr indent="0" lvl="0" marL="0" rtl="0" algn="l">
+            <a:pPr marL="0" lvl="0" indent="0" algn="l" rtl="0">
               <a:spcBef>
                 <a:spcPts val="1600"/>
               </a:spcBef>
@@ -10290,23 +10495,7 @@
             </a:pPr>
             <a:r>
               <a:rPr lang="en" sz="1800"/>
-              <a:t>All of the positions in the applicant data have matching values in the </a:t>
-            </a:r>
-            <a:r>
-              <a:rPr lang="en" sz="1800"/>
-              <a:t>employee</a:t>
-            </a:r>
-            <a:r>
-              <a:rPr lang="en" sz="1800"/>
-              <a:t> dataset. The opposite is not true. So using this fact I explore the </a:t>
-            </a:r>
-            <a:r>
-              <a:rPr lang="en" sz="1800"/>
-              <a:t>demographic</a:t>
-            </a:r>
-            <a:r>
-              <a:rPr lang="en" sz="1800"/>
-              <a:t> distributions using the entire dataset and the subset which overlaps.</a:t>
+              <a:t>All of the positions in the applicant data have matching values in the employee dataset. The opposite is not true. So using this fact I explore the demographic distributions using the entire dataset and the subset which overlaps.</a:t>
             </a:r>
             <a:endParaRPr sz="1600">
               <a:highlight>
@@ -10319,7 +10508,7 @@
             </a:endParaRPr>
           </a:p>
           <a:p>
-            <a:pPr indent="0" lvl="0" marL="0" rtl="0" algn="l">
+            <a:pPr marL="0" lvl="0" indent="0" algn="l" rtl="0">
               <a:spcBef>
                 <a:spcPts val="1200"/>
               </a:spcBef>
@@ -10333,13 +10522,10 @@
               <a:buFont typeface="Arial"/>
               <a:buNone/>
             </a:pPr>
-            <a:r>
-              <a:t/>
-            </a:r>
             <a:endParaRPr sz="1800"/>
           </a:p>
           <a:p>
-            <a:pPr indent="0" lvl="0" marL="0" rtl="0" algn="l">
+            <a:pPr marL="0" lvl="0" indent="0" algn="l" rtl="0">
               <a:spcBef>
                 <a:spcPts val="1200"/>
               </a:spcBef>
@@ -10348,9 +10534,6 @@
               </a:spcAft>
               <a:buNone/>
             </a:pPr>
-            <a:r>
-              <a:t/>
-            </a:r>
             <a:endParaRPr sz="1800"/>
           </a:p>
         </p:txBody>
@@ -10392,11 +10575,11 @@
 </file>
 
 <file path=ppt/slides/slide7.xml><?xml version="1.0" encoding="utf-8"?>
-<p:sld xmlns:a="http://schemas.openxmlformats.org/drawingml/2006/main" xmlns:r="http://schemas.openxmlformats.org/officeDocument/2006/relationships" xmlns:mc="http://schemas.openxmlformats.org/markup-compatibility/2006" xmlns:mv="urn:schemas-microsoft-com:mac:vml" xmlns:p="http://schemas.openxmlformats.org/presentationml/2006/main" xmlns:c="http://schemas.openxmlformats.org/drawingml/2006/chart" xmlns:dgm="http://schemas.openxmlformats.org/drawingml/2006/diagram" xmlns:o="urn:schemas-microsoft-com:office:office" xmlns:v="urn:schemas-microsoft-com:vml" xmlns:pvml="urn:schemas-microsoft-com:office:powerpoint" xmlns:com="http://schemas.openxmlformats.org/drawingml/2006/compatibility" xmlns:p14="http://schemas.microsoft.com/office/powerpoint/2010/main" xmlns:p15="http://schemas.microsoft.com/office/powerpoint/2012/main" xmlns:ahyp="http://schemas.microsoft.com/office/drawing/2018/hyperlinkcolor">
+<p:sld xmlns:a="http://schemas.openxmlformats.org/drawingml/2006/main" xmlns:r="http://schemas.openxmlformats.org/officeDocument/2006/relationships" xmlns:p="http://schemas.openxmlformats.org/presentationml/2006/main">
   <p:cSld>
     <p:spTree>
       <p:nvGrpSpPr>
-        <p:cNvPr id="115" name="Shape 115"/>
+        <p:cNvPr id="1" name="Shape 115"/>
         <p:cNvGrpSpPr/>
         <p:nvPr/>
       </p:nvGrpSpPr>
@@ -10411,27 +10594,29 @@
       <p:sp>
         <p:nvSpPr>
           <p:cNvPr id="116" name="Google Shape;116;p19"/>
-          <p:cNvSpPr txBox="1"/>
+          <p:cNvSpPr txBox="1">
+            <a:spLocks noGrp="1"/>
+          </p:cNvSpPr>
           <p:nvPr>
             <p:ph type="title"/>
           </p:nvPr>
         </p:nvSpPr>
         <p:spPr>
           <a:xfrm>
-            <a:off x="2318950" y="411375"/>
-            <a:ext cx="6321600" cy="635400"/>
+            <a:off x="598225" y="411375"/>
+            <a:ext cx="8488200" cy="635400"/>
           </a:xfrm>
           <a:prstGeom prst="rect">
             <a:avLst/>
           </a:prstGeom>
         </p:spPr>
         <p:txBody>
-          <a:bodyPr anchorCtr="0" anchor="t" bIns="91425" lIns="91425" spcFirstLastPara="1" rIns="91425" wrap="square" tIns="91425">
+          <a:bodyPr spcFirstLastPara="1" wrap="square" lIns="91425" tIns="91425" rIns="91425" bIns="91425" anchor="t" anchorCtr="0">
             <a:noAutofit/>
           </a:bodyPr>
           <a:lstStyle/>
           <a:p>
-            <a:pPr indent="0" lvl="0" marL="0" rtl="0" algn="l">
+            <a:pPr marL="0" lvl="0" indent="0" algn="l" rtl="0">
               <a:spcBef>
                 <a:spcPts val="0"/>
               </a:spcBef>
@@ -10447,7 +10632,7 @@
             </a:pPr>
             <a:r>
               <a:rPr lang="en"/>
-              <a:t>Process: Initial Findings</a:t>
+              <a:t>Process: Initial Findings Percent Distribution </a:t>
             </a:r>
             <a:endParaRPr/>
           </a:p>
@@ -10456,9 +10641,11 @@
       <p:sp>
         <p:nvSpPr>
           <p:cNvPr id="117" name="Google Shape;117;p19"/>
-          <p:cNvSpPr txBox="1"/>
+          <p:cNvSpPr txBox="1">
+            <a:spLocks noGrp="1"/>
+          </p:cNvSpPr>
           <p:nvPr>
-            <p:ph idx="1" type="body"/>
+            <p:ph type="body" idx="1"/>
           </p:nvPr>
         </p:nvSpPr>
         <p:spPr>
@@ -10471,12 +10658,12 @@
           </a:prstGeom>
         </p:spPr>
         <p:txBody>
-          <a:bodyPr anchorCtr="0" anchor="t" bIns="91425" lIns="91425" spcFirstLastPara="1" rIns="91425" wrap="square" tIns="91425">
+          <a:bodyPr spcFirstLastPara="1" wrap="square" lIns="91425" tIns="91425" rIns="91425" bIns="91425" anchor="t" anchorCtr="0">
             <a:noAutofit/>
           </a:bodyPr>
           <a:lstStyle/>
           <a:p>
-            <a:pPr indent="0" lvl="0" marL="0" rtl="0" algn="l">
+            <a:pPr marL="0" lvl="0" indent="0" algn="l" rtl="0">
               <a:spcBef>
                 <a:spcPts val="0"/>
               </a:spcBef>
@@ -10486,21 +10673,21 @@
               <a:buNone/>
             </a:pPr>
             <a:r>
-              <a:rPr b="1" lang="en" sz="2100">
+              <a:rPr lang="en" sz="2100" b="1">
                 <a:solidFill>
                   <a:schemeClr val="dk1"/>
                 </a:solidFill>
               </a:rPr>
               <a:t>Aggregate Data</a:t>
             </a:r>
-            <a:endParaRPr b="1" sz="2100">
+            <a:endParaRPr sz="2100" b="1">
               <a:solidFill>
                 <a:schemeClr val="dk1"/>
               </a:solidFill>
             </a:endParaRPr>
           </a:p>
           <a:p>
-            <a:pPr indent="0" lvl="0" marL="0" rtl="0" algn="l">
+            <a:pPr marL="0" lvl="0" indent="0" algn="l" rtl="0">
               <a:spcBef>
                 <a:spcPts val="0"/>
               </a:spcBef>
@@ -10511,15 +10698,7 @@
             </a:pPr>
             <a:r>
               <a:rPr lang="en" sz="1600"/>
-              <a:t>The </a:t>
-            </a:r>
-            <a:r>
-              <a:rPr lang="en" sz="1600"/>
-              <a:t>distribution</a:t>
-            </a:r>
-            <a:r>
-              <a:rPr lang="en" sz="1600"/>
-              <a:t> of aggregated employee and applicant data were with unremarkable ranges of one another.</a:t>
+              <a:t>The distribution of aggregated employee and applicant data were within unremarkable ranges of one another.</a:t>
             </a:r>
             <a:endParaRPr sz="1600"/>
           </a:p>
@@ -10528,9 +10707,11 @@
       <p:sp>
         <p:nvSpPr>
           <p:cNvPr id="118" name="Google Shape;118;p19"/>
-          <p:cNvSpPr txBox="1"/>
+          <p:cNvSpPr txBox="1">
+            <a:spLocks noGrp="1"/>
+          </p:cNvSpPr>
           <p:nvPr>
-            <p:ph idx="2" type="body"/>
+            <p:ph type="body" idx="2"/>
           </p:nvPr>
         </p:nvSpPr>
         <p:spPr>
@@ -10543,12 +10724,12 @@
           </a:prstGeom>
         </p:spPr>
         <p:txBody>
-          <a:bodyPr anchorCtr="0" anchor="t" bIns="91425" lIns="91425" spcFirstLastPara="1" rIns="91425" wrap="square" tIns="91425">
+          <a:bodyPr spcFirstLastPara="1" wrap="square" lIns="91425" tIns="91425" rIns="91425" bIns="91425" anchor="t" anchorCtr="0">
             <a:noAutofit/>
           </a:bodyPr>
           <a:lstStyle/>
           <a:p>
-            <a:pPr indent="0" lvl="0" marL="0" rtl="0" algn="l">
+            <a:pPr marL="0" lvl="0" indent="0" algn="l" rtl="0">
               <a:spcBef>
                 <a:spcPts val="0"/>
               </a:spcBef>
@@ -10558,21 +10739,21 @@
               <a:buNone/>
             </a:pPr>
             <a:r>
-              <a:rPr b="1" lang="en" sz="2100">
+              <a:rPr lang="en" sz="2100" b="1">
                 <a:solidFill>
                   <a:schemeClr val="dk1"/>
                 </a:solidFill>
               </a:rPr>
               <a:t>Job Family</a:t>
             </a:r>
-            <a:endParaRPr b="1" sz="2100">
+            <a:endParaRPr sz="2100" b="1">
               <a:solidFill>
                 <a:schemeClr val="dk1"/>
               </a:solidFill>
             </a:endParaRPr>
           </a:p>
           <a:p>
-            <a:pPr indent="0" lvl="0" marL="0" rtl="0" algn="l">
+            <a:pPr marL="0" lvl="0" indent="0" algn="l" rtl="0">
               <a:spcBef>
                 <a:spcPts val="0"/>
               </a:spcBef>
@@ -10583,23 +10764,7 @@
             </a:pPr>
             <a:r>
               <a:rPr lang="en" sz="1600"/>
-              <a:t>Job Family is present on the </a:t>
-            </a:r>
-            <a:r>
-              <a:rPr lang="en" sz="1600"/>
-              <a:t>employee</a:t>
-            </a:r>
-            <a:r>
-              <a:rPr lang="en" sz="1600"/>
-              <a:t> data but not the applicant data. Having this level of deaggregation would allow for more </a:t>
-            </a:r>
-            <a:r>
-              <a:rPr lang="en" sz="1600"/>
-              <a:t>in depth</a:t>
-            </a:r>
-            <a:r>
-              <a:rPr lang="en" sz="1600"/>
-              <a:t> analysis.</a:t>
+              <a:t>Job Family is present on the employee data but not the applicant data. Having this level of deaggregation would allow for more in depth analysis.</a:t>
             </a:r>
             <a:endParaRPr sz="1800"/>
           </a:p>
@@ -10642,11 +10807,11 @@
 </file>
 
 <file path=ppt/slides/slide8.xml><?xml version="1.0" encoding="utf-8"?>
-<p:sld xmlns:a="http://schemas.openxmlformats.org/drawingml/2006/main" xmlns:r="http://schemas.openxmlformats.org/officeDocument/2006/relationships" xmlns:mc="http://schemas.openxmlformats.org/markup-compatibility/2006" xmlns:mv="urn:schemas-microsoft-com:mac:vml" xmlns:p="http://schemas.openxmlformats.org/presentationml/2006/main" xmlns:c="http://schemas.openxmlformats.org/drawingml/2006/chart" xmlns:dgm="http://schemas.openxmlformats.org/drawingml/2006/diagram" xmlns:o="urn:schemas-microsoft-com:office:office" xmlns:v="urn:schemas-microsoft-com:vml" xmlns:pvml="urn:schemas-microsoft-com:office:powerpoint" xmlns:com="http://schemas.openxmlformats.org/drawingml/2006/compatibility" xmlns:p14="http://schemas.microsoft.com/office/powerpoint/2010/main" xmlns:p15="http://schemas.microsoft.com/office/powerpoint/2012/main" xmlns:ahyp="http://schemas.microsoft.com/office/drawing/2018/hyperlinkcolor">
+<p:sld xmlns:a="http://schemas.openxmlformats.org/drawingml/2006/main" xmlns:r="http://schemas.openxmlformats.org/officeDocument/2006/relationships" xmlns:p="http://schemas.openxmlformats.org/presentationml/2006/main">
   <p:cSld>
     <p:spTree>
       <p:nvGrpSpPr>
-        <p:cNvPr id="123" name="Shape 123"/>
+        <p:cNvPr id="1" name="Shape 123"/>
         <p:cNvGrpSpPr/>
         <p:nvPr/>
       </p:nvGrpSpPr>
@@ -10661,7 +10826,9 @@
       <p:sp>
         <p:nvSpPr>
           <p:cNvPr id="124" name="Google Shape;124;p20"/>
-          <p:cNvSpPr txBox="1"/>
+          <p:cNvSpPr txBox="1">
+            <a:spLocks noGrp="1"/>
+          </p:cNvSpPr>
           <p:nvPr>
             <p:ph type="title"/>
           </p:nvPr>
@@ -10676,12 +10843,12 @@
           </a:prstGeom>
         </p:spPr>
         <p:txBody>
-          <a:bodyPr anchorCtr="0" anchor="t" bIns="91425" lIns="91425" spcFirstLastPara="1" rIns="91425" wrap="square" tIns="91425">
+          <a:bodyPr spcFirstLastPara="1" wrap="square" lIns="91425" tIns="91425" rIns="91425" bIns="91425" anchor="t" anchorCtr="0">
             <a:noAutofit/>
           </a:bodyPr>
           <a:lstStyle/>
           <a:p>
-            <a:pPr indent="0" lvl="0" marL="0" rtl="0" algn="l">
+            <a:pPr marL="0" lvl="0" indent="0" algn="l" rtl="0">
               <a:spcBef>
                 <a:spcPts val="0"/>
               </a:spcBef>
@@ -10718,12 +10885,12 @@
           </a:ln>
         </p:spPr>
         <p:txBody>
-          <a:bodyPr anchorCtr="0" anchor="t" bIns="91425" lIns="91425" spcFirstLastPara="1" rIns="91425" wrap="square" tIns="91425">
+          <a:bodyPr spcFirstLastPara="1" wrap="square" lIns="91425" tIns="91425" rIns="91425" bIns="91425" anchor="t" anchorCtr="0">
             <a:spAutoFit/>
           </a:bodyPr>
           <a:lstStyle/>
           <a:p>
-            <a:pPr indent="0" lvl="0" marL="0" rtl="0" algn="l">
+            <a:pPr marL="0" lvl="0" indent="0" algn="l" rtl="0">
               <a:lnSpc>
                 <a:spcPct val="115000"/>
               </a:lnSpc>
@@ -10736,7 +10903,7 @@
               <a:buNone/>
             </a:pPr>
             <a:r>
-              <a:rPr b="1" lang="en" sz="2100">
+              <a:rPr lang="en" sz="2100" b="1">
                 <a:solidFill>
                   <a:schemeClr val="dk1"/>
                 </a:solidFill>
@@ -10747,7 +10914,7 @@
               </a:rPr>
               <a:t>Percentage Differences</a:t>
             </a:r>
-            <a:endParaRPr b="1" sz="2100">
+            <a:endParaRPr sz="2100" b="1">
               <a:solidFill>
                 <a:schemeClr val="dk1"/>
               </a:solidFill>
@@ -10758,7 +10925,7 @@
             </a:endParaRPr>
           </a:p>
           <a:p>
-            <a:pPr indent="0" lvl="0" marL="0" rtl="0" algn="l">
+            <a:pPr marL="0" lvl="0" indent="0" algn="l" rtl="0">
               <a:lnSpc>
                 <a:spcPct val="115000"/>
               </a:lnSpc>
@@ -10793,7 +10960,7 @@
             </a:endParaRPr>
           </a:p>
           <a:p>
-            <a:pPr indent="0" lvl="0" marL="0" rtl="0" algn="l">
+            <a:pPr marL="0" lvl="0" indent="0" algn="l" rtl="0">
               <a:lnSpc>
                 <a:spcPct val="115000"/>
               </a:lnSpc>
@@ -10815,31 +10982,7 @@
                 <a:cs typeface="Lato"/>
                 <a:sym typeface="Lato"/>
               </a:rPr>
-              <a:t>Job Families: </a:t>
-            </a:r>
-            <a:r>
-              <a:rPr lang="en" sz="1600">
-                <a:solidFill>
-                  <a:schemeClr val="dk2"/>
-                </a:solidFill>
-                <a:latin typeface="Lato"/>
-                <a:ea typeface="Lato"/>
-                <a:cs typeface="Lato"/>
-                <a:sym typeface="Lato"/>
-              </a:rPr>
-              <a:t>Athletics</a:t>
-            </a:r>
-            <a:r>
-              <a:rPr lang="en" sz="1600">
-                <a:solidFill>
-                  <a:schemeClr val="dk2"/>
-                </a:solidFill>
-                <a:latin typeface="Lato"/>
-                <a:ea typeface="Lato"/>
-                <a:cs typeface="Lato"/>
-                <a:sym typeface="Lato"/>
-              </a:rPr>
-              <a:t>, Fine Arts &amp; Entertainment, Healthcare, Human Resources, Library, Police &amp; Safety</a:t>
+              <a:t>Job Families: Athletics, Fine Arts &amp; Entertainment, Healthcare, Human Resources, Library, Police &amp; Safety</a:t>
             </a:r>
             <a:endParaRPr sz="1600">
               <a:solidFill>
@@ -10873,12 +11016,12 @@
           </a:ln>
         </p:spPr>
         <p:txBody>
-          <a:bodyPr anchorCtr="0" anchor="t" bIns="91425" lIns="91425" spcFirstLastPara="1" rIns="91425" wrap="square" tIns="91425">
+          <a:bodyPr spcFirstLastPara="1" wrap="square" lIns="91425" tIns="91425" rIns="91425" bIns="91425" anchor="t" anchorCtr="0">
             <a:noAutofit/>
           </a:bodyPr>
           <a:lstStyle/>
           <a:p>
-            <a:pPr indent="0" lvl="0" marL="0" rtl="0" algn="l">
+            <a:pPr marL="0" lvl="0" indent="0" algn="l" rtl="0">
               <a:lnSpc>
                 <a:spcPct val="115000"/>
               </a:lnSpc>
@@ -10914,7 +11057,7 @@
             </a:endParaRPr>
           </a:p>
           <a:p>
-            <a:pPr indent="0" lvl="0" marL="0" rtl="0" algn="l">
+            <a:pPr marL="0" lvl="0" indent="0" algn="l" rtl="0">
               <a:lnSpc>
                 <a:spcPct val="115000"/>
               </a:lnSpc>
@@ -10959,9 +11102,11 @@
       <p:sp>
         <p:nvSpPr>
           <p:cNvPr id="127" name="Google Shape;127;p20"/>
-          <p:cNvSpPr txBox="1"/>
+          <p:cNvSpPr txBox="1">
+            <a:spLocks noGrp="1"/>
+          </p:cNvSpPr>
           <p:nvPr>
-            <p:ph idx="2" type="body"/>
+            <p:ph type="body" idx="2"/>
           </p:nvPr>
         </p:nvSpPr>
         <p:spPr>
@@ -10974,12 +11119,12 @@
           </a:prstGeom>
         </p:spPr>
         <p:txBody>
-          <a:bodyPr anchorCtr="0" anchor="t" bIns="91425" lIns="91425" spcFirstLastPara="1" rIns="91425" wrap="square" tIns="91425">
+          <a:bodyPr spcFirstLastPara="1" wrap="square" lIns="91425" tIns="91425" rIns="91425" bIns="91425" anchor="t" anchorCtr="0">
             <a:noAutofit/>
           </a:bodyPr>
           <a:lstStyle/>
           <a:p>
-            <a:pPr indent="0" lvl="0" marL="0" rtl="0" algn="l">
+            <a:pPr marL="0" lvl="0" indent="0" algn="l" rtl="0">
               <a:spcBef>
                 <a:spcPts val="0"/>
               </a:spcBef>
@@ -10989,21 +11134,21 @@
               <a:buNone/>
             </a:pPr>
             <a:r>
-              <a:rPr b="1" lang="en" sz="2100">
+              <a:rPr lang="en" sz="2100" b="1">
                 <a:solidFill>
                   <a:schemeClr val="dk1"/>
                 </a:solidFill>
               </a:rPr>
               <a:t>Job Family Continued</a:t>
             </a:r>
-            <a:endParaRPr b="1" sz="2100">
+            <a:endParaRPr sz="2100" b="1">
               <a:solidFill>
                 <a:schemeClr val="dk1"/>
               </a:solidFill>
             </a:endParaRPr>
           </a:p>
           <a:p>
-            <a:pPr indent="0" lvl="0" marL="0" rtl="0" algn="l">
+            <a:pPr marL="0" lvl="0" indent="0" algn="l" rtl="0">
               <a:spcBef>
                 <a:spcPts val="1600"/>
               </a:spcBef>
@@ -11029,11 +11174,11 @@
 </file>
 
 <file path=ppt/slides/slide9.xml><?xml version="1.0" encoding="utf-8"?>
-<p:sld xmlns:a="http://schemas.openxmlformats.org/drawingml/2006/main" xmlns:r="http://schemas.openxmlformats.org/officeDocument/2006/relationships" xmlns:mc="http://schemas.openxmlformats.org/markup-compatibility/2006" xmlns:mv="urn:schemas-microsoft-com:mac:vml" xmlns:p="http://schemas.openxmlformats.org/presentationml/2006/main" xmlns:c="http://schemas.openxmlformats.org/drawingml/2006/chart" xmlns:dgm="http://schemas.openxmlformats.org/drawingml/2006/diagram" xmlns:o="urn:schemas-microsoft-com:office:office" xmlns:v="urn:schemas-microsoft-com:vml" xmlns:pvml="urn:schemas-microsoft-com:office:powerpoint" xmlns:com="http://schemas.openxmlformats.org/drawingml/2006/compatibility" xmlns:p14="http://schemas.microsoft.com/office/powerpoint/2010/main" xmlns:p15="http://schemas.microsoft.com/office/powerpoint/2012/main" xmlns:ahyp="http://schemas.microsoft.com/office/drawing/2018/hyperlinkcolor">
+<p:sld xmlns:a="http://schemas.openxmlformats.org/drawingml/2006/main" xmlns:r="http://schemas.openxmlformats.org/officeDocument/2006/relationships" xmlns:p="http://schemas.openxmlformats.org/presentationml/2006/main">
   <p:cSld>
     <p:spTree>
       <p:nvGrpSpPr>
-        <p:cNvPr id="131" name="Shape 131"/>
+        <p:cNvPr id="1" name="Shape 131"/>
         <p:cNvGrpSpPr/>
         <p:nvPr/>
       </p:nvGrpSpPr>
@@ -11048,7 +11193,9 @@
       <p:sp>
         <p:nvSpPr>
           <p:cNvPr id="132" name="Google Shape;132;p21"/>
-          <p:cNvSpPr txBox="1"/>
+          <p:cNvSpPr txBox="1">
+            <a:spLocks noGrp="1"/>
+          </p:cNvSpPr>
           <p:nvPr>
             <p:ph type="title"/>
           </p:nvPr>
@@ -11063,12 +11210,12 @@
           </a:prstGeom>
         </p:spPr>
         <p:txBody>
-          <a:bodyPr anchorCtr="0" anchor="t" bIns="91425" lIns="91425" spcFirstLastPara="1" rIns="91425" wrap="square" tIns="91425">
+          <a:bodyPr spcFirstLastPara="1" wrap="square" lIns="91425" tIns="91425" rIns="91425" bIns="91425" anchor="t" anchorCtr="0">
             <a:noAutofit/>
           </a:bodyPr>
           <a:lstStyle/>
           <a:p>
-            <a:pPr indent="0" lvl="0" marL="0" rtl="0" algn="l">
+            <a:pPr marL="0" lvl="0" indent="0" algn="l" rtl="0">
               <a:spcBef>
                 <a:spcPts val="0"/>
               </a:spcBef>
@@ -11088,9 +11235,11 @@
       <p:sp>
         <p:nvSpPr>
           <p:cNvPr id="133" name="Google Shape;133;p21"/>
-          <p:cNvSpPr txBox="1"/>
+          <p:cNvSpPr txBox="1">
+            <a:spLocks noGrp="1"/>
+          </p:cNvSpPr>
           <p:nvPr>
-            <p:ph idx="1" type="body"/>
+            <p:ph type="body" idx="1"/>
           </p:nvPr>
         </p:nvSpPr>
         <p:spPr>
@@ -11103,12 +11252,12 @@
           </a:prstGeom>
         </p:spPr>
         <p:txBody>
-          <a:bodyPr anchorCtr="0" anchor="t" bIns="91425" lIns="91425" spcFirstLastPara="1" rIns="91425" wrap="square" tIns="91425">
+          <a:bodyPr spcFirstLastPara="1" wrap="square" lIns="91425" tIns="91425" rIns="91425" bIns="91425" anchor="t" anchorCtr="0">
             <a:noAutofit/>
           </a:bodyPr>
           <a:lstStyle/>
           <a:p>
-            <a:pPr indent="0" lvl="0" marL="0" rtl="0" algn="l">
+            <a:pPr marL="0" lvl="0" indent="0" algn="l" rtl="0">
               <a:spcBef>
                 <a:spcPts val="0"/>
               </a:spcBef>
@@ -11119,16 +11268,12 @@
             </a:pPr>
             <a:r>
               <a:rPr lang="en" sz="1900"/>
-              <a:t>A</a:t>
-            </a:r>
-            <a:r>
-              <a:rPr lang="en" sz="1900"/>
-              <a:t>n interactive set of charts from the data that can be viewed at the link to the left.</a:t>
+              <a:t>An interactive set of charts from the data that can be viewed at the link to the left.</a:t>
             </a:r>
             <a:endParaRPr sz="1900"/>
           </a:p>
           <a:p>
-            <a:pPr indent="0" lvl="0" marL="0" rtl="0" algn="l">
+            <a:pPr marL="0" lvl="0" indent="0" algn="l" rtl="0">
               <a:spcBef>
                 <a:spcPts val="1600"/>
               </a:spcBef>
@@ -11137,9 +11282,6 @@
               </a:spcAft>
               <a:buNone/>
             </a:pPr>
-            <a:r>
-              <a:t/>
-            </a:r>
             <a:endParaRPr sz="1900"/>
           </a:p>
         </p:txBody>
@@ -11164,12 +11306,12 @@
           </a:ln>
         </p:spPr>
         <p:txBody>
-          <a:bodyPr anchorCtr="0" anchor="t" bIns="91425" lIns="91425" spcFirstLastPara="1" rIns="91425" wrap="square" tIns="91425">
+          <a:bodyPr spcFirstLastPara="1" wrap="square" lIns="91425" tIns="91425" rIns="91425" bIns="91425" anchor="t" anchorCtr="0">
             <a:noAutofit/>
           </a:bodyPr>
           <a:lstStyle/>
           <a:p>
-            <a:pPr indent="0" lvl="0" marL="0" rtl="0" algn="l">
+            <a:pPr marL="0" lvl="0" indent="0" algn="l" rtl="0">
               <a:lnSpc>
                 <a:spcPct val="115000"/>
               </a:lnSpc>
@@ -11248,7 +11390,288 @@
 </file>
 
 <file path=ppt/theme/theme1.xml><?xml version="1.0" encoding="utf-8"?>
-<a:theme xmlns:a="http://schemas.openxmlformats.org/drawingml/2006/main" xmlns:r="http://schemas.openxmlformats.org/officeDocument/2006/relationships">
+<a:theme xmlns:a="http://schemas.openxmlformats.org/drawingml/2006/main" name="Swiss">
+  <a:themeElements>
+    <a:clrScheme name="Swiss">
+      <a:dk1>
+        <a:srgbClr val="F46524"/>
+      </a:dk1>
+      <a:lt1>
+        <a:srgbClr val="FFFFFF"/>
+      </a:lt1>
+      <a:dk2>
+        <a:srgbClr val="000000"/>
+      </a:dk2>
+      <a:lt2>
+        <a:srgbClr val="757575"/>
+      </a:lt2>
+      <a:accent1>
+        <a:srgbClr val="01579B"/>
+      </a:accent1>
+      <a:accent2>
+        <a:srgbClr val="27C7BD"/>
+      </a:accent2>
+      <a:accent3>
+        <a:srgbClr val="0099E8"/>
+      </a:accent3>
+      <a:accent4>
+        <a:srgbClr val="51B9A3"/>
+      </a:accent4>
+      <a:accent5>
+        <a:srgbClr val="FB8C00"/>
+      </a:accent5>
+      <a:accent6>
+        <a:srgbClr val="FFAE88"/>
+      </a:accent6>
+      <a:hlink>
+        <a:srgbClr val="0277BD"/>
+      </a:hlink>
+      <a:folHlink>
+        <a:srgbClr val="0277BD"/>
+      </a:folHlink>
+    </a:clrScheme>
+    <a:fontScheme name="Office">
+      <a:majorFont>
+        <a:latin typeface="Arial"/>
+        <a:ea typeface=""/>
+        <a:cs typeface=""/>
+        <a:font script="Jpan" typeface="ＭＳ Ｐゴシック"/>
+        <a:font script="Hang" typeface="맑은 고딕"/>
+        <a:font script="Hans" typeface="宋体"/>
+        <a:font script="Hant" typeface="新細明體"/>
+        <a:font script="Arab" typeface="Times New Roman"/>
+        <a:font script="Hebr" typeface="Times New Roman"/>
+        <a:font script="Thai" typeface="Angsana New"/>
+        <a:font script="Ethi" typeface="Nyala"/>
+        <a:font script="Beng" typeface="Vrinda"/>
+        <a:font script="Gujr" typeface="Shruti"/>
+        <a:font script="Khmr" typeface="MoolBoran"/>
+        <a:font script="Knda" typeface="Tunga"/>
+        <a:font script="Guru" typeface="Raavi"/>
+        <a:font script="Cans" typeface="Euphemia"/>
+        <a:font script="Cher" typeface="Plantagenet Cherokee"/>
+        <a:font script="Yiii" typeface="Microsoft Yi Baiti"/>
+        <a:font script="Tibt" typeface="Microsoft Himalaya"/>
+        <a:font script="Thaa" typeface="MV Boli"/>
+        <a:font script="Deva" typeface="Mangal"/>
+        <a:font script="Telu" typeface="Gautami"/>
+        <a:font script="Taml" typeface="Latha"/>
+        <a:font script="Syrc" typeface="Estrangelo Edessa"/>
+        <a:font script="Orya" typeface="Kalinga"/>
+        <a:font script="Mlym" typeface="Kartika"/>
+        <a:font script="Laoo" typeface="DokChampa"/>
+        <a:font script="Sinh" typeface="Iskoola Pota"/>
+        <a:font script="Mong" typeface="Mongolian Baiti"/>
+        <a:font script="Viet" typeface="Times New Roman"/>
+        <a:font script="Uigh" typeface="Microsoft Uighur"/>
+        <a:font script="Geor" typeface="Sylfaen"/>
+      </a:majorFont>
+      <a:minorFont>
+        <a:latin typeface="Arial"/>
+        <a:ea typeface=""/>
+        <a:cs typeface=""/>
+        <a:font script="Jpan" typeface="ＭＳ Ｐゴシック"/>
+        <a:font script="Hang" typeface="맑은 고딕"/>
+        <a:font script="Hans" typeface="宋体"/>
+        <a:font script="Hant" typeface="新細明體"/>
+        <a:font script="Arab" typeface="Arial"/>
+        <a:font script="Hebr" typeface="Arial"/>
+        <a:font script="Thai" typeface="Cordia New"/>
+        <a:font script="Ethi" typeface="Nyala"/>
+        <a:font script="Beng" typeface="Vrinda"/>
+        <a:font script="Gujr" typeface="Shruti"/>
+        <a:font script="Khmr" typeface="DaunPenh"/>
+        <a:font script="Knda" typeface="Tunga"/>
+        <a:font script="Guru" typeface="Raavi"/>
+        <a:font script="Cans" typeface="Euphemia"/>
+        <a:font script="Cher" typeface="Plantagenet Cherokee"/>
+        <a:font script="Yiii" typeface="Microsoft Yi Baiti"/>
+        <a:font script="Tibt" typeface="Microsoft Himalaya"/>
+        <a:font script="Thaa" typeface="MV Boli"/>
+        <a:font script="Deva" typeface="Mangal"/>
+        <a:font script="Telu" typeface="Gautami"/>
+        <a:font script="Taml" typeface="Latha"/>
+        <a:font script="Syrc" typeface="Estrangelo Edessa"/>
+        <a:font script="Orya" typeface="Kalinga"/>
+        <a:font script="Mlym" typeface="Kartika"/>
+        <a:font script="Laoo" typeface="DokChampa"/>
+        <a:font script="Sinh" typeface="Iskoola Pota"/>
+        <a:font script="Mong" typeface="Mongolian Baiti"/>
+        <a:font script="Viet" typeface="Arial"/>
+        <a:font script="Uigh" typeface="Microsoft Uighur"/>
+        <a:font script="Geor" typeface="Sylfaen"/>
+      </a:minorFont>
+    </a:fontScheme>
+    <a:fmtScheme name="Office">
+      <a:fillStyleLst>
+        <a:solidFill>
+          <a:schemeClr val="phClr"/>
+        </a:solidFill>
+        <a:gradFill rotWithShape="1">
+          <a:gsLst>
+            <a:gs pos="0">
+              <a:schemeClr val="phClr">
+                <a:tint val="50000"/>
+                <a:satMod val="300000"/>
+              </a:schemeClr>
+            </a:gs>
+            <a:gs pos="35000">
+              <a:schemeClr val="phClr">
+                <a:tint val="37000"/>
+                <a:satMod val="300000"/>
+              </a:schemeClr>
+            </a:gs>
+            <a:gs pos="100000">
+              <a:schemeClr val="phClr">
+                <a:tint val="15000"/>
+                <a:satMod val="350000"/>
+              </a:schemeClr>
+            </a:gs>
+          </a:gsLst>
+          <a:lin ang="16200000" scaled="1"/>
+        </a:gradFill>
+        <a:gradFill rotWithShape="1">
+          <a:gsLst>
+            <a:gs pos="0">
+              <a:schemeClr val="phClr">
+                <a:tint val="100000"/>
+                <a:shade val="100000"/>
+                <a:satMod val="130000"/>
+              </a:schemeClr>
+            </a:gs>
+            <a:gs pos="100000">
+              <a:schemeClr val="phClr">
+                <a:tint val="50000"/>
+                <a:shade val="100000"/>
+                <a:satMod val="350000"/>
+              </a:schemeClr>
+            </a:gs>
+          </a:gsLst>
+          <a:lin ang="16200000" scaled="0"/>
+        </a:gradFill>
+      </a:fillStyleLst>
+      <a:lnStyleLst>
+        <a:ln w="9525" cap="flat" cmpd="sng" algn="ctr">
+          <a:solidFill>
+            <a:schemeClr val="phClr">
+              <a:shade val="95000"/>
+              <a:satMod val="105000"/>
+            </a:schemeClr>
+          </a:solidFill>
+          <a:prstDash val="solid"/>
+        </a:ln>
+        <a:ln w="25400" cap="flat" cmpd="sng" algn="ctr">
+          <a:solidFill>
+            <a:schemeClr val="phClr"/>
+          </a:solidFill>
+          <a:prstDash val="solid"/>
+        </a:ln>
+        <a:ln w="38100" cap="flat" cmpd="sng" algn="ctr">
+          <a:solidFill>
+            <a:schemeClr val="phClr"/>
+          </a:solidFill>
+          <a:prstDash val="solid"/>
+        </a:ln>
+      </a:lnStyleLst>
+      <a:effectStyleLst>
+        <a:effectStyle>
+          <a:effectLst>
+            <a:outerShdw blurRad="40000" dist="20000" dir="5400000" rotWithShape="0">
+              <a:srgbClr val="000000">
+                <a:alpha val="38000"/>
+              </a:srgbClr>
+            </a:outerShdw>
+          </a:effectLst>
+        </a:effectStyle>
+        <a:effectStyle>
+          <a:effectLst>
+            <a:outerShdw blurRad="40000" dist="23000" dir="5400000" rotWithShape="0">
+              <a:srgbClr val="000000">
+                <a:alpha val="35000"/>
+              </a:srgbClr>
+            </a:outerShdw>
+          </a:effectLst>
+        </a:effectStyle>
+        <a:effectStyle>
+          <a:effectLst>
+            <a:outerShdw blurRad="40000" dist="23000" dir="5400000" rotWithShape="0">
+              <a:srgbClr val="000000">
+                <a:alpha val="35000"/>
+              </a:srgbClr>
+            </a:outerShdw>
+          </a:effectLst>
+          <a:scene3d>
+            <a:camera prst="orthographicFront">
+              <a:rot lat="0" lon="0" rev="0"/>
+            </a:camera>
+            <a:lightRig rig="threePt" dir="t">
+              <a:rot lat="0" lon="0" rev="1200000"/>
+            </a:lightRig>
+          </a:scene3d>
+          <a:sp3d>
+            <a:bevelT w="63500" h="25400"/>
+          </a:sp3d>
+        </a:effectStyle>
+      </a:effectStyleLst>
+      <a:bgFillStyleLst>
+        <a:solidFill>
+          <a:schemeClr val="phClr"/>
+        </a:solidFill>
+        <a:gradFill rotWithShape="1">
+          <a:gsLst>
+            <a:gs pos="0">
+              <a:schemeClr val="phClr">
+                <a:tint val="40000"/>
+                <a:satMod val="350000"/>
+              </a:schemeClr>
+            </a:gs>
+            <a:gs pos="40000">
+              <a:schemeClr val="phClr">
+                <a:tint val="45000"/>
+                <a:shade val="99000"/>
+                <a:satMod val="350000"/>
+              </a:schemeClr>
+            </a:gs>
+            <a:gs pos="100000">
+              <a:schemeClr val="phClr">
+                <a:shade val="20000"/>
+                <a:satMod val="255000"/>
+              </a:schemeClr>
+            </a:gs>
+          </a:gsLst>
+          <a:path path="circle">
+            <a:fillToRect l="50000" t="-80000" r="50000" b="180000"/>
+          </a:path>
+        </a:gradFill>
+        <a:gradFill rotWithShape="1">
+          <a:gsLst>
+            <a:gs pos="0">
+              <a:schemeClr val="phClr">
+                <a:tint val="80000"/>
+                <a:satMod val="300000"/>
+              </a:schemeClr>
+            </a:gs>
+            <a:gs pos="100000">
+              <a:schemeClr val="phClr">
+                <a:shade val="30000"/>
+                <a:satMod val="200000"/>
+              </a:schemeClr>
+            </a:gs>
+          </a:gsLst>
+          <a:path path="circle">
+            <a:fillToRect l="50000" t="50000" r="50000" b="50000"/>
+          </a:path>
+        </a:gradFill>
+      </a:bgFillStyleLst>
+    </a:fmtScheme>
+  </a:themeElements>
+  <a:objectDefaults/>
+  <a:extraClrSchemeLst/>
+</a:theme>
+</file>
+
+<file path=ppt/theme/theme2.xml><?xml version="1.0" encoding="utf-8"?>
+<a:theme xmlns:a="http://schemas.openxmlformats.org/drawingml/2006/main">
   <a:themeElements>
     <a:clrScheme name="Default">
       <a:dk1>
@@ -11523,284 +11946,7 @@
       </a:bgFillStyleLst>
     </a:fmtScheme>
   </a:themeElements>
-</a:theme>
-</file>
-
-<file path=ppt/theme/theme2.xml><?xml version="1.0" encoding="utf-8"?>
-<a:theme xmlns:a="http://schemas.openxmlformats.org/drawingml/2006/main" xmlns:r="http://schemas.openxmlformats.org/officeDocument/2006/relationships" name="Swiss">
-  <a:themeElements>
-    <a:clrScheme name="Swiss">
-      <a:dk1>
-        <a:srgbClr val="F46524"/>
-      </a:dk1>
-      <a:lt1>
-        <a:srgbClr val="FFFFFF"/>
-      </a:lt1>
-      <a:dk2>
-        <a:srgbClr val="000000"/>
-      </a:dk2>
-      <a:lt2>
-        <a:srgbClr val="757575"/>
-      </a:lt2>
-      <a:accent1>
-        <a:srgbClr val="01579B"/>
-      </a:accent1>
-      <a:accent2>
-        <a:srgbClr val="27C7BD"/>
-      </a:accent2>
-      <a:accent3>
-        <a:srgbClr val="0099E8"/>
-      </a:accent3>
-      <a:accent4>
-        <a:srgbClr val="51B9A3"/>
-      </a:accent4>
-      <a:accent5>
-        <a:srgbClr val="FB8C00"/>
-      </a:accent5>
-      <a:accent6>
-        <a:srgbClr val="FFAE88"/>
-      </a:accent6>
-      <a:hlink>
-        <a:srgbClr val="0277BD"/>
-      </a:hlink>
-      <a:folHlink>
-        <a:srgbClr val="0277BD"/>
-      </a:folHlink>
-    </a:clrScheme>
-    <a:fontScheme name="Office">
-      <a:majorFont>
-        <a:latin typeface="Arial"/>
-        <a:ea typeface=""/>
-        <a:cs typeface=""/>
-        <a:font script="Jpan" typeface="ＭＳ Ｐゴシック"/>
-        <a:font script="Hang" typeface="맑은 고딕"/>
-        <a:font script="Hans" typeface="宋体"/>
-        <a:font script="Hant" typeface="新細明體"/>
-        <a:font script="Arab" typeface="Times New Roman"/>
-        <a:font script="Hebr" typeface="Times New Roman"/>
-        <a:font script="Thai" typeface="Angsana New"/>
-        <a:font script="Ethi" typeface="Nyala"/>
-        <a:font script="Beng" typeface="Vrinda"/>
-        <a:font script="Gujr" typeface="Shruti"/>
-        <a:font script="Khmr" typeface="MoolBoran"/>
-        <a:font script="Knda" typeface="Tunga"/>
-        <a:font script="Guru" typeface="Raavi"/>
-        <a:font script="Cans" typeface="Euphemia"/>
-        <a:font script="Cher" typeface="Plantagenet Cherokee"/>
-        <a:font script="Yiii" typeface="Microsoft Yi Baiti"/>
-        <a:font script="Tibt" typeface="Microsoft Himalaya"/>
-        <a:font script="Thaa" typeface="MV Boli"/>
-        <a:font script="Deva" typeface="Mangal"/>
-        <a:font script="Telu" typeface="Gautami"/>
-        <a:font script="Taml" typeface="Latha"/>
-        <a:font script="Syrc" typeface="Estrangelo Edessa"/>
-        <a:font script="Orya" typeface="Kalinga"/>
-        <a:font script="Mlym" typeface="Kartika"/>
-        <a:font script="Laoo" typeface="DokChampa"/>
-        <a:font script="Sinh" typeface="Iskoola Pota"/>
-        <a:font script="Mong" typeface="Mongolian Baiti"/>
-        <a:font script="Viet" typeface="Times New Roman"/>
-        <a:font script="Uigh" typeface="Microsoft Uighur"/>
-        <a:font script="Geor" typeface="Sylfaen"/>
-      </a:majorFont>
-      <a:minorFont>
-        <a:latin typeface="Arial"/>
-        <a:ea typeface=""/>
-        <a:cs typeface=""/>
-        <a:font script="Jpan" typeface="ＭＳ Ｐゴシック"/>
-        <a:font script="Hang" typeface="맑은 고딕"/>
-        <a:font script="Hans" typeface="宋体"/>
-        <a:font script="Hant" typeface="新細明體"/>
-        <a:font script="Arab" typeface="Arial"/>
-        <a:font script="Hebr" typeface="Arial"/>
-        <a:font script="Thai" typeface="Cordia New"/>
-        <a:font script="Ethi" typeface="Nyala"/>
-        <a:font script="Beng" typeface="Vrinda"/>
-        <a:font script="Gujr" typeface="Shruti"/>
-        <a:font script="Khmr" typeface="DaunPenh"/>
-        <a:font script="Knda" typeface="Tunga"/>
-        <a:font script="Guru" typeface="Raavi"/>
-        <a:font script="Cans" typeface="Euphemia"/>
-        <a:font script="Cher" typeface="Plantagenet Cherokee"/>
-        <a:font script="Yiii" typeface="Microsoft Yi Baiti"/>
-        <a:font script="Tibt" typeface="Microsoft Himalaya"/>
-        <a:font script="Thaa" typeface="MV Boli"/>
-        <a:font script="Deva" typeface="Mangal"/>
-        <a:font script="Telu" typeface="Gautami"/>
-        <a:font script="Taml" typeface="Latha"/>
-        <a:font script="Syrc" typeface="Estrangelo Edessa"/>
-        <a:font script="Orya" typeface="Kalinga"/>
-        <a:font script="Mlym" typeface="Kartika"/>
-        <a:font script="Laoo" typeface="DokChampa"/>
-        <a:font script="Sinh" typeface="Iskoola Pota"/>
-        <a:font script="Mong" typeface="Mongolian Baiti"/>
-        <a:font script="Viet" typeface="Arial"/>
-        <a:font script="Uigh" typeface="Microsoft Uighur"/>
-        <a:font script="Geor" typeface="Sylfaen"/>
-      </a:minorFont>
-    </a:fontScheme>
-    <a:fmtScheme name="Office">
-      <a:fillStyleLst>
-        <a:solidFill>
-          <a:schemeClr val="phClr"/>
-        </a:solidFill>
-        <a:gradFill rotWithShape="1">
-          <a:gsLst>
-            <a:gs pos="0">
-              <a:schemeClr val="phClr">
-                <a:tint val="50000"/>
-                <a:satMod val="300000"/>
-              </a:schemeClr>
-            </a:gs>
-            <a:gs pos="35000">
-              <a:schemeClr val="phClr">
-                <a:tint val="37000"/>
-                <a:satMod val="300000"/>
-              </a:schemeClr>
-            </a:gs>
-            <a:gs pos="100000">
-              <a:schemeClr val="phClr">
-                <a:tint val="15000"/>
-                <a:satMod val="350000"/>
-              </a:schemeClr>
-            </a:gs>
-          </a:gsLst>
-          <a:lin ang="16200000" scaled="1"/>
-        </a:gradFill>
-        <a:gradFill rotWithShape="1">
-          <a:gsLst>
-            <a:gs pos="0">
-              <a:schemeClr val="phClr">
-                <a:tint val="100000"/>
-                <a:shade val="100000"/>
-                <a:satMod val="130000"/>
-              </a:schemeClr>
-            </a:gs>
-            <a:gs pos="100000">
-              <a:schemeClr val="phClr">
-                <a:tint val="50000"/>
-                <a:shade val="100000"/>
-                <a:satMod val="350000"/>
-              </a:schemeClr>
-            </a:gs>
-          </a:gsLst>
-          <a:lin ang="16200000" scaled="0"/>
-        </a:gradFill>
-      </a:fillStyleLst>
-      <a:lnStyleLst>
-        <a:ln w="9525" cap="flat" cmpd="sng" algn="ctr">
-          <a:solidFill>
-            <a:schemeClr val="phClr">
-              <a:shade val="95000"/>
-              <a:satMod val="105000"/>
-            </a:schemeClr>
-          </a:solidFill>
-          <a:prstDash val="solid"/>
-        </a:ln>
-        <a:ln w="25400" cap="flat" cmpd="sng" algn="ctr">
-          <a:solidFill>
-            <a:schemeClr val="phClr"/>
-          </a:solidFill>
-          <a:prstDash val="solid"/>
-        </a:ln>
-        <a:ln w="38100" cap="flat" cmpd="sng" algn="ctr">
-          <a:solidFill>
-            <a:schemeClr val="phClr"/>
-          </a:solidFill>
-          <a:prstDash val="solid"/>
-        </a:ln>
-      </a:lnStyleLst>
-      <a:effectStyleLst>
-        <a:effectStyle>
-          <a:effectLst>
-            <a:outerShdw blurRad="40000" dist="20000" dir="5400000" rotWithShape="0">
-              <a:srgbClr val="000000">
-                <a:alpha val="38000"/>
-              </a:srgbClr>
-            </a:outerShdw>
-          </a:effectLst>
-        </a:effectStyle>
-        <a:effectStyle>
-          <a:effectLst>
-            <a:outerShdw blurRad="40000" dist="23000" dir="5400000" rotWithShape="0">
-              <a:srgbClr val="000000">
-                <a:alpha val="35000"/>
-              </a:srgbClr>
-            </a:outerShdw>
-          </a:effectLst>
-        </a:effectStyle>
-        <a:effectStyle>
-          <a:effectLst>
-            <a:outerShdw blurRad="40000" dist="23000" dir="5400000" rotWithShape="0">
-              <a:srgbClr val="000000">
-                <a:alpha val="35000"/>
-              </a:srgbClr>
-            </a:outerShdw>
-          </a:effectLst>
-          <a:scene3d>
-            <a:camera prst="orthographicFront">
-              <a:rot lat="0" lon="0" rev="0"/>
-            </a:camera>
-            <a:lightRig rig="threePt" dir="t">
-              <a:rot lat="0" lon="0" rev="1200000"/>
-            </a:lightRig>
-          </a:scene3d>
-          <a:sp3d>
-            <a:bevelT w="63500" h="25400"/>
-          </a:sp3d>
-        </a:effectStyle>
-      </a:effectStyleLst>
-      <a:bgFillStyleLst>
-        <a:solidFill>
-          <a:schemeClr val="phClr"/>
-        </a:solidFill>
-        <a:gradFill rotWithShape="1">
-          <a:gsLst>
-            <a:gs pos="0">
-              <a:schemeClr val="phClr">
-                <a:tint val="40000"/>
-                <a:satMod val="350000"/>
-              </a:schemeClr>
-            </a:gs>
-            <a:gs pos="40000">
-              <a:schemeClr val="phClr">
-                <a:tint val="45000"/>
-                <a:shade val="99000"/>
-                <a:satMod val="350000"/>
-              </a:schemeClr>
-            </a:gs>
-            <a:gs pos="100000">
-              <a:schemeClr val="phClr">
-                <a:shade val="20000"/>
-                <a:satMod val="255000"/>
-              </a:schemeClr>
-            </a:gs>
-          </a:gsLst>
-          <a:path path="circle">
-            <a:fillToRect l="50000" t="-80000" r="50000" b="180000"/>
-          </a:path>
-        </a:gradFill>
-        <a:gradFill rotWithShape="1">
-          <a:gsLst>
-            <a:gs pos="0">
-              <a:schemeClr val="phClr">
-                <a:tint val="80000"/>
-                <a:satMod val="300000"/>
-              </a:schemeClr>
-            </a:gs>
-            <a:gs pos="100000">
-              <a:schemeClr val="phClr">
-                <a:shade val="30000"/>
-                <a:satMod val="200000"/>
-              </a:schemeClr>
-            </a:gs>
-          </a:gsLst>
-          <a:path path="circle">
-            <a:fillToRect l="50000" t="50000" r="50000" b="50000"/>
-          </a:path>
-        </a:gradFill>
-      </a:bgFillStyleLst>
-    </a:fmtScheme>
-  </a:themeElements>
+  <a:objectDefaults/>
+  <a:extraClrSchemeLst/>
 </a:theme>
 </file>